--- a/overview/images/firmware.pptx
+++ b/overview/images/firmware.pptx
@@ -239,7 +239,7 @@
               <a:rPr lang="fr-FR" smtClean="0">
                 <a:latin typeface="Calibri Regular" charset="0"/>
               </a:rPr>
-              <a:t>janvier 21</a:t>
+              <a:t>mars 21</a:t>
             </a:fld>
             <a:endParaRPr lang="en-US" dirty="0">
               <a:latin typeface="Calibri Regular" charset="0"/>
@@ -418,7 +418,7 @@
             <a:fld id="{79958FA1-9FE8-F149-AB4B-7DC9950B39E9}" type="datetime6">
               <a:rPr lang="fr-FR" smtClean="0"/>
               <a:pPr/>
-              <a:t>janvier 21</a:t>
+              <a:t>mars 21</a:t>
             </a:fld>
             <a:endParaRPr lang="en-US" dirty="0"/>
           </a:p>
@@ -11261,7 +11261,7 @@
                 <a:ea typeface="Source Sans Pro Light" charset="0"/>
                 <a:cs typeface="Source Sans Pro Light" charset="0"/>
               </a:rPr>
-              <a:t>Graphical Engine</a:t>
+              <a:t>Graphics Engine</a:t>
             </a:r>
           </a:p>
         </p:txBody>

--- a/overview/images/firmware.pptx
+++ b/overview/images/firmware.pptx
@@ -239,7 +239,7 @@
               <a:rPr lang="fr-FR" smtClean="0">
                 <a:latin typeface="Calibri Regular" charset="0"/>
               </a:rPr>
-              <a:t>mars 21</a:t>
+              <a:t>avril 22</a:t>
             </a:fld>
             <a:endParaRPr lang="en-US" dirty="0">
               <a:latin typeface="Calibri Regular" charset="0"/>
@@ -418,7 +418,7 @@
             <a:fld id="{79958FA1-9FE8-F149-AB4B-7DC9950B39E9}" type="datetime6">
               <a:rPr lang="fr-FR" smtClean="0"/>
               <a:pPr/>
-              <a:t>mars 21</a:t>
+              <a:t>avril 22</a:t>
             </a:fld>
             <a:endParaRPr lang="en-US" dirty="0"/>
           </a:p>
@@ -6257,7 +6257,7 @@
           <p:cNvPr id="14" name="Slide Number Placeholder 5">
             <a:extLst>
               <a:ext uri="{FF2B5EF4-FFF2-40B4-BE49-F238E27FC236}">
-                <a16:creationId xmlns:a16="http://schemas.microsoft.com/office/drawing/2014/main" id="{D6A5EA0A-9DA9-564F-8F7D-CF263DB84C39}"/>
+                <a16:creationId xmlns:a16="http://schemas.microsoft.com/office/drawing/2014/main" xmlns="" id="{D6A5EA0A-9DA9-564F-8F7D-CF263DB84C39}"/>
               </a:ext>
             </a:extLst>
           </p:cNvPr>
@@ -6425,7 +6425,7 @@
           <p:cNvPr id="21" name="Straight Connector 20">
             <a:extLst>
               <a:ext uri="{FF2B5EF4-FFF2-40B4-BE49-F238E27FC236}">
-                <a16:creationId xmlns:a16="http://schemas.microsoft.com/office/drawing/2014/main" id="{F4443C96-B82D-F449-A71B-02134B6BB207}"/>
+                <a16:creationId xmlns:a16="http://schemas.microsoft.com/office/drawing/2014/main" xmlns="" id="{F4443C96-B82D-F449-A71B-02134B6BB207}"/>
               </a:ext>
             </a:extLst>
           </p:cNvPr>
@@ -6933,10 +6933,10 @@
       </p:grpSpPr>
       <p:sp>
         <p:nvSpPr>
-          <p:cNvPr id="130" name="Arc 129">
+          <p:cNvPr id="75" name="Arc 74">
             <a:extLst>
               <a:ext uri="{FF2B5EF4-FFF2-40B4-BE49-F238E27FC236}">
-                <a16:creationId xmlns:a16="http://schemas.microsoft.com/office/drawing/2014/main" id="{92ED2602-7A7D-C04E-901D-178735632588}"/>
+                <a16:creationId xmlns:a16="http://schemas.microsoft.com/office/drawing/2014/main" xmlns="" id="{060453BB-F2FC-A243-9739-B2863E6DCBA0}"/>
               </a:ext>
             </a:extLst>
           </p:cNvPr>
@@ -6987,10 +6987,10 @@
       </p:sp>
       <p:sp>
         <p:nvSpPr>
-          <p:cNvPr id="131" name="Arc 130">
+          <p:cNvPr id="76" name="Arc 75">
             <a:extLst>
               <a:ext uri="{FF2B5EF4-FFF2-40B4-BE49-F238E27FC236}">
-                <a16:creationId xmlns:a16="http://schemas.microsoft.com/office/drawing/2014/main" id="{593C4B50-771E-8244-AD77-1448B1634454}"/>
+                <a16:creationId xmlns:a16="http://schemas.microsoft.com/office/drawing/2014/main" xmlns="" id="{082EFA91-DD81-C447-8CF4-B191FF92FDC2}"/>
               </a:ext>
             </a:extLst>
           </p:cNvPr>
@@ -7041,10 +7041,10 @@
       </p:sp>
       <p:sp>
         <p:nvSpPr>
-          <p:cNvPr id="132" name="Snip Same Side Corner Rectangle 131">
+          <p:cNvPr id="77" name="Snip Same Side Corner Rectangle 76">
             <a:extLst>
               <a:ext uri="{FF2B5EF4-FFF2-40B4-BE49-F238E27FC236}">
-                <a16:creationId xmlns:a16="http://schemas.microsoft.com/office/drawing/2014/main" id="{14FFE711-CA9E-6244-BBC5-04B650F3BA21}"/>
+                <a16:creationId xmlns:a16="http://schemas.microsoft.com/office/drawing/2014/main" xmlns="" id="{93C230A8-43EB-B546-B305-CC8297598AE1}"/>
               </a:ext>
             </a:extLst>
           </p:cNvPr>
@@ -7111,10 +7111,10 @@
       </p:sp>
       <p:sp>
         <p:nvSpPr>
-          <p:cNvPr id="134" name="Rounded Rectangle 133">
+          <p:cNvPr id="78" name="Rounded Rectangle 77">
             <a:extLst>
               <a:ext uri="{FF2B5EF4-FFF2-40B4-BE49-F238E27FC236}">
-                <a16:creationId xmlns:a16="http://schemas.microsoft.com/office/drawing/2014/main" id="{ACBC2467-679C-8343-8895-47C69AC484F5}"/>
+                <a16:creationId xmlns:a16="http://schemas.microsoft.com/office/drawing/2014/main" xmlns="" id="{2AF5A412-FF36-A24E-9A06-0B5A1F78F311}"/>
               </a:ext>
             </a:extLst>
           </p:cNvPr>
@@ -7181,10 +7181,80 @@
       </p:sp>
       <p:sp>
         <p:nvSpPr>
-          <p:cNvPr id="136" name="Rounded Rectangle 135">
+          <p:cNvPr id="79" name="Rounded Rectangle 78">
             <a:extLst>
               <a:ext uri="{FF2B5EF4-FFF2-40B4-BE49-F238E27FC236}">
-                <a16:creationId xmlns:a16="http://schemas.microsoft.com/office/drawing/2014/main" id="{AF98AD97-A290-DD49-B165-F2390E7CA4C5}"/>
+                <a16:creationId xmlns:a16="http://schemas.microsoft.com/office/drawing/2014/main" xmlns="" id="{E3377285-D0B9-EA42-A462-097A2767D60F}"/>
+              </a:ext>
+            </a:extLst>
+          </p:cNvPr>
+          <p:cNvSpPr/>
+          <p:nvPr/>
+        </p:nvSpPr>
+        <p:spPr>
+          <a:xfrm>
+            <a:off x="8407762" y="5932909"/>
+            <a:ext cx="900000" cy="306000"/>
+          </a:xfrm>
+          <a:prstGeom prst="roundRect">
+            <a:avLst>
+              <a:gd name="adj" fmla="val 19644"/>
+            </a:avLst>
+          </a:prstGeom>
+          <a:solidFill>
+            <a:schemeClr val="tx2"/>
+          </a:solidFill>
+          <a:ln w="12700">
+            <a:noFill/>
+          </a:ln>
+          <a:effectLst/>
+        </p:spPr>
+        <p:style>
+          <a:lnRef idx="2">
+            <a:schemeClr val="dk1"/>
+          </a:lnRef>
+          <a:fillRef idx="1">
+            <a:schemeClr val="lt1"/>
+          </a:fillRef>
+          <a:effectRef idx="0">
+            <a:schemeClr val="dk1"/>
+          </a:effectRef>
+          <a:fontRef idx="minor">
+            <a:schemeClr val="dk1"/>
+          </a:fontRef>
+        </p:style>
+        <p:txBody>
+          <a:bodyPr wrap="square" tIns="72000" bIns="36000" rtlCol="0" anchor="ctr">
+            <a:noAutofit/>
+          </a:bodyPr>
+          <a:lstStyle/>
+          <a:p>
+            <a:pPr lvl="0" algn="ctr" defTabSz="914400">
+              <a:lnSpc>
+                <a:spcPts val="1180"/>
+              </a:lnSpc>
+              <a:defRPr/>
+            </a:pPr>
+            <a:r>
+              <a:rPr lang="en-US" sz="1200" kern="0" dirty="0">
+                <a:solidFill>
+                  <a:schemeClr val="bg1"/>
+                </a:solidFill>
+                <a:latin typeface="Source Sans Pro Light" charset="0"/>
+                <a:ea typeface="Source Sans Pro Light" charset="0"/>
+                <a:cs typeface="Source Sans Pro Light" charset="0"/>
+              </a:rPr>
+              <a:t>UART</a:t>
+            </a:r>
+          </a:p>
+        </p:txBody>
+      </p:sp>
+      <p:sp>
+        <p:nvSpPr>
+          <p:cNvPr id="80" name="Rounded Rectangle 79">
+            <a:extLst>
+              <a:ext uri="{FF2B5EF4-FFF2-40B4-BE49-F238E27FC236}">
+                <a16:creationId xmlns:a16="http://schemas.microsoft.com/office/drawing/2014/main" xmlns="" id="{8D4F4F48-B4E3-A841-AF8E-407BA63037C3}"/>
               </a:ext>
             </a:extLst>
           </p:cNvPr>
@@ -7272,10 +7342,10 @@
       </p:sp>
       <p:sp>
         <p:nvSpPr>
-          <p:cNvPr id="141" name="Rounded Rectangle 140">
+          <p:cNvPr id="81" name="Rounded Rectangle 80">
             <a:extLst>
               <a:ext uri="{FF2B5EF4-FFF2-40B4-BE49-F238E27FC236}">
-                <a16:creationId xmlns:a16="http://schemas.microsoft.com/office/drawing/2014/main" id="{89A21A3B-F6E5-9C46-A06A-020EF4440B56}"/>
+                <a16:creationId xmlns:a16="http://schemas.microsoft.com/office/drawing/2014/main" xmlns="" id="{7625AF1C-C148-7943-8936-2189C6B4B3C8}"/>
               </a:ext>
             </a:extLst>
           </p:cNvPr>
@@ -7353,10 +7423,10 @@
       </p:sp>
       <p:sp>
         <p:nvSpPr>
-          <p:cNvPr id="146" name="Rounded Rectangle 145">
+          <p:cNvPr id="82" name="Rounded Rectangle 81">
             <a:extLst>
               <a:ext uri="{FF2B5EF4-FFF2-40B4-BE49-F238E27FC236}">
-                <a16:creationId xmlns:a16="http://schemas.microsoft.com/office/drawing/2014/main" id="{A8B64A04-D9EB-C842-910A-4B9151E073C4}"/>
+                <a16:creationId xmlns:a16="http://schemas.microsoft.com/office/drawing/2014/main" xmlns="" id="{3F914E6A-E96D-D447-AA1C-252B914055B1}"/>
               </a:ext>
             </a:extLst>
           </p:cNvPr>
@@ -7423,10 +7493,10 @@
       </p:sp>
       <p:sp>
         <p:nvSpPr>
-          <p:cNvPr id="192" name="Rounded Rectangle 370">
+          <p:cNvPr id="83" name="Rounded Rectangle 370">
             <a:extLst>
               <a:ext uri="{FF2B5EF4-FFF2-40B4-BE49-F238E27FC236}">
-                <a16:creationId xmlns:a16="http://schemas.microsoft.com/office/drawing/2014/main" id="{78423108-4726-6241-8C42-6569D7989E9B}"/>
+                <a16:creationId xmlns:a16="http://schemas.microsoft.com/office/drawing/2014/main" xmlns="" id="{F2B17FA4-3633-F343-9E0C-1B0CEF8E5B3E}"/>
               </a:ext>
             </a:extLst>
           </p:cNvPr>
@@ -8342,10 +8412,10 @@
       </p:sp>
       <p:grpSp>
         <p:nvGrpSpPr>
-          <p:cNvPr id="193" name="Group 192">
+          <p:cNvPr id="84" name="Group 83">
             <a:extLst>
               <a:ext uri="{FF2B5EF4-FFF2-40B4-BE49-F238E27FC236}">
-                <a16:creationId xmlns:a16="http://schemas.microsoft.com/office/drawing/2014/main" id="{8F536206-9A84-B248-A3ED-D4A921F2C0DE}"/>
+                <a16:creationId xmlns:a16="http://schemas.microsoft.com/office/drawing/2014/main" xmlns="" id="{38EBC114-77E9-E74E-8263-4DEE0623CD13}"/>
               </a:ext>
             </a:extLst>
           </p:cNvPr>
@@ -8362,10 +8432,10 @@
         </p:grpSpPr>
         <p:sp>
           <p:nvSpPr>
-            <p:cNvPr id="194" name="Rounded Rectangle 193">
+            <p:cNvPr id="85" name="Rounded Rectangle 84">
               <a:extLst>
                 <a:ext uri="{FF2B5EF4-FFF2-40B4-BE49-F238E27FC236}">
-                  <a16:creationId xmlns:a16="http://schemas.microsoft.com/office/drawing/2014/main" id="{C0BDE949-AB32-0346-8194-7C0BA81356E0}"/>
+                  <a16:creationId xmlns:a16="http://schemas.microsoft.com/office/drawing/2014/main" xmlns="" id="{1F97F6F7-77E0-0744-80AE-76419C4BA8A7}"/>
                 </a:ext>
               </a:extLst>
             </p:cNvPr>
@@ -8425,10 +8495,10 @@
         </p:sp>
         <p:sp>
           <p:nvSpPr>
-            <p:cNvPr id="195" name="Rectangle 194">
+            <p:cNvPr id="86" name="Rectangle 85">
               <a:extLst>
                 <a:ext uri="{FF2B5EF4-FFF2-40B4-BE49-F238E27FC236}">
-                  <a16:creationId xmlns:a16="http://schemas.microsoft.com/office/drawing/2014/main" id="{400DA637-EEC9-964E-95EE-CF7758269150}"/>
+                  <a16:creationId xmlns:a16="http://schemas.microsoft.com/office/drawing/2014/main" xmlns="" id="{5C3DCC1D-F078-D640-A72E-2F0C0F72E809}"/>
                 </a:ext>
               </a:extLst>
             </p:cNvPr>
@@ -8494,10 +8564,10 @@
         </p:sp>
         <p:pic>
           <p:nvPicPr>
-            <p:cNvPr id="196" name="Picture 195">
+            <p:cNvPr id="87" name="Picture 86">
               <a:extLst>
                 <a:ext uri="{FF2B5EF4-FFF2-40B4-BE49-F238E27FC236}">
-                  <a16:creationId xmlns:a16="http://schemas.microsoft.com/office/drawing/2014/main" id="{EE1F92D8-C8CF-6047-8725-518BE8F4E003}"/>
+                  <a16:creationId xmlns:a16="http://schemas.microsoft.com/office/drawing/2014/main" xmlns="" id="{54856715-B090-974C-B91F-9F1B41C116E3}"/>
                 </a:ext>
               </a:extLst>
             </p:cNvPr>
@@ -8532,10 +8602,10 @@
       </p:grpSp>
       <p:sp>
         <p:nvSpPr>
-          <p:cNvPr id="197" name="Rounded Rectangle 196">
+          <p:cNvPr id="88" name="Rounded Rectangle 87">
             <a:extLst>
               <a:ext uri="{FF2B5EF4-FFF2-40B4-BE49-F238E27FC236}">
-                <a16:creationId xmlns:a16="http://schemas.microsoft.com/office/drawing/2014/main" id="{AA1856D5-67C9-4A42-834D-FD97420D9416}"/>
+                <a16:creationId xmlns:a16="http://schemas.microsoft.com/office/drawing/2014/main" xmlns="" id="{7272F29D-12F7-594D-BF44-2046F7A6E308}"/>
               </a:ext>
             </a:extLst>
           </p:cNvPr>
@@ -8544,7 +8614,7 @@
         </p:nvSpPr>
         <p:spPr>
           <a:xfrm rot="16200000">
-            <a:off x="10720475" y="4262247"/>
+            <a:off x="10720475" y="4648023"/>
             <a:ext cx="1215033" cy="383293"/>
           </a:xfrm>
           <a:prstGeom prst="roundRect">
@@ -8607,10 +8677,10 @@
       </p:sp>
       <p:sp>
         <p:nvSpPr>
-          <p:cNvPr id="198" name="Rounded Rectangle 197">
+          <p:cNvPr id="89" name="Rounded Rectangle 88">
             <a:extLst>
               <a:ext uri="{FF2B5EF4-FFF2-40B4-BE49-F238E27FC236}">
-                <a16:creationId xmlns:a16="http://schemas.microsoft.com/office/drawing/2014/main" id="{53E9E05E-19C4-CE48-8514-A203F59D0616}"/>
+                <a16:creationId xmlns:a16="http://schemas.microsoft.com/office/drawing/2014/main" xmlns="" id="{BA11B1EC-3CFC-3D48-B5A4-505052591809}"/>
               </a:ext>
             </a:extLst>
           </p:cNvPr>
@@ -8619,8 +8689,8 @@
         </p:nvSpPr>
         <p:spPr>
           <a:xfrm>
-            <a:off x="3726687" y="3661994"/>
-            <a:ext cx="7435852" cy="1917273"/>
+            <a:off x="3726687" y="4047771"/>
+            <a:ext cx="7435852" cy="1538707"/>
           </a:xfrm>
           <a:prstGeom prst="roundRect">
             <a:avLst>
@@ -8669,10 +8739,10 @@
       </p:sp>
       <p:sp>
         <p:nvSpPr>
-          <p:cNvPr id="199" name="TextBox 198">
+          <p:cNvPr id="90" name="TextBox 89">
             <a:extLst>
               <a:ext uri="{FF2B5EF4-FFF2-40B4-BE49-F238E27FC236}">
-                <a16:creationId xmlns:a16="http://schemas.microsoft.com/office/drawing/2014/main" id="{81F09BD8-F024-3B4C-8CD2-B4819322A8BA}"/>
+                <a16:creationId xmlns:a16="http://schemas.microsoft.com/office/drawing/2014/main" xmlns="" id="{B73A4B38-C063-604A-A476-A4B0EB81C503}"/>
               </a:ext>
             </a:extLst>
           </p:cNvPr>
@@ -8681,7 +8751,7 @@
         </p:nvSpPr>
         <p:spPr>
           <a:xfrm rot="16200000">
-            <a:off x="11009318" y="4229994"/>
+            <a:off x="11009318" y="4615770"/>
             <a:ext cx="947659" cy="442035"/>
           </a:xfrm>
           <a:prstGeom prst="rect">
@@ -8720,10 +8790,10 @@
       </p:sp>
       <p:sp>
         <p:nvSpPr>
-          <p:cNvPr id="200" name="Rounded Rectangle 199">
+          <p:cNvPr id="91" name="Rounded Rectangle 90">
             <a:extLst>
               <a:ext uri="{FF2B5EF4-FFF2-40B4-BE49-F238E27FC236}">
-                <a16:creationId xmlns:a16="http://schemas.microsoft.com/office/drawing/2014/main" id="{6767ADB2-E504-154E-9B89-A6EE4BF10571}"/>
+                <a16:creationId xmlns:a16="http://schemas.microsoft.com/office/drawing/2014/main" xmlns="" id="{ED404E0D-2795-B545-9375-BFB0E096DF34}"/>
               </a:ext>
             </a:extLst>
           </p:cNvPr>
@@ -8732,7 +8802,7 @@
         </p:nvSpPr>
         <p:spPr>
           <a:xfrm>
-            <a:off x="3945793" y="4762555"/>
+            <a:off x="3945793" y="5141187"/>
             <a:ext cx="7048360" cy="306000"/>
           </a:xfrm>
           <a:prstGeom prst="roundRect">
@@ -8792,10 +8862,10 @@
       </p:sp>
       <p:sp>
         <p:nvSpPr>
-          <p:cNvPr id="201" name="Rounded Rectangle 200">
+          <p:cNvPr id="92" name="Rectangle 91">
             <a:extLst>
               <a:ext uri="{FF2B5EF4-FFF2-40B4-BE49-F238E27FC236}">
-                <a16:creationId xmlns:a16="http://schemas.microsoft.com/office/drawing/2014/main" id="{C30C3A46-9F7B-B244-8E5B-1EBCADE1D96D}"/>
+                <a16:creationId xmlns:a16="http://schemas.microsoft.com/office/drawing/2014/main" xmlns="" id="{C6784975-6AC9-3B48-87AF-D23E163731B4}"/>
               </a:ext>
             </a:extLst>
           </p:cNvPr>
@@ -8804,7 +8874,58 @@
         </p:nvSpPr>
         <p:spPr>
           <a:xfrm>
-            <a:off x="3945794" y="4380390"/>
+            <a:off x="8953090" y="4110765"/>
+            <a:ext cx="1716528" cy="129587"/>
+          </a:xfrm>
+          <a:prstGeom prst="rect">
+            <a:avLst/>
+          </a:prstGeom>
+          <a:noFill/>
+          <a:ln w="31750">
+            <a:noFill/>
+          </a:ln>
+          <a:effectLst/>
+        </p:spPr>
+        <p:txBody>
+          <a:bodyPr wrap="square" lIns="0" tIns="0" rIns="0" bIns="0">
+            <a:spAutoFit/>
+          </a:bodyPr>
+          <a:lstStyle/>
+          <a:p>
+            <a:pPr algn="ctr">
+              <a:lnSpc>
+                <a:spcPts val="1000"/>
+              </a:lnSpc>
+            </a:pPr>
+            <a:r>
+              <a:rPr lang="en-US" sz="1000" b="1" dirty="0">
+                <a:ln w="0"/>
+                <a:solidFill>
+                  <a:schemeClr val="accent1"/>
+                </a:solidFill>
+                <a:latin typeface="Source Sans Pro" panose="020B0503030403020204" pitchFamily="34" charset="0"/>
+                <a:ea typeface="Source Sans Pro" panose="020B0503030403020204" pitchFamily="34" charset="0"/>
+              </a:rPr>
+              <a:t>ABSTRACTION LAYERS</a:t>
+            </a:r>
+          </a:p>
+        </p:txBody>
+      </p:sp>
+      <p:sp>
+        <p:nvSpPr>
+          <p:cNvPr id="93" name="Rounded Rectangle 92">
+            <a:extLst>
+              <a:ext uri="{FF2B5EF4-FFF2-40B4-BE49-F238E27FC236}">
+                <a16:creationId xmlns:a16="http://schemas.microsoft.com/office/drawing/2014/main" xmlns="" id="{33C5C744-2FA7-B748-B6C2-E72DF24B9D91}"/>
+              </a:ext>
+            </a:extLst>
+          </p:cNvPr>
+          <p:cNvSpPr/>
+          <p:nvPr/>
+        </p:nvSpPr>
+        <p:spPr>
+          <a:xfrm>
+            <a:off x="3945794" y="4766166"/>
             <a:ext cx="7048799" cy="306000"/>
           </a:xfrm>
           <a:prstGeom prst="roundRect">
@@ -8863,10 +8984,10 @@
       </p:sp>
       <p:grpSp>
         <p:nvGrpSpPr>
-          <p:cNvPr id="202" name="Group 201">
+          <p:cNvPr id="97" name="Group 96">
             <a:extLst>
               <a:ext uri="{FF2B5EF4-FFF2-40B4-BE49-F238E27FC236}">
-                <a16:creationId xmlns:a16="http://schemas.microsoft.com/office/drawing/2014/main" id="{9955E08D-D27F-0341-A3E5-0C70905DD66B}"/>
+                <a16:creationId xmlns:a16="http://schemas.microsoft.com/office/drawing/2014/main" xmlns="" id="{5E2DAE89-A9BB-5C49-9AB6-C79F1DAEDE64}"/>
               </a:ext>
             </a:extLst>
           </p:cNvPr>
@@ -8875,7 +8996,7 @@
         </p:nvGrpSpPr>
         <p:grpSpPr>
           <a:xfrm>
-            <a:off x="6714689" y="3413137"/>
+            <a:off x="6714689" y="3798913"/>
             <a:ext cx="1856244" cy="866663"/>
             <a:chOff x="3158016" y="3391718"/>
             <a:chExt cx="1856244" cy="866663"/>
@@ -8883,10 +9004,10 @@
         </p:grpSpPr>
         <p:sp>
           <p:nvSpPr>
-            <p:cNvPr id="203" name="Rounded Rectangle 370">
+            <p:cNvPr id="98" name="Rounded Rectangle 370">
               <a:extLst>
                 <a:ext uri="{FF2B5EF4-FFF2-40B4-BE49-F238E27FC236}">
-                  <a16:creationId xmlns:a16="http://schemas.microsoft.com/office/drawing/2014/main" id="{F0A0DCB4-0517-F14D-BC3B-82CD222364BE}"/>
+                  <a16:creationId xmlns:a16="http://schemas.microsoft.com/office/drawing/2014/main" xmlns="" id="{5706D4E4-A7C5-7F49-AB9B-9227A3278FCE}"/>
                 </a:ext>
               </a:extLst>
             </p:cNvPr>
@@ -9802,10 +9923,10 @@
         </p:sp>
         <p:grpSp>
           <p:nvGrpSpPr>
-            <p:cNvPr id="204" name="Group 203">
+            <p:cNvPr id="99" name="Group 98">
               <a:extLst>
                 <a:ext uri="{FF2B5EF4-FFF2-40B4-BE49-F238E27FC236}">
-                  <a16:creationId xmlns:a16="http://schemas.microsoft.com/office/drawing/2014/main" id="{37D5F8DA-E34C-3E4C-AB96-555AD5C99FB2}"/>
+                  <a16:creationId xmlns:a16="http://schemas.microsoft.com/office/drawing/2014/main" xmlns="" id="{DED36E0C-22B4-8243-BE39-78DAEB6907B6}"/>
                 </a:ext>
               </a:extLst>
             </p:cNvPr>
@@ -9822,10 +9943,10 @@
           </p:grpSpPr>
           <p:sp>
             <p:nvSpPr>
-              <p:cNvPr id="205" name="Rounded Rectangle 204">
+              <p:cNvPr id="100" name="Rounded Rectangle 99">
                 <a:extLst>
                   <a:ext uri="{FF2B5EF4-FFF2-40B4-BE49-F238E27FC236}">
-                    <a16:creationId xmlns:a16="http://schemas.microsoft.com/office/drawing/2014/main" id="{4BF5D67F-90DD-FE4C-983E-E9CF0EE7CD39}"/>
+                    <a16:creationId xmlns:a16="http://schemas.microsoft.com/office/drawing/2014/main" xmlns="" id="{28E4897E-BFB0-C447-B1A1-C6E81F12FAB8}"/>
                   </a:ext>
                 </a:extLst>
               </p:cNvPr>
@@ -9883,10 +10004,10 @@
           </p:sp>
           <p:grpSp>
             <p:nvGrpSpPr>
-              <p:cNvPr id="206" name="Group 205">
+              <p:cNvPr id="101" name="Group 100">
                 <a:extLst>
                   <a:ext uri="{FF2B5EF4-FFF2-40B4-BE49-F238E27FC236}">
-                    <a16:creationId xmlns:a16="http://schemas.microsoft.com/office/drawing/2014/main" id="{D37EC16A-FE36-0C41-87D8-A1F2D7C48036}"/>
+                    <a16:creationId xmlns:a16="http://schemas.microsoft.com/office/drawing/2014/main" xmlns="" id="{4F377B71-BB85-E84C-B24D-795DECA3A7C6}"/>
                   </a:ext>
                 </a:extLst>
               </p:cNvPr>
@@ -9903,10 +10024,10 @@
             </p:grpSpPr>
             <p:pic>
               <p:nvPicPr>
-                <p:cNvPr id="207" name="Picture 206">
+                <p:cNvPr id="102" name="Picture 101">
                   <a:extLst>
                     <a:ext uri="{FF2B5EF4-FFF2-40B4-BE49-F238E27FC236}">
-                      <a16:creationId xmlns:a16="http://schemas.microsoft.com/office/drawing/2014/main" id="{33B70A3B-83B7-3841-990F-633593FCB763}"/>
+                      <a16:creationId xmlns:a16="http://schemas.microsoft.com/office/drawing/2014/main" xmlns="" id="{E564ED05-6EB8-8240-92EE-0244288AB3F5}"/>
                     </a:ext>
                   </a:extLst>
                 </p:cNvPr>
@@ -9939,10 +10060,10 @@
             </p:pic>
             <p:pic>
               <p:nvPicPr>
-                <p:cNvPr id="208" name="Picture 207">
+                <p:cNvPr id="103" name="Picture 102">
                   <a:extLst>
                     <a:ext uri="{FF2B5EF4-FFF2-40B4-BE49-F238E27FC236}">
-                      <a16:creationId xmlns:a16="http://schemas.microsoft.com/office/drawing/2014/main" id="{6E47523C-39E3-414E-8E44-2AF044AA7D00}"/>
+                      <a16:creationId xmlns:a16="http://schemas.microsoft.com/office/drawing/2014/main" xmlns="" id="{B49F2F13-EC6A-1746-999F-3875CFB20DF3}"/>
                     </a:ext>
                   </a:extLst>
                 </p:cNvPr>
@@ -9978,10 +10099,10 @@
       </p:grpSp>
       <p:sp>
         <p:nvSpPr>
-          <p:cNvPr id="209" name="Rounded Rectangle 208">
+          <p:cNvPr id="104" name="Rounded Rectangle 103">
             <a:extLst>
               <a:ext uri="{FF2B5EF4-FFF2-40B4-BE49-F238E27FC236}">
-                <a16:creationId xmlns:a16="http://schemas.microsoft.com/office/drawing/2014/main" id="{A975D1CA-314E-6C4E-98B5-AEB9C6BF419E}"/>
+                <a16:creationId xmlns:a16="http://schemas.microsoft.com/office/drawing/2014/main" xmlns="" id="{8DD58497-F07A-E746-9247-53C992B30583}"/>
               </a:ext>
             </a:extLst>
           </p:cNvPr>
@@ -9990,8 +10111,8 @@
         </p:nvSpPr>
         <p:spPr>
           <a:xfrm rot="16200000">
-            <a:off x="10467847" y="2363108"/>
-            <a:ext cx="1666796" cy="456277"/>
+            <a:off x="10362445" y="2323213"/>
+            <a:ext cx="1877596" cy="456277"/>
           </a:xfrm>
           <a:prstGeom prst="roundRect">
             <a:avLst>
@@ -10053,10 +10174,10 @@
       </p:sp>
       <p:sp>
         <p:nvSpPr>
-          <p:cNvPr id="210" name="TextBox 209">
+          <p:cNvPr id="105" name="TextBox 104">
             <a:extLst>
               <a:ext uri="{FF2B5EF4-FFF2-40B4-BE49-F238E27FC236}">
-                <a16:creationId xmlns:a16="http://schemas.microsoft.com/office/drawing/2014/main" id="{6EDEC638-7AA3-3844-ABBC-882B8F8CE47B}"/>
+                <a16:creationId xmlns:a16="http://schemas.microsoft.com/office/drawing/2014/main" xmlns="" id="{54B16BBA-07E7-D147-A0A6-FE706EAC5032}"/>
               </a:ext>
             </a:extLst>
           </p:cNvPr>
@@ -10065,7 +10186,7 @@
         </p:nvSpPr>
         <p:spPr>
           <a:xfrm rot="16200000">
-            <a:off x="10769646" y="2374768"/>
+            <a:off x="10769646" y="2329136"/>
             <a:ext cx="1493095" cy="442035"/>
           </a:xfrm>
           <a:prstGeom prst="rect">
@@ -10114,10 +10235,10 @@
       </p:sp>
       <p:sp>
         <p:nvSpPr>
-          <p:cNvPr id="211" name="Rounded Rectangle 210">
+          <p:cNvPr id="106" name="Rounded Rectangle 105">
             <a:extLst>
               <a:ext uri="{FF2B5EF4-FFF2-40B4-BE49-F238E27FC236}">
-                <a16:creationId xmlns:a16="http://schemas.microsoft.com/office/drawing/2014/main" id="{8FA73B6C-6BC3-2C4F-92B9-639F08DA09D0}"/>
+                <a16:creationId xmlns:a16="http://schemas.microsoft.com/office/drawing/2014/main" xmlns="" id="{BBF629A8-41B9-9449-920C-365EE36C4615}"/>
               </a:ext>
             </a:extLst>
           </p:cNvPr>
@@ -10126,12 +10247,12 @@
         </p:nvSpPr>
         <p:spPr>
           <a:xfrm>
-            <a:off x="3726687" y="1657956"/>
-            <a:ext cx="7435852" cy="1794656"/>
+            <a:off x="3726687" y="1432045"/>
+            <a:ext cx="7435852" cy="2406342"/>
           </a:xfrm>
           <a:prstGeom prst="roundRect">
             <a:avLst>
-              <a:gd name="adj" fmla="val 6225"/>
+              <a:gd name="adj" fmla="val 3799"/>
             </a:avLst>
           </a:prstGeom>
           <a:solidFill>
@@ -10192,10 +10313,10 @@
       </p:sp>
       <p:sp>
         <p:nvSpPr>
-          <p:cNvPr id="212" name="Round Same Side Corner Rectangle 211">
+          <p:cNvPr id="107" name="Round Same Side Corner Rectangle 106">
             <a:extLst>
               <a:ext uri="{FF2B5EF4-FFF2-40B4-BE49-F238E27FC236}">
-                <a16:creationId xmlns:a16="http://schemas.microsoft.com/office/drawing/2014/main" id="{E78AC380-ACCE-F843-B0BD-ABC67A0AA13B}"/>
+                <a16:creationId xmlns:a16="http://schemas.microsoft.com/office/drawing/2014/main" xmlns="" id="{DFAD3B07-BCF9-904D-B49C-F7F1DBBAE3F1}"/>
               </a:ext>
             </a:extLst>
           </p:cNvPr>
@@ -10204,8 +10325,8 @@
         </p:nvSpPr>
         <p:spPr>
           <a:xfrm rot="10800000">
-            <a:off x="3877257" y="1652692"/>
-            <a:ext cx="7152452" cy="302613"/>
+            <a:off x="3877257" y="1422922"/>
+            <a:ext cx="7152452" cy="512115"/>
           </a:xfrm>
           <a:prstGeom prst="round2SameRect">
             <a:avLst>
@@ -10251,10 +10372,10 @@
       </p:sp>
       <p:sp>
         <p:nvSpPr>
-          <p:cNvPr id="213" name="Rounded Rectangle 212">
+          <p:cNvPr id="108" name="Rounded Rectangle 107">
             <a:extLst>
               <a:ext uri="{FF2B5EF4-FFF2-40B4-BE49-F238E27FC236}">
-                <a16:creationId xmlns:a16="http://schemas.microsoft.com/office/drawing/2014/main" id="{47693FB7-B60A-4B4E-94D8-A83759F54DB9}"/>
+                <a16:creationId xmlns:a16="http://schemas.microsoft.com/office/drawing/2014/main" xmlns="" id="{18D2E7C0-602F-D644-BE76-5AD87004495C}"/>
               </a:ext>
             </a:extLst>
           </p:cNvPr>
@@ -10263,8 +10384,103 @@
         </p:nvSpPr>
         <p:spPr>
           <a:xfrm>
-            <a:off x="3833866" y="2027267"/>
-            <a:ext cx="7240441" cy="306000"/>
+            <a:off x="3833866" y="2791774"/>
+            <a:ext cx="7239239" cy="656619"/>
+          </a:xfrm>
+          <a:prstGeom prst="roundRect">
+            <a:avLst>
+              <a:gd name="adj" fmla="val 10443"/>
+            </a:avLst>
+          </a:prstGeom>
+          <a:solidFill>
+            <a:schemeClr val="accent1">
+              <a:lumMod val="75000"/>
+            </a:schemeClr>
+          </a:solidFill>
+          <a:ln w="12700">
+            <a:noFill/>
+          </a:ln>
+          <a:effectLst>
+            <a:innerShdw blurRad="114300">
+              <a:prstClr val="black">
+                <a:alpha val="49000"/>
+              </a:prstClr>
+            </a:innerShdw>
+          </a:effectLst>
+        </p:spPr>
+        <p:style>
+          <a:lnRef idx="2">
+            <a:schemeClr val="dk1"/>
+          </a:lnRef>
+          <a:fillRef idx="1">
+            <a:schemeClr val="lt1"/>
+          </a:fillRef>
+          <a:effectRef idx="0">
+            <a:schemeClr val="dk1"/>
+          </a:effectRef>
+          <a:fontRef idx="minor">
+            <a:schemeClr val="dk1"/>
+          </a:fontRef>
+        </p:style>
+        <p:txBody>
+          <a:bodyPr wrap="square" lIns="108000" tIns="0" bIns="0" rtlCol="0" anchor="ctr">
+            <a:noAutofit/>
+          </a:bodyPr>
+          <a:lstStyle/>
+          <a:p>
+            <a:pPr lvl="0" algn="ctr"/>
+            <a:r>
+              <a:rPr lang="en-US" sz="1600" b="1" dirty="0">
+                <a:solidFill>
+                  <a:schemeClr val="bg1"/>
+                </a:solidFill>
+                <a:latin typeface="Source Sans Pro" charset="0"/>
+                <a:ea typeface="Source Sans Pro" charset="0"/>
+                <a:cs typeface="Source Sans Pro" charset="0"/>
+              </a:rPr>
+              <a:t>FOUNDATION LIBRARIES </a:t>
+            </a:r>
+          </a:p>
+          <a:p>
+            <a:pPr lvl="0" algn="ctr"/>
+            <a:endParaRPr lang="en-US" sz="1200" kern="0" dirty="0">
+              <a:solidFill>
+                <a:schemeClr val="bg1"/>
+              </a:solidFill>
+              <a:latin typeface="Source Sans Pro" charset="0"/>
+              <a:ea typeface="Source Sans Pro" charset="0"/>
+              <a:cs typeface="Source Sans Pro" charset="0"/>
+            </a:endParaRPr>
+          </a:p>
+          <a:p>
+            <a:pPr lvl="0" algn="ctr"/>
+            <a:endParaRPr lang="en-US" sz="1200" kern="0" dirty="0">
+              <a:solidFill>
+                <a:schemeClr val="bg1"/>
+              </a:solidFill>
+              <a:latin typeface="Source Sans Pro" charset="0"/>
+              <a:ea typeface="Source Sans Pro" charset="0"/>
+              <a:cs typeface="Source Sans Pro" charset="0"/>
+            </a:endParaRPr>
+          </a:p>
+        </p:txBody>
+      </p:sp>
+      <p:sp>
+        <p:nvSpPr>
+          <p:cNvPr id="109" name="Rounded Rectangle 108">
+            <a:extLst>
+              <a:ext uri="{FF2B5EF4-FFF2-40B4-BE49-F238E27FC236}">
+                <a16:creationId xmlns:a16="http://schemas.microsoft.com/office/drawing/2014/main" xmlns="" id="{4B7B3C4E-A531-344F-8071-988166080BC9}"/>
+              </a:ext>
+            </a:extLst>
+          </p:cNvPr>
+          <p:cNvSpPr/>
+          <p:nvPr/>
+        </p:nvSpPr>
+        <p:spPr>
+          <a:xfrm>
+            <a:off x="3833866" y="2006995"/>
+            <a:ext cx="7240441" cy="709939"/>
           </a:xfrm>
           <a:prstGeom prst="roundRect">
             <a:avLst>
@@ -10320,14 +10536,25 @@
               <a:t>ADD-ON LIBRARIES </a:t>
             </a:r>
           </a:p>
+          <a:p>
+            <a:pPr lvl="0" algn="ctr"/>
+            <a:endParaRPr lang="en-US" sz="2400" kern="0" dirty="0">
+              <a:solidFill>
+                <a:schemeClr val="bg1"/>
+              </a:solidFill>
+              <a:latin typeface="Source Sans Pro" charset="0"/>
+              <a:ea typeface="Source Sans Pro" charset="0"/>
+              <a:cs typeface="Source Sans Pro" charset="0"/>
+            </a:endParaRPr>
+          </a:p>
         </p:txBody>
       </p:sp>
       <p:pic>
         <p:nvPicPr>
-          <p:cNvPr id="214" name="Picture 213">
+          <p:cNvPr id="110" name="Picture 109">
             <a:extLst>
               <a:ext uri="{FF2B5EF4-FFF2-40B4-BE49-F238E27FC236}">
-                <a16:creationId xmlns:a16="http://schemas.microsoft.com/office/drawing/2014/main" id="{1F1CE7F5-603F-9246-A1BD-22962EA22171}"/>
+                <a16:creationId xmlns:a16="http://schemas.microsoft.com/office/drawing/2014/main" xmlns="" id="{D3436B46-A935-CB45-87ED-5240694C8454}"/>
               </a:ext>
             </a:extLst>
           </p:cNvPr>
@@ -10350,7 +10577,7 @@
         </p:blipFill>
         <p:spPr>
           <a:xfrm>
-            <a:off x="6523656" y="3089885"/>
+            <a:off x="6523656" y="3475661"/>
             <a:ext cx="1982135" cy="334761"/>
           </a:xfrm>
           <a:prstGeom prst="rect">
@@ -10360,10 +10587,10 @@
       </p:pic>
       <p:sp>
         <p:nvSpPr>
-          <p:cNvPr id="215" name="Rounded Rectangle 214">
+          <p:cNvPr id="111" name="Rounded Rectangle 110">
             <a:extLst>
               <a:ext uri="{FF2B5EF4-FFF2-40B4-BE49-F238E27FC236}">
-                <a16:creationId xmlns:a16="http://schemas.microsoft.com/office/drawing/2014/main" id="{76EBFF0C-3B0D-2847-9541-6F66EB06DC1C}"/>
+                <a16:creationId xmlns:a16="http://schemas.microsoft.com/office/drawing/2014/main" xmlns="" id="{95F3D14D-9F46-7A41-ABE3-8A82BDB80A6C}"/>
               </a:ext>
             </a:extLst>
           </p:cNvPr>
@@ -10372,8 +10599,269 @@
         </p:nvSpPr>
         <p:spPr>
           <a:xfrm>
-            <a:off x="6334284" y="1579774"/>
-            <a:ext cx="2236650" cy="306000"/>
+            <a:off x="3945794" y="2356337"/>
+            <a:ext cx="6994673" cy="289728"/>
+          </a:xfrm>
+          <a:prstGeom prst="roundRect">
+            <a:avLst>
+              <a:gd name="adj" fmla="val 22093"/>
+            </a:avLst>
+          </a:prstGeom>
+          <a:gradFill>
+            <a:gsLst>
+              <a:gs pos="91000">
+                <a:schemeClr val="bg1"/>
+              </a:gs>
+              <a:gs pos="98000">
+                <a:schemeClr val="bg1">
+                  <a:alpha val="0"/>
+                </a:schemeClr>
+              </a:gs>
+            </a:gsLst>
+            <a:lin ang="0" scaled="1"/>
+          </a:gradFill>
+          <a:ln w="12700">
+            <a:noFill/>
+          </a:ln>
+          <a:effectLst/>
+        </p:spPr>
+        <p:style>
+          <a:lnRef idx="2">
+            <a:schemeClr val="dk1"/>
+          </a:lnRef>
+          <a:fillRef idx="1">
+            <a:schemeClr val="lt1"/>
+          </a:fillRef>
+          <a:effectRef idx="0">
+            <a:schemeClr val="dk1"/>
+          </a:effectRef>
+          <a:fontRef idx="minor">
+            <a:schemeClr val="dk1"/>
+          </a:fontRef>
+        </p:style>
+        <p:txBody>
+          <a:bodyPr wrap="square" tIns="36000" bIns="36000" rtlCol="0" anchor="ctr">
+            <a:noAutofit/>
+          </a:bodyPr>
+          <a:lstStyle/>
+          <a:p>
+            <a:r>
+              <a:rPr lang="en-US" sz="1100" i="1" kern="0" dirty="0">
+                <a:solidFill>
+                  <a:schemeClr val="accent1">
+                    <a:lumMod val="75000"/>
+                  </a:schemeClr>
+                </a:solidFill>
+                <a:latin typeface="Source Sans Pro" charset="0"/>
+                <a:ea typeface="Source Sans Pro" charset="0"/>
+                <a:cs typeface="Source Sans Pro" charset="0"/>
+              </a:rPr>
+              <a:t> Web / REST servers  </a:t>
+            </a:r>
+            <a:r>
+              <a:rPr lang="en-US" sz="1100" kern="0" dirty="0">
+                <a:solidFill>
+                  <a:schemeClr val="accent1">
+                    <a:lumMod val="75000"/>
+                  </a:schemeClr>
+                </a:solidFill>
+                <a:latin typeface="Source Sans Pro ExtraLight" panose="020B0303030403020204" pitchFamily="34" charset="77"/>
+                <a:ea typeface="Source Sans Pro" charset="0"/>
+              </a:rPr>
+              <a:t>|</a:t>
+            </a:r>
+            <a:r>
+              <a:rPr lang="en-US" sz="1100" i="1" kern="0" dirty="0">
+                <a:solidFill>
+                  <a:schemeClr val="accent1">
+                    <a:lumMod val="75000"/>
+                  </a:schemeClr>
+                </a:solidFill>
+                <a:latin typeface="Source Sans Pro" charset="0"/>
+                <a:ea typeface="Source Sans Pro" charset="0"/>
+                <a:cs typeface="Source Sans Pro" charset="0"/>
+              </a:rPr>
+              <a:t>  MQTT / LWM2M clients  |  JSON  </a:t>
+            </a:r>
+            <a:r>
+              <a:rPr lang="en-US" sz="1100" kern="0" dirty="0">
+                <a:solidFill>
+                  <a:schemeClr val="accent1">
+                    <a:lumMod val="75000"/>
+                  </a:schemeClr>
+                </a:solidFill>
+                <a:latin typeface="Source Sans Pro ExtraLight" panose="020B0303030403020204" pitchFamily="34" charset="77"/>
+                <a:ea typeface="Source Sans Pro" charset="0"/>
+              </a:rPr>
+              <a:t>|</a:t>
+            </a:r>
+            <a:r>
+              <a:rPr lang="en-US" sz="1100" i="1" kern="0" dirty="0">
+                <a:solidFill>
+                  <a:schemeClr val="accent1">
+                    <a:lumMod val="75000"/>
+                  </a:schemeClr>
+                </a:solidFill>
+                <a:latin typeface="Source Sans Pro" charset="0"/>
+                <a:ea typeface="Source Sans Pro" charset="0"/>
+                <a:cs typeface="Source Sans Pro" charset="0"/>
+              </a:rPr>
+              <a:t>  CBOR   </a:t>
+            </a:r>
+            <a:r>
+              <a:rPr lang="en-US" sz="1100" kern="0" dirty="0">
+                <a:solidFill>
+                  <a:schemeClr val="accent1">
+                    <a:lumMod val="75000"/>
+                  </a:schemeClr>
+                </a:solidFill>
+                <a:latin typeface="Source Sans Pro ExtraLight" panose="020B0303030403020204" pitchFamily="34" charset="77"/>
+                <a:ea typeface="Source Sans Pro" charset="0"/>
+              </a:rPr>
+              <a:t>|</a:t>
+            </a:r>
+            <a:r>
+              <a:rPr lang="en-US" sz="1100" i="1" kern="0" dirty="0">
+                <a:solidFill>
+                  <a:schemeClr val="accent1">
+                    <a:lumMod val="75000"/>
+                  </a:schemeClr>
+                </a:solidFill>
+                <a:latin typeface="Source Sans Pro" charset="0"/>
+                <a:ea typeface="Source Sans Pro" charset="0"/>
+                <a:cs typeface="Source Sans Pro" charset="0"/>
+              </a:rPr>
+              <a:t>  Crypto  </a:t>
+            </a:r>
+            <a:r>
+              <a:rPr lang="en-US" sz="1100" kern="0" dirty="0">
+                <a:solidFill>
+                  <a:schemeClr val="accent1">
+                    <a:lumMod val="75000"/>
+                  </a:schemeClr>
+                </a:solidFill>
+                <a:latin typeface="Source Sans Pro ExtraLight" panose="020B0303030403020204" pitchFamily="34" charset="77"/>
+                <a:ea typeface="Source Sans Pro" charset="0"/>
+                <a:cs typeface="Source Sans Pro" charset="0"/>
+              </a:rPr>
+              <a:t>| </a:t>
+            </a:r>
+            <a:r>
+              <a:rPr lang="en-US" sz="1100" i="1" kern="0" dirty="0">
+                <a:solidFill>
+                  <a:schemeClr val="accent1">
+                    <a:lumMod val="75000"/>
+                  </a:schemeClr>
+                </a:solidFill>
+                <a:latin typeface="Source Sans Pro" charset="0"/>
+                <a:ea typeface="Source Sans Pro" charset="0"/>
+                <a:cs typeface="Source Sans Pro" charset="0"/>
+              </a:rPr>
+              <a:t> Widgets  |  Components  </a:t>
+            </a:r>
+            <a:r>
+              <a:rPr lang="en-US" sz="1100" kern="0" dirty="0">
+                <a:solidFill>
+                  <a:schemeClr val="accent1">
+                    <a:lumMod val="75000"/>
+                  </a:schemeClr>
+                </a:solidFill>
+                <a:latin typeface="Source Sans Pro ExtraLight" panose="020B0303030403020204" pitchFamily="34" charset="77"/>
+                <a:ea typeface="Source Sans Pro" charset="0"/>
+                <a:cs typeface="Source Sans Pro" charset="0"/>
+              </a:rPr>
+              <a:t>|</a:t>
+            </a:r>
+            <a:r>
+              <a:rPr lang="en-US" sz="1100" i="1" kern="0" dirty="0">
+                <a:solidFill>
+                  <a:schemeClr val="accent1">
+                    <a:lumMod val="75000"/>
+                  </a:schemeClr>
+                </a:solidFill>
+                <a:latin typeface="Source Sans Pro" charset="0"/>
+                <a:ea typeface="Source Sans Pro" charset="0"/>
+                <a:cs typeface="Source Sans Pro" charset="0"/>
+              </a:rPr>
+              <a:t>  </a:t>
+            </a:r>
+            <a:r>
+              <a:rPr lang="en-US" sz="1100" i="1" kern="0" dirty="0" err="1">
+                <a:solidFill>
+                  <a:schemeClr val="accent1">
+                    <a:lumMod val="75000"/>
+                  </a:schemeClr>
+                </a:solidFill>
+                <a:latin typeface="Source Sans Pro" charset="0"/>
+                <a:ea typeface="Source Sans Pro" charset="0"/>
+                <a:cs typeface="Source Sans Pro" charset="0"/>
+              </a:rPr>
+              <a:t>Eclasspath</a:t>
+            </a:r>
+            <a:r>
+              <a:rPr lang="en-US" sz="1100" i="1" kern="0" dirty="0">
+                <a:solidFill>
+                  <a:schemeClr val="accent1">
+                    <a:lumMod val="75000"/>
+                  </a:schemeClr>
+                </a:solidFill>
+                <a:latin typeface="Source Sans Pro" charset="0"/>
+                <a:ea typeface="Source Sans Pro" charset="0"/>
+                <a:cs typeface="Source Sans Pro" charset="0"/>
+              </a:rPr>
+              <a:t>  </a:t>
+            </a:r>
+            <a:r>
+              <a:rPr lang="en-US" sz="1100" kern="0" dirty="0">
+                <a:solidFill>
+                  <a:schemeClr val="accent1">
+                    <a:lumMod val="75000"/>
+                  </a:schemeClr>
+                </a:solidFill>
+                <a:latin typeface="Source Sans Pro ExtraLight" panose="020B0303030403020204" pitchFamily="34" charset="77"/>
+                <a:ea typeface="Source Sans Pro" charset="0"/>
+                <a:cs typeface="Source Sans Pro" charset="0"/>
+              </a:rPr>
+              <a:t>| </a:t>
+            </a:r>
+            <a:r>
+              <a:rPr lang="en-US" sz="1100" i="1" dirty="0">
+                <a:solidFill>
+                  <a:schemeClr val="accent1">
+                    <a:lumMod val="75000"/>
+                  </a:schemeClr>
+                </a:solidFill>
+                <a:latin typeface="Source Sans Pro Light" charset="0"/>
+                <a:ea typeface="Source Sans Pro Light" charset="0"/>
+                <a:cs typeface="Source Sans Pro Light" charset="0"/>
+              </a:rPr>
+              <a:t>…</a:t>
+            </a:r>
+            <a:endParaRPr lang="en-US" sz="1100" dirty="0">
+              <a:noFill/>
+              <a:latin typeface="Source Sans Pro Light" charset="0"/>
+              <a:ea typeface="Source Sans Pro Light" charset="0"/>
+              <a:cs typeface="Source Sans Pro Light" charset="0"/>
+            </a:endParaRPr>
+          </a:p>
+        </p:txBody>
+      </p:sp>
+      <p:sp>
+        <p:nvSpPr>
+          <p:cNvPr id="112" name="Rounded Rectangle 111">
+            <a:extLst>
+              <a:ext uri="{FF2B5EF4-FFF2-40B4-BE49-F238E27FC236}">
+                <a16:creationId xmlns:a16="http://schemas.microsoft.com/office/drawing/2014/main" xmlns="" id="{58F61A96-8B69-1C4D-B6A8-2472AC93EE91}"/>
+              </a:ext>
+            </a:extLst>
+          </p:cNvPr>
+          <p:cNvSpPr/>
+          <p:nvPr/>
+        </p:nvSpPr>
+        <p:spPr>
+          <a:xfrm>
+            <a:off x="5723060" y="1360728"/>
+            <a:ext cx="3459097" cy="485848"/>
           </a:xfrm>
           <a:prstGeom prst="roundRect">
             <a:avLst>
@@ -10419,7 +10907,7 @@
               </a:spcAft>
             </a:pPr>
             <a:r>
-              <a:rPr lang="en-US" sz="1600" b="1" dirty="0">
+              <a:rPr lang="en-US" sz="1600" b="1" dirty="0" smtClean="0">
                 <a:solidFill>
                   <a:schemeClr val="tx1"/>
                 </a:solidFill>
@@ -10427,7 +10915,7 @@
                 <a:ea typeface="Source Sans Pro" charset="0"/>
                 <a:cs typeface="Source Sans Pro" charset="0"/>
               </a:rPr>
-              <a:t>YOUR APPLICATIONS</a:t>
+              <a:t>APPLICATIONS</a:t>
             </a:r>
             <a:endParaRPr lang="en-US" sz="1200" dirty="0">
               <a:solidFill>
@@ -10440,12 +10928,612 @@
           </a:p>
         </p:txBody>
       </p:sp>
+      <p:grpSp>
+        <p:nvGrpSpPr>
+          <p:cNvPr id="113" name="Group 112">
+            <a:extLst>
+              <a:ext uri="{FF2B5EF4-FFF2-40B4-BE49-F238E27FC236}">
+                <a16:creationId xmlns:a16="http://schemas.microsoft.com/office/drawing/2014/main" xmlns="" id="{77142C24-5D87-0B40-BF8D-EBB84104CC3F}"/>
+              </a:ext>
+            </a:extLst>
+          </p:cNvPr>
+          <p:cNvGrpSpPr/>
+          <p:nvPr/>
+        </p:nvGrpSpPr>
+        <p:grpSpPr>
+          <a:xfrm>
+            <a:off x="4484967" y="1310830"/>
+            <a:ext cx="504684" cy="567187"/>
+            <a:chOff x="2526648" y="1186606"/>
+            <a:chExt cx="499606" cy="567187"/>
+          </a:xfrm>
+        </p:grpSpPr>
+        <p:pic>
+          <p:nvPicPr>
+            <p:cNvPr id="114" name="Picture 113">
+              <a:extLst>
+                <a:ext uri="{FF2B5EF4-FFF2-40B4-BE49-F238E27FC236}">
+                  <a16:creationId xmlns:a16="http://schemas.microsoft.com/office/drawing/2014/main" xmlns="" id="{32E4AC22-06B3-A545-9D10-372457BB573A}"/>
+                </a:ext>
+              </a:extLst>
+            </p:cNvPr>
+            <p:cNvPicPr>
+              <a:picLocks noChangeAspect="1"/>
+            </p:cNvPicPr>
+            <p:nvPr/>
+          </p:nvPicPr>
+          <p:blipFill>
+            <a:blip r:embed="rId6" cstate="print">
+              <a:duotone>
+                <a:schemeClr val="bg2">
+                  <a:shade val="45000"/>
+                  <a:satMod val="135000"/>
+                </a:schemeClr>
+                <a:prstClr val="white"/>
+              </a:duotone>
+              <a:extLst>
+                <a:ext uri="{28A0092B-C50C-407E-A947-70E740481C1C}">
+                  <a14:useLocalDpi xmlns:a14="http://schemas.microsoft.com/office/drawing/2010/main"/>
+                </a:ext>
+              </a:extLst>
+            </a:blip>
+            <a:stretch>
+              <a:fillRect/>
+            </a:stretch>
+          </p:blipFill>
+          <p:spPr>
+            <a:xfrm rot="5400000">
+              <a:off x="2492857" y="1220397"/>
+              <a:ext cx="567187" cy="499606"/>
+            </a:xfrm>
+            <a:prstGeom prst="rect">
+              <a:avLst/>
+            </a:prstGeom>
+          </p:spPr>
+        </p:pic>
+        <p:pic>
+          <p:nvPicPr>
+            <p:cNvPr id="115" name="Picture 114">
+              <a:extLst>
+                <a:ext uri="{FF2B5EF4-FFF2-40B4-BE49-F238E27FC236}">
+                  <a16:creationId xmlns:a16="http://schemas.microsoft.com/office/drawing/2014/main" xmlns="" id="{875D89A6-4766-0045-B8BB-4B029D8381AC}"/>
+                </a:ext>
+              </a:extLst>
+            </p:cNvPr>
+            <p:cNvPicPr>
+              <a:picLocks noChangeAspect="1"/>
+            </p:cNvPicPr>
+            <p:nvPr/>
+          </p:nvPicPr>
+          <p:blipFill>
+            <a:blip r:embed="rId7" cstate="print">
+              <a:extLst>
+                <a:ext uri="{28A0092B-C50C-407E-A947-70E740481C1C}">
+                  <a14:useLocalDpi xmlns:a14="http://schemas.microsoft.com/office/drawing/2010/main"/>
+                </a:ext>
+              </a:extLst>
+            </a:blip>
+            <a:stretch>
+              <a:fillRect/>
+            </a:stretch>
+          </p:blipFill>
+          <p:spPr>
+            <a:xfrm>
+              <a:off x="2597334" y="1294246"/>
+              <a:ext cx="358234" cy="358234"/>
+            </a:xfrm>
+            <a:prstGeom prst="rect">
+              <a:avLst/>
+            </a:prstGeom>
+          </p:spPr>
+        </p:pic>
+      </p:grpSp>
+      <p:grpSp>
+        <p:nvGrpSpPr>
+          <p:cNvPr id="116" name="Group 115">
+            <a:extLst>
+              <a:ext uri="{FF2B5EF4-FFF2-40B4-BE49-F238E27FC236}">
+                <a16:creationId xmlns:a16="http://schemas.microsoft.com/office/drawing/2014/main" xmlns="" id="{9E4A3087-982E-5D4F-A335-B035C925B29C}"/>
+              </a:ext>
+            </a:extLst>
+          </p:cNvPr>
+          <p:cNvGrpSpPr/>
+          <p:nvPr/>
+        </p:nvGrpSpPr>
+        <p:grpSpPr>
+          <a:xfrm>
+            <a:off x="9895204" y="1310435"/>
+            <a:ext cx="504684" cy="567187"/>
+            <a:chOff x="8761276" y="1218162"/>
+            <a:chExt cx="499606" cy="567187"/>
+          </a:xfrm>
+        </p:grpSpPr>
+        <p:pic>
+          <p:nvPicPr>
+            <p:cNvPr id="117" name="Picture 116">
+              <a:extLst>
+                <a:ext uri="{FF2B5EF4-FFF2-40B4-BE49-F238E27FC236}">
+                  <a16:creationId xmlns:a16="http://schemas.microsoft.com/office/drawing/2014/main" xmlns="" id="{15EA6F1A-0A35-B54F-BC28-5915A895D138}"/>
+                </a:ext>
+              </a:extLst>
+            </p:cNvPr>
+            <p:cNvPicPr>
+              <a:picLocks noChangeAspect="1"/>
+            </p:cNvPicPr>
+            <p:nvPr/>
+          </p:nvPicPr>
+          <p:blipFill>
+            <a:blip r:embed="rId6" cstate="print">
+              <a:duotone>
+                <a:schemeClr val="bg2">
+                  <a:shade val="45000"/>
+                  <a:satMod val="135000"/>
+                </a:schemeClr>
+                <a:prstClr val="white"/>
+              </a:duotone>
+              <a:extLst>
+                <a:ext uri="{28A0092B-C50C-407E-A947-70E740481C1C}">
+                  <a14:useLocalDpi xmlns:a14="http://schemas.microsoft.com/office/drawing/2010/main"/>
+                </a:ext>
+              </a:extLst>
+            </a:blip>
+            <a:stretch>
+              <a:fillRect/>
+            </a:stretch>
+          </p:blipFill>
+          <p:spPr>
+            <a:xfrm rot="5400000">
+              <a:off x="8727485" y="1251953"/>
+              <a:ext cx="567187" cy="499606"/>
+            </a:xfrm>
+            <a:prstGeom prst="rect">
+              <a:avLst/>
+            </a:prstGeom>
+          </p:spPr>
+        </p:pic>
+        <p:pic>
+          <p:nvPicPr>
+            <p:cNvPr id="118" name="Picture 117">
+              <a:extLst>
+                <a:ext uri="{FF2B5EF4-FFF2-40B4-BE49-F238E27FC236}">
+                  <a16:creationId xmlns:a16="http://schemas.microsoft.com/office/drawing/2014/main" xmlns="" id="{C4A0248F-CBA6-654D-A0ED-79E4F1C9F66A}"/>
+                </a:ext>
+              </a:extLst>
+            </p:cNvPr>
+            <p:cNvPicPr>
+              <a:picLocks noChangeAspect="1"/>
+            </p:cNvPicPr>
+            <p:nvPr/>
+          </p:nvPicPr>
+          <p:blipFill>
+            <a:blip r:embed="rId8" cstate="print">
+              <a:extLst>
+                <a:ext uri="{28A0092B-C50C-407E-A947-70E740481C1C}">
+                  <a14:useLocalDpi xmlns:a14="http://schemas.microsoft.com/office/drawing/2010/main"/>
+                </a:ext>
+              </a:extLst>
+            </a:blip>
+            <a:stretch>
+              <a:fillRect/>
+            </a:stretch>
+          </p:blipFill>
+          <p:spPr>
+            <a:xfrm>
+              <a:off x="8839007" y="1322639"/>
+              <a:ext cx="358234" cy="358234"/>
+            </a:xfrm>
+            <a:prstGeom prst="rect">
+              <a:avLst/>
+            </a:prstGeom>
+          </p:spPr>
+        </p:pic>
+      </p:grpSp>
+      <p:grpSp>
+        <p:nvGrpSpPr>
+          <p:cNvPr id="119" name="Group 118">
+            <a:extLst>
+              <a:ext uri="{FF2B5EF4-FFF2-40B4-BE49-F238E27FC236}">
+                <a16:creationId xmlns:a16="http://schemas.microsoft.com/office/drawing/2014/main" xmlns="" id="{933413C6-2CE5-BA48-8FFE-1A53AF8B6A03}"/>
+              </a:ext>
+            </a:extLst>
+          </p:cNvPr>
+          <p:cNvGrpSpPr/>
+          <p:nvPr/>
+        </p:nvGrpSpPr>
+        <p:grpSpPr>
+          <a:xfrm>
+            <a:off x="5079543" y="1310830"/>
+            <a:ext cx="504684" cy="567187"/>
+            <a:chOff x="3131716" y="1186606"/>
+            <a:chExt cx="499606" cy="567187"/>
+          </a:xfrm>
+        </p:grpSpPr>
+        <p:pic>
+          <p:nvPicPr>
+            <p:cNvPr id="120" name="Picture 119">
+              <a:extLst>
+                <a:ext uri="{FF2B5EF4-FFF2-40B4-BE49-F238E27FC236}">
+                  <a16:creationId xmlns:a16="http://schemas.microsoft.com/office/drawing/2014/main" xmlns="" id="{6C00C220-6AA1-5841-8522-8076E14816B5}"/>
+                </a:ext>
+              </a:extLst>
+            </p:cNvPr>
+            <p:cNvPicPr>
+              <a:picLocks noChangeAspect="1"/>
+            </p:cNvPicPr>
+            <p:nvPr/>
+          </p:nvPicPr>
+          <p:blipFill>
+            <a:blip r:embed="rId6" cstate="print">
+              <a:duotone>
+                <a:schemeClr val="bg2">
+                  <a:shade val="45000"/>
+                  <a:satMod val="135000"/>
+                </a:schemeClr>
+                <a:prstClr val="white"/>
+              </a:duotone>
+              <a:extLst>
+                <a:ext uri="{28A0092B-C50C-407E-A947-70E740481C1C}">
+                  <a14:useLocalDpi xmlns:a14="http://schemas.microsoft.com/office/drawing/2010/main"/>
+                </a:ext>
+              </a:extLst>
+            </a:blip>
+            <a:stretch>
+              <a:fillRect/>
+            </a:stretch>
+          </p:blipFill>
+          <p:spPr>
+            <a:xfrm rot="5400000">
+              <a:off x="3097925" y="1220397"/>
+              <a:ext cx="567187" cy="499606"/>
+            </a:xfrm>
+            <a:prstGeom prst="rect">
+              <a:avLst/>
+            </a:prstGeom>
+          </p:spPr>
+        </p:pic>
+        <p:pic>
+          <p:nvPicPr>
+            <p:cNvPr id="121" name="Picture 120">
+              <a:extLst>
+                <a:ext uri="{FF2B5EF4-FFF2-40B4-BE49-F238E27FC236}">
+                  <a16:creationId xmlns:a16="http://schemas.microsoft.com/office/drawing/2014/main" xmlns="" id="{DAE69181-17B7-B345-9ED3-3CF3DEB5DA2D}"/>
+                </a:ext>
+              </a:extLst>
+            </p:cNvPr>
+            <p:cNvPicPr>
+              <a:picLocks noChangeAspect="1"/>
+            </p:cNvPicPr>
+            <p:nvPr/>
+          </p:nvPicPr>
+          <p:blipFill>
+            <a:blip r:embed="rId9" cstate="print">
+              <a:extLst>
+                <a:ext uri="{28A0092B-C50C-407E-A947-70E740481C1C}">
+                  <a14:useLocalDpi xmlns:a14="http://schemas.microsoft.com/office/drawing/2010/main"/>
+                </a:ext>
+              </a:extLst>
+            </a:blip>
+            <a:stretch>
+              <a:fillRect/>
+            </a:stretch>
+          </p:blipFill>
+          <p:spPr>
+            <a:xfrm>
+              <a:off x="3202403" y="1289019"/>
+              <a:ext cx="358234" cy="358234"/>
+            </a:xfrm>
+            <a:prstGeom prst="rect">
+              <a:avLst/>
+            </a:prstGeom>
+          </p:spPr>
+        </p:pic>
+      </p:grpSp>
+      <p:grpSp>
+        <p:nvGrpSpPr>
+          <p:cNvPr id="122" name="Group 121">
+            <a:extLst>
+              <a:ext uri="{FF2B5EF4-FFF2-40B4-BE49-F238E27FC236}">
+                <a16:creationId xmlns:a16="http://schemas.microsoft.com/office/drawing/2014/main" xmlns="" id="{3EABABFF-AA2E-B049-9344-A0990317A37F}"/>
+              </a:ext>
+            </a:extLst>
+          </p:cNvPr>
+          <p:cNvGrpSpPr/>
+          <p:nvPr/>
+        </p:nvGrpSpPr>
+        <p:grpSpPr>
+          <a:xfrm>
+            <a:off x="9318808" y="1309574"/>
+            <a:ext cx="504684" cy="567187"/>
+            <a:chOff x="8163887" y="1217301"/>
+            <a:chExt cx="499606" cy="567187"/>
+          </a:xfrm>
+        </p:grpSpPr>
+        <p:pic>
+          <p:nvPicPr>
+            <p:cNvPr id="123" name="Picture 122">
+              <a:extLst>
+                <a:ext uri="{FF2B5EF4-FFF2-40B4-BE49-F238E27FC236}">
+                  <a16:creationId xmlns:a16="http://schemas.microsoft.com/office/drawing/2014/main" xmlns="" id="{820AA0B3-6BC7-5D45-BA69-C516DFF5928E}"/>
+                </a:ext>
+              </a:extLst>
+            </p:cNvPr>
+            <p:cNvPicPr>
+              <a:picLocks noChangeAspect="1"/>
+            </p:cNvPicPr>
+            <p:nvPr/>
+          </p:nvPicPr>
+          <p:blipFill>
+            <a:blip r:embed="rId6" cstate="print">
+              <a:duotone>
+                <a:schemeClr val="bg2">
+                  <a:shade val="45000"/>
+                  <a:satMod val="135000"/>
+                </a:schemeClr>
+                <a:prstClr val="white"/>
+              </a:duotone>
+              <a:extLst>
+                <a:ext uri="{28A0092B-C50C-407E-A947-70E740481C1C}">
+                  <a14:useLocalDpi xmlns:a14="http://schemas.microsoft.com/office/drawing/2010/main"/>
+                </a:ext>
+              </a:extLst>
+            </a:blip>
+            <a:stretch>
+              <a:fillRect/>
+            </a:stretch>
+          </p:blipFill>
+          <p:spPr>
+            <a:xfrm rot="5400000">
+              <a:off x="8130096" y="1251092"/>
+              <a:ext cx="567187" cy="499606"/>
+            </a:xfrm>
+            <a:prstGeom prst="rect">
+              <a:avLst/>
+            </a:prstGeom>
+          </p:spPr>
+        </p:pic>
+        <p:pic>
+          <p:nvPicPr>
+            <p:cNvPr id="124" name="Picture 123">
+              <a:extLst>
+                <a:ext uri="{FF2B5EF4-FFF2-40B4-BE49-F238E27FC236}">
+                  <a16:creationId xmlns:a16="http://schemas.microsoft.com/office/drawing/2014/main" xmlns="" id="{E0A8E789-0A84-7C41-9A3C-81FC919F7875}"/>
+                </a:ext>
+              </a:extLst>
+            </p:cNvPr>
+            <p:cNvPicPr>
+              <a:picLocks noChangeAspect="1"/>
+            </p:cNvPicPr>
+            <p:nvPr/>
+          </p:nvPicPr>
+          <p:blipFill>
+            <a:blip r:embed="rId10" cstate="print">
+              <a:extLst>
+                <a:ext uri="{28A0092B-C50C-407E-A947-70E740481C1C}">
+                  <a14:useLocalDpi xmlns:a14="http://schemas.microsoft.com/office/drawing/2010/main"/>
+                </a:ext>
+              </a:extLst>
+            </a:blip>
+            <a:stretch>
+              <a:fillRect/>
+            </a:stretch>
+          </p:blipFill>
+          <p:spPr>
+            <a:xfrm>
+              <a:off x="8234580" y="1321778"/>
+              <a:ext cx="358234" cy="358234"/>
+            </a:xfrm>
+            <a:prstGeom prst="rect">
+              <a:avLst/>
+            </a:prstGeom>
+          </p:spPr>
+        </p:pic>
+      </p:grpSp>
+      <p:grpSp>
+        <p:nvGrpSpPr>
+          <p:cNvPr id="125" name="Group 124">
+            <a:extLst>
+              <a:ext uri="{FF2B5EF4-FFF2-40B4-BE49-F238E27FC236}">
+                <a16:creationId xmlns:a16="http://schemas.microsoft.com/office/drawing/2014/main" xmlns="" id="{B5781DCD-8A1D-CF46-8967-ED7B5AA8FF0F}"/>
+              </a:ext>
+            </a:extLst>
+          </p:cNvPr>
+          <p:cNvGrpSpPr/>
+          <p:nvPr/>
+        </p:nvGrpSpPr>
+        <p:grpSpPr>
+          <a:xfrm>
+            <a:off x="10475316" y="1364395"/>
+            <a:ext cx="320188" cy="359842"/>
+            <a:chOff x="9372066" y="1213606"/>
+            <a:chExt cx="499605" cy="567186"/>
+          </a:xfrm>
+        </p:grpSpPr>
+        <p:pic>
+          <p:nvPicPr>
+            <p:cNvPr id="126" name="Picture 125">
+              <a:extLst>
+                <a:ext uri="{FF2B5EF4-FFF2-40B4-BE49-F238E27FC236}">
+                  <a16:creationId xmlns:a16="http://schemas.microsoft.com/office/drawing/2014/main" xmlns="" id="{73CC257F-E917-974B-9DFB-BB51D0C71019}"/>
+                </a:ext>
+              </a:extLst>
+            </p:cNvPr>
+            <p:cNvPicPr>
+              <a:picLocks noChangeAspect="1"/>
+            </p:cNvPicPr>
+            <p:nvPr/>
+          </p:nvPicPr>
+          <p:blipFill>
+            <a:blip r:embed="rId6" cstate="print">
+              <a:duotone>
+                <a:schemeClr val="bg2">
+                  <a:shade val="45000"/>
+                  <a:satMod val="135000"/>
+                </a:schemeClr>
+                <a:prstClr val="white"/>
+              </a:duotone>
+              <a:extLst>
+                <a:ext uri="{28A0092B-C50C-407E-A947-70E740481C1C}">
+                  <a14:useLocalDpi xmlns:a14="http://schemas.microsoft.com/office/drawing/2010/main"/>
+                </a:ext>
+              </a:extLst>
+            </a:blip>
+            <a:stretch>
+              <a:fillRect/>
+            </a:stretch>
+          </p:blipFill>
+          <p:spPr>
+            <a:xfrm rot="5400000">
+              <a:off x="9338276" y="1247396"/>
+              <a:ext cx="567186" cy="499605"/>
+            </a:xfrm>
+            <a:prstGeom prst="rect">
+              <a:avLst/>
+            </a:prstGeom>
+          </p:spPr>
+        </p:pic>
+        <p:pic>
+          <p:nvPicPr>
+            <p:cNvPr id="127" name="Picture 126">
+              <a:extLst>
+                <a:ext uri="{FF2B5EF4-FFF2-40B4-BE49-F238E27FC236}">
+                  <a16:creationId xmlns:a16="http://schemas.microsoft.com/office/drawing/2014/main" xmlns="" id="{27ADF93B-75AA-D648-9E1A-11159A6BA70F}"/>
+                </a:ext>
+              </a:extLst>
+            </p:cNvPr>
+            <p:cNvPicPr>
+              <a:picLocks noChangeAspect="1"/>
+            </p:cNvPicPr>
+            <p:nvPr/>
+          </p:nvPicPr>
+          <p:blipFill>
+            <a:blip r:embed="rId11" cstate="print">
+              <a:extLst>
+                <a:ext uri="{28A0092B-C50C-407E-A947-70E740481C1C}">
+                  <a14:useLocalDpi xmlns:a14="http://schemas.microsoft.com/office/drawing/2010/main"/>
+                </a:ext>
+              </a:extLst>
+            </a:blip>
+            <a:stretch>
+              <a:fillRect/>
+            </a:stretch>
+          </p:blipFill>
+          <p:spPr>
+            <a:xfrm>
+              <a:off x="9442775" y="1318085"/>
+              <a:ext cx="358233" cy="358233"/>
+            </a:xfrm>
+            <a:prstGeom prst="rect">
+              <a:avLst/>
+            </a:prstGeom>
+          </p:spPr>
+        </p:pic>
+      </p:grpSp>
+      <p:grpSp>
+        <p:nvGrpSpPr>
+          <p:cNvPr id="128" name="Group 127">
+            <a:extLst>
+              <a:ext uri="{FF2B5EF4-FFF2-40B4-BE49-F238E27FC236}">
+                <a16:creationId xmlns:a16="http://schemas.microsoft.com/office/drawing/2014/main" xmlns="" id="{20599E41-236C-4F4E-BBE8-23C9F8364679}"/>
+              </a:ext>
+            </a:extLst>
+          </p:cNvPr>
+          <p:cNvGrpSpPr/>
+          <p:nvPr/>
+        </p:nvGrpSpPr>
+        <p:grpSpPr>
+          <a:xfrm>
+            <a:off x="4121519" y="1369985"/>
+            <a:ext cx="304432" cy="342134"/>
+            <a:chOff x="1912107" y="1182931"/>
+            <a:chExt cx="499606" cy="567187"/>
+          </a:xfrm>
+        </p:grpSpPr>
+        <p:pic>
+          <p:nvPicPr>
+            <p:cNvPr id="129" name="Picture 128">
+              <a:extLst>
+                <a:ext uri="{FF2B5EF4-FFF2-40B4-BE49-F238E27FC236}">
+                  <a16:creationId xmlns:a16="http://schemas.microsoft.com/office/drawing/2014/main" xmlns="" id="{C1A49675-44CC-F743-91E9-5F7E762E0B23}"/>
+                </a:ext>
+              </a:extLst>
+            </p:cNvPr>
+            <p:cNvPicPr>
+              <a:picLocks noChangeAspect="1"/>
+            </p:cNvPicPr>
+            <p:nvPr/>
+          </p:nvPicPr>
+          <p:blipFill>
+            <a:blip r:embed="rId6" cstate="print">
+              <a:duotone>
+                <a:schemeClr val="bg2">
+                  <a:shade val="45000"/>
+                  <a:satMod val="135000"/>
+                </a:schemeClr>
+                <a:prstClr val="white"/>
+              </a:duotone>
+              <a:extLst>
+                <a:ext uri="{28A0092B-C50C-407E-A947-70E740481C1C}">
+                  <a14:useLocalDpi xmlns:a14="http://schemas.microsoft.com/office/drawing/2010/main"/>
+                </a:ext>
+              </a:extLst>
+            </a:blip>
+            <a:stretch>
+              <a:fillRect/>
+            </a:stretch>
+          </p:blipFill>
+          <p:spPr>
+            <a:xfrm rot="5400000">
+              <a:off x="1878316" y="1216722"/>
+              <a:ext cx="567187" cy="499606"/>
+            </a:xfrm>
+            <a:prstGeom prst="rect">
+              <a:avLst/>
+            </a:prstGeom>
+          </p:spPr>
+        </p:pic>
+        <p:pic>
+          <p:nvPicPr>
+            <p:cNvPr id="133" name="Picture 132">
+              <a:extLst>
+                <a:ext uri="{FF2B5EF4-FFF2-40B4-BE49-F238E27FC236}">
+                  <a16:creationId xmlns:a16="http://schemas.microsoft.com/office/drawing/2014/main" xmlns="" id="{91ECA565-503B-FF49-9BE4-83784E803173}"/>
+                </a:ext>
+              </a:extLst>
+            </p:cNvPr>
+            <p:cNvPicPr>
+              <a:picLocks noChangeAspect="1"/>
+            </p:cNvPicPr>
+            <p:nvPr/>
+          </p:nvPicPr>
+          <p:blipFill>
+            <a:blip r:embed="rId12" cstate="print">
+              <a:extLst>
+                <a:ext uri="{28A0092B-C50C-407E-A947-70E740481C1C}">
+                  <a14:useLocalDpi xmlns:a14="http://schemas.microsoft.com/office/drawing/2010/main"/>
+                </a:ext>
+              </a:extLst>
+            </a:blip>
+            <a:stretch>
+              <a:fillRect/>
+            </a:stretch>
+          </p:blipFill>
+          <p:spPr>
+            <a:xfrm>
+              <a:off x="2001900" y="1283776"/>
+              <a:ext cx="358234" cy="358234"/>
+            </a:xfrm>
+            <a:prstGeom prst="rect">
+              <a:avLst/>
+            </a:prstGeom>
+          </p:spPr>
+        </p:pic>
+      </p:grpSp>
       <p:sp>
         <p:nvSpPr>
-          <p:cNvPr id="216" name="Rounded Rectangle 215">
+          <p:cNvPr id="135" name="Rounded Rectangle 134">
             <a:extLst>
               <a:ext uri="{FF2B5EF4-FFF2-40B4-BE49-F238E27FC236}">
-                <a16:creationId xmlns:a16="http://schemas.microsoft.com/office/drawing/2014/main" id="{1ACE0B0B-1B61-F849-A88D-75584B3D5BB5}"/>
+                <a16:creationId xmlns:a16="http://schemas.microsoft.com/office/drawing/2014/main" xmlns="" id="{16D80F87-C85C-E749-B7D1-E9D523AC3EE9}"/>
               </a:ext>
             </a:extLst>
           </p:cNvPr>
@@ -10454,7 +11542,7 @@
         </p:nvSpPr>
         <p:spPr>
           <a:xfrm>
-            <a:off x="4941422" y="3993539"/>
+            <a:off x="4941422" y="4379315"/>
             <a:ext cx="900000" cy="309727"/>
           </a:xfrm>
           <a:prstGeom prst="roundRect">
@@ -10532,10 +11620,10 @@
       </p:sp>
       <p:sp>
         <p:nvSpPr>
-          <p:cNvPr id="217" name="Rounded Rectangle 216">
+          <p:cNvPr id="137" name="Rounded Rectangle 136">
             <a:extLst>
               <a:ext uri="{FF2B5EF4-FFF2-40B4-BE49-F238E27FC236}">
-                <a16:creationId xmlns:a16="http://schemas.microsoft.com/office/drawing/2014/main" id="{23FD3B38-C232-B54D-AD9E-71DF76A12CDA}"/>
+                <a16:creationId xmlns:a16="http://schemas.microsoft.com/office/drawing/2014/main" xmlns="" id="{804CF3A3-388B-5049-99B5-BD0318407DCB}"/>
               </a:ext>
             </a:extLst>
           </p:cNvPr>
@@ -10544,7 +11632,7 @@
         </p:nvSpPr>
         <p:spPr>
           <a:xfrm>
-            <a:off x="3945794" y="3993539"/>
+            <a:off x="3945794" y="4379315"/>
             <a:ext cx="900000" cy="306365"/>
           </a:xfrm>
           <a:prstGeom prst="roundRect">
@@ -10616,10 +11704,10 @@
       </p:sp>
       <p:sp>
         <p:nvSpPr>
-          <p:cNvPr id="218" name="Rounded Rectangle 217">
+          <p:cNvPr id="138" name="Rounded Rectangle 137">
             <a:extLst>
               <a:ext uri="{FF2B5EF4-FFF2-40B4-BE49-F238E27FC236}">
-                <a16:creationId xmlns:a16="http://schemas.microsoft.com/office/drawing/2014/main" id="{CDC9B486-3D40-164D-90C4-D3880ADA2AD8}"/>
+                <a16:creationId xmlns:a16="http://schemas.microsoft.com/office/drawing/2014/main" xmlns="" id="{7F4C19CA-9E49-EF41-811F-AB350E512E40}"/>
               </a:ext>
             </a:extLst>
           </p:cNvPr>
@@ -10628,7 +11716,7 @@
         </p:nvSpPr>
         <p:spPr>
           <a:xfrm>
-            <a:off x="8407762" y="3993539"/>
+            <a:off x="8407762" y="4379315"/>
             <a:ext cx="900000" cy="306365"/>
           </a:xfrm>
           <a:prstGeom prst="roundRect">
@@ -10681,10 +11769,10 @@
       </p:sp>
       <p:sp>
         <p:nvSpPr>
-          <p:cNvPr id="219" name="Rounded Rectangle 218">
+          <p:cNvPr id="139" name="Rounded Rectangle 138">
             <a:extLst>
               <a:ext uri="{FF2B5EF4-FFF2-40B4-BE49-F238E27FC236}">
-                <a16:creationId xmlns:a16="http://schemas.microsoft.com/office/drawing/2014/main" id="{3D78056C-6D9A-5B4C-B51A-B300AC372CD7}"/>
+                <a16:creationId xmlns:a16="http://schemas.microsoft.com/office/drawing/2014/main" xmlns="" id="{3CE4B3CF-1519-A949-8083-8DD3ED7F09F3}"/>
               </a:ext>
             </a:extLst>
           </p:cNvPr>
@@ -10693,7 +11781,7 @@
         </p:nvSpPr>
         <p:spPr>
           <a:xfrm>
-            <a:off x="10399015" y="3993538"/>
+            <a:off x="10399015" y="4379314"/>
             <a:ext cx="435989" cy="306000"/>
           </a:xfrm>
           <a:prstGeom prst="roundRect">
@@ -10755,10 +11843,10 @@
       </p:sp>
       <p:cxnSp>
         <p:nvCxnSpPr>
-          <p:cNvPr id="220" name="Straight Connector 219">
+          <p:cNvPr id="140" name="Straight Connector 139">
             <a:extLst>
               <a:ext uri="{FF2B5EF4-FFF2-40B4-BE49-F238E27FC236}">
-                <a16:creationId xmlns:a16="http://schemas.microsoft.com/office/drawing/2014/main" id="{675773B9-BDD6-3945-9939-DD3DC1F94170}"/>
+                <a16:creationId xmlns:a16="http://schemas.microsoft.com/office/drawing/2014/main" xmlns="" id="{83D9A465-7F9A-D647-BB8D-95E7D93324C7}"/>
               </a:ext>
             </a:extLst>
           </p:cNvPr>
@@ -10769,7 +11857,7 @@
         </p:nvCxnSpPr>
         <p:spPr>
           <a:xfrm>
-            <a:off x="4959422" y="3896525"/>
+            <a:off x="4959422" y="4282301"/>
             <a:ext cx="864000" cy="0"/>
           </a:xfrm>
           <a:prstGeom prst="line">
@@ -10799,10 +11887,10 @@
       </p:cxnSp>
       <p:cxnSp>
         <p:nvCxnSpPr>
-          <p:cNvPr id="237" name="Straight Connector 236">
+          <p:cNvPr id="142" name="Straight Connector 141">
             <a:extLst>
               <a:ext uri="{FF2B5EF4-FFF2-40B4-BE49-F238E27FC236}">
-                <a16:creationId xmlns:a16="http://schemas.microsoft.com/office/drawing/2014/main" id="{7ADE8D6B-4EF9-1048-BB33-8292DDD3E50C}"/>
+                <a16:creationId xmlns:a16="http://schemas.microsoft.com/office/drawing/2014/main" xmlns="" id="{6F5E5DB1-CE8B-A743-812A-CD1FB067D597}"/>
               </a:ext>
             </a:extLst>
           </p:cNvPr>
@@ -10813,7 +11901,7 @@
         </p:nvCxnSpPr>
         <p:spPr>
           <a:xfrm>
-            <a:off x="10417015" y="3896525"/>
+            <a:off x="10417015" y="4282301"/>
             <a:ext cx="408820" cy="0"/>
           </a:xfrm>
           <a:prstGeom prst="line">
@@ -10854,10 +11942,10 @@
       </p:cxnSp>
       <p:cxnSp>
         <p:nvCxnSpPr>
-          <p:cNvPr id="238" name="Straight Connector 237">
+          <p:cNvPr id="143" name="Straight Connector 142">
             <a:extLst>
               <a:ext uri="{FF2B5EF4-FFF2-40B4-BE49-F238E27FC236}">
-                <a16:creationId xmlns:a16="http://schemas.microsoft.com/office/drawing/2014/main" id="{3A2CF5DB-E7EE-E74B-90A3-F595B6F8C969}"/>
+                <a16:creationId xmlns:a16="http://schemas.microsoft.com/office/drawing/2014/main" xmlns="" id="{207454CF-6B05-EF42-B246-84D394D78949}"/>
               </a:ext>
             </a:extLst>
           </p:cNvPr>
@@ -10868,7 +11956,7 @@
         </p:nvCxnSpPr>
         <p:spPr>
           <a:xfrm>
-            <a:off x="3963794" y="3896525"/>
+            <a:off x="3963794" y="4282301"/>
             <a:ext cx="864000" cy="0"/>
           </a:xfrm>
           <a:prstGeom prst="line">
@@ -10898,10 +11986,10 @@
       </p:cxnSp>
       <p:cxnSp>
         <p:nvCxnSpPr>
-          <p:cNvPr id="239" name="Straight Connector 238">
+          <p:cNvPr id="144" name="Straight Connector 143">
             <a:extLst>
               <a:ext uri="{FF2B5EF4-FFF2-40B4-BE49-F238E27FC236}">
-                <a16:creationId xmlns:a16="http://schemas.microsoft.com/office/drawing/2014/main" id="{3E56DDAD-E10D-364B-8234-7ADE54604A87}"/>
+                <a16:creationId xmlns:a16="http://schemas.microsoft.com/office/drawing/2014/main" xmlns="" id="{1C605778-F077-1B46-9AD6-7D0A17BBB927}"/>
               </a:ext>
             </a:extLst>
           </p:cNvPr>
@@ -10912,7 +12000,7 @@
         </p:nvCxnSpPr>
         <p:spPr>
           <a:xfrm>
-            <a:off x="8425762" y="3896525"/>
+            <a:off x="8425762" y="4282301"/>
             <a:ext cx="864000" cy="0"/>
           </a:xfrm>
           <a:prstGeom prst="line">
@@ -10942,10 +12030,10 @@
       </p:cxnSp>
       <p:sp>
         <p:nvSpPr>
-          <p:cNvPr id="240" name="Rounded Rectangle 239">
+          <p:cNvPr id="145" name="Rounded Rectangle 144">
             <a:extLst>
               <a:ext uri="{FF2B5EF4-FFF2-40B4-BE49-F238E27FC236}">
-                <a16:creationId xmlns:a16="http://schemas.microsoft.com/office/drawing/2014/main" id="{33EEAB03-B471-2744-8E94-AF6BDAAAC8B7}"/>
+                <a16:creationId xmlns:a16="http://schemas.microsoft.com/office/drawing/2014/main" xmlns="" id="{59822B67-70F0-5E4E-93C4-F658B5D6D252}"/>
               </a:ext>
             </a:extLst>
           </p:cNvPr>
@@ -10954,7 +12042,7 @@
         </p:nvSpPr>
         <p:spPr>
           <a:xfrm>
-            <a:off x="9403390" y="3993539"/>
+            <a:off x="9403390" y="4379315"/>
             <a:ext cx="900000" cy="306365"/>
           </a:xfrm>
           <a:prstGeom prst="roundRect">
@@ -11011,10 +12099,10 @@
       </p:sp>
       <p:cxnSp>
         <p:nvCxnSpPr>
-          <p:cNvPr id="248" name="Straight Connector 247">
+          <p:cNvPr id="147" name="Straight Connector 146">
             <a:extLst>
               <a:ext uri="{FF2B5EF4-FFF2-40B4-BE49-F238E27FC236}">
-                <a16:creationId xmlns:a16="http://schemas.microsoft.com/office/drawing/2014/main" id="{C9D4F080-74BA-C942-AE12-047B3A61C8CF}"/>
+                <a16:creationId xmlns:a16="http://schemas.microsoft.com/office/drawing/2014/main" xmlns="" id="{6F5A09EE-4E9D-2D40-8839-EA4BC8B32AD6}"/>
               </a:ext>
             </a:extLst>
           </p:cNvPr>
@@ -11025,7 +12113,7 @@
         </p:nvCxnSpPr>
         <p:spPr>
           <a:xfrm>
-            <a:off x="9421390" y="3896525"/>
+            <a:off x="9421390" y="4282301"/>
             <a:ext cx="864000" cy="0"/>
           </a:xfrm>
           <a:prstGeom prst="line">
@@ -11055,10 +12143,10 @@
       </p:cxnSp>
       <p:sp>
         <p:nvSpPr>
-          <p:cNvPr id="249" name="Rounded Rectangle 248">
+          <p:cNvPr id="148" name="Rounded Rectangle 147">
             <a:extLst>
               <a:ext uri="{FF2B5EF4-FFF2-40B4-BE49-F238E27FC236}">
-                <a16:creationId xmlns:a16="http://schemas.microsoft.com/office/drawing/2014/main" id="{5C97686E-D942-2F42-AEB0-A57A9E0CE3C5}"/>
+                <a16:creationId xmlns:a16="http://schemas.microsoft.com/office/drawing/2014/main" xmlns="" id="{30B3DB3A-B9BC-4A43-BDD0-16B109726168}"/>
               </a:ext>
             </a:extLst>
           </p:cNvPr>
@@ -11067,7 +12155,7 @@
         </p:nvSpPr>
         <p:spPr>
           <a:xfrm>
-            <a:off x="4044758" y="4436690"/>
+            <a:off x="4044758" y="4822466"/>
             <a:ext cx="2790258" cy="190126"/>
           </a:xfrm>
           <a:prstGeom prst="roundRect">
@@ -11122,10 +12210,10 @@
       </p:sp>
       <p:sp>
         <p:nvSpPr>
-          <p:cNvPr id="250" name="Rounded Rectangle 249">
+          <p:cNvPr id="149" name="Rounded Rectangle 148">
             <a:extLst>
               <a:ext uri="{FF2B5EF4-FFF2-40B4-BE49-F238E27FC236}">
-                <a16:creationId xmlns:a16="http://schemas.microsoft.com/office/drawing/2014/main" id="{379104E9-E98D-8C4E-9CC3-C64EC8730AA7}"/>
+                <a16:creationId xmlns:a16="http://schemas.microsoft.com/office/drawing/2014/main" xmlns="" id="{E3876AA5-D2F0-3C4D-9850-9162AAE35B00}"/>
               </a:ext>
             </a:extLst>
           </p:cNvPr>
@@ -11134,7 +12222,7 @@
         </p:nvSpPr>
         <p:spPr>
           <a:xfrm>
-            <a:off x="10399015" y="4436689"/>
+            <a:off x="10399015" y="4822465"/>
             <a:ext cx="412188" cy="190800"/>
           </a:xfrm>
           <a:prstGeom prst="roundRect">
@@ -11199,10 +12287,10 @@
       </p:sp>
       <p:sp>
         <p:nvSpPr>
-          <p:cNvPr id="251" name="Rounded Rectangle 250">
+          <p:cNvPr id="150" name="Rounded Rectangle 149">
             <a:extLst>
               <a:ext uri="{FF2B5EF4-FFF2-40B4-BE49-F238E27FC236}">
-                <a16:creationId xmlns:a16="http://schemas.microsoft.com/office/drawing/2014/main" id="{03BB6F25-9178-824B-8844-227CDA6E6CFB}"/>
+                <a16:creationId xmlns:a16="http://schemas.microsoft.com/office/drawing/2014/main" xmlns="" id="{A351274A-1FF6-0142-B4E6-46962E82AFDB}"/>
               </a:ext>
             </a:extLst>
           </p:cNvPr>
@@ -11211,973 +12299,7 @@
         </p:nvSpPr>
         <p:spPr>
           <a:xfrm>
-            <a:off x="5937050" y="3775166"/>
-            <a:ext cx="900000" cy="337305"/>
-          </a:xfrm>
-          <a:prstGeom prst="roundRect">
-            <a:avLst>
-              <a:gd name="adj" fmla="val 13128"/>
-            </a:avLst>
-          </a:prstGeom>
-          <a:solidFill>
-            <a:schemeClr val="accent1"/>
-          </a:solidFill>
-          <a:ln w="12700">
-            <a:noFill/>
-          </a:ln>
-          <a:effectLst/>
-        </p:spPr>
-        <p:style>
-          <a:lnRef idx="2">
-            <a:schemeClr val="dk1"/>
-          </a:lnRef>
-          <a:fillRef idx="1">
-            <a:schemeClr val="lt1"/>
-          </a:fillRef>
-          <a:effectRef idx="0">
-            <a:schemeClr val="dk1"/>
-          </a:effectRef>
-          <a:fontRef idx="minor">
-            <a:schemeClr val="dk1"/>
-          </a:fontRef>
-        </p:style>
-        <p:txBody>
-          <a:bodyPr wrap="square" lIns="0" tIns="72000" rIns="0" bIns="36000" rtlCol="0" anchor="ctr">
-            <a:noAutofit/>
-          </a:bodyPr>
-          <a:lstStyle/>
-          <a:p>
-            <a:pPr algn="ctr">
-              <a:lnSpc>
-                <a:spcPts val="1000"/>
-              </a:lnSpc>
-            </a:pPr>
-            <a:r>
-              <a:rPr lang="en-US" sz="1100" dirty="0">
-                <a:solidFill>
-                  <a:schemeClr val="bg1"/>
-                </a:solidFill>
-                <a:latin typeface="Source Sans Pro Light" charset="0"/>
-                <a:ea typeface="Source Sans Pro Light" charset="0"/>
-                <a:cs typeface="Source Sans Pro Light" charset="0"/>
-              </a:rPr>
-              <a:t>Graphics Engine</a:t>
-            </a:r>
-          </a:p>
-        </p:txBody>
-      </p:sp>
-      <p:cxnSp>
-        <p:nvCxnSpPr>
-          <p:cNvPr id="252" name="Straight Connector 251">
-            <a:extLst>
-              <a:ext uri="{FF2B5EF4-FFF2-40B4-BE49-F238E27FC236}">
-                <a16:creationId xmlns:a16="http://schemas.microsoft.com/office/drawing/2014/main" id="{276EB02B-1866-C641-9D72-CD0A6A314CAA}"/>
-              </a:ext>
-            </a:extLst>
-          </p:cNvPr>
-          <p:cNvCxnSpPr>
-            <a:cxnSpLocks/>
-          </p:cNvCxnSpPr>
-          <p:nvPr/>
-        </p:nvCxnSpPr>
-        <p:spPr>
-          <a:xfrm>
-            <a:off x="5955050" y="4294185"/>
-            <a:ext cx="864000" cy="0"/>
-          </a:xfrm>
-          <a:prstGeom prst="line">
-            <a:avLst/>
-          </a:prstGeom>
-          <a:ln w="38100" cap="rnd">
-            <a:solidFill>
-              <a:schemeClr val="accent1"/>
-            </a:solidFill>
-            <a:miter lim="800000"/>
-          </a:ln>
-        </p:spPr>
-        <p:style>
-          <a:lnRef idx="1">
-            <a:schemeClr val="accent1"/>
-          </a:lnRef>
-          <a:fillRef idx="0">
-            <a:schemeClr val="accent1"/>
-          </a:fillRef>
-          <a:effectRef idx="0">
-            <a:schemeClr val="accent1"/>
-          </a:effectRef>
-          <a:fontRef idx="minor">
-            <a:schemeClr val="tx1"/>
-          </a:fontRef>
-        </p:style>
-      </p:cxnSp>
-      <p:sp>
-        <p:nvSpPr>
-          <p:cNvPr id="253" name="Rounded Rectangle 252">
-            <a:extLst>
-              <a:ext uri="{FF2B5EF4-FFF2-40B4-BE49-F238E27FC236}">
-                <a16:creationId xmlns:a16="http://schemas.microsoft.com/office/drawing/2014/main" id="{1254E40A-68C4-FD43-9BF6-E5758FE36EA6}"/>
-              </a:ext>
-            </a:extLst>
-          </p:cNvPr>
-          <p:cNvSpPr/>
-          <p:nvPr/>
-        </p:nvSpPr>
-        <p:spPr>
-          <a:xfrm>
-            <a:off x="8391675" y="4436690"/>
-            <a:ext cx="1910888" cy="190126"/>
-          </a:xfrm>
-          <a:prstGeom prst="roundRect">
-            <a:avLst>
-              <a:gd name="adj" fmla="val 22586"/>
-            </a:avLst>
-          </a:prstGeom>
-          <a:solidFill>
-            <a:schemeClr val="bg2">
-              <a:lumMod val="75000"/>
-            </a:schemeClr>
-          </a:solidFill>
-          <a:ln w="12700">
-            <a:noFill/>
-          </a:ln>
-          <a:effectLst/>
-        </p:spPr>
-        <p:style>
-          <a:lnRef idx="2">
-            <a:schemeClr val="dk1"/>
-          </a:lnRef>
-          <a:fillRef idx="1">
-            <a:schemeClr val="lt1"/>
-          </a:fillRef>
-          <a:effectRef idx="0">
-            <a:schemeClr val="dk1"/>
-          </a:effectRef>
-          <a:fontRef idx="minor">
-            <a:schemeClr val="dk1"/>
-          </a:fontRef>
-        </p:style>
-        <p:txBody>
-          <a:bodyPr wrap="square" tIns="36000" bIns="36000" rtlCol="0" anchor="ctr">
-            <a:noAutofit/>
-          </a:bodyPr>
-          <a:lstStyle/>
-          <a:p>
-            <a:pPr algn="ctr"/>
-            <a:r>
-              <a:rPr lang="en-US" sz="1200" dirty="0">
-                <a:solidFill>
-                  <a:schemeClr val="bg1"/>
-                </a:solidFill>
-                <a:latin typeface="Source Sans Pro Light" charset="0"/>
-                <a:ea typeface="Source Sans Pro Light" charset="0"/>
-                <a:cs typeface="Source Sans Pro Light" charset="0"/>
-              </a:rPr>
-              <a:t>Drivers</a:t>
-            </a:r>
-          </a:p>
-        </p:txBody>
-      </p:sp>
-      <p:cxnSp>
-        <p:nvCxnSpPr>
-          <p:cNvPr id="254" name="Straight Connector 253">
-            <a:extLst>
-              <a:ext uri="{FF2B5EF4-FFF2-40B4-BE49-F238E27FC236}">
-                <a16:creationId xmlns:a16="http://schemas.microsoft.com/office/drawing/2014/main" id="{FD99B5A0-CD88-4C46-A725-54D35E5B3F3A}"/>
-              </a:ext>
-            </a:extLst>
-          </p:cNvPr>
-          <p:cNvCxnSpPr>
-            <a:cxnSpLocks/>
-          </p:cNvCxnSpPr>
-          <p:nvPr/>
-        </p:nvCxnSpPr>
-        <p:spPr>
-          <a:xfrm>
-            <a:off x="4959422" y="3791217"/>
-            <a:ext cx="864000" cy="0"/>
-          </a:xfrm>
-          <a:prstGeom prst="line">
-            <a:avLst/>
-          </a:prstGeom>
-          <a:ln w="38100" cap="rnd">
-            <a:solidFill>
-              <a:schemeClr val="accent1">
-                <a:lumMod val="60000"/>
-                <a:lumOff val="40000"/>
-              </a:schemeClr>
-            </a:solidFill>
-            <a:miter lim="800000"/>
-          </a:ln>
-        </p:spPr>
-        <p:style>
-          <a:lnRef idx="1">
-            <a:schemeClr val="accent1"/>
-          </a:lnRef>
-          <a:fillRef idx="0">
-            <a:schemeClr val="accent1"/>
-          </a:fillRef>
-          <a:effectRef idx="0">
-            <a:schemeClr val="accent1"/>
-          </a:effectRef>
-          <a:fontRef idx="minor">
-            <a:schemeClr val="tx1"/>
-          </a:fontRef>
-        </p:style>
-      </p:cxnSp>
-      <p:cxnSp>
-        <p:nvCxnSpPr>
-          <p:cNvPr id="255" name="Straight Connector 254">
-            <a:extLst>
-              <a:ext uri="{FF2B5EF4-FFF2-40B4-BE49-F238E27FC236}">
-                <a16:creationId xmlns:a16="http://schemas.microsoft.com/office/drawing/2014/main" id="{F2F259BB-571B-5844-89AC-7831BCFB179D}"/>
-              </a:ext>
-            </a:extLst>
-          </p:cNvPr>
-          <p:cNvCxnSpPr>
-            <a:cxnSpLocks/>
-          </p:cNvCxnSpPr>
-          <p:nvPr/>
-        </p:nvCxnSpPr>
-        <p:spPr>
-          <a:xfrm>
-            <a:off x="3963794" y="3791217"/>
-            <a:ext cx="864000" cy="0"/>
-          </a:xfrm>
-          <a:prstGeom prst="line">
-            <a:avLst/>
-          </a:prstGeom>
-          <a:ln w="38100" cap="rnd">
-            <a:solidFill>
-              <a:schemeClr val="accent1">
-                <a:lumMod val="60000"/>
-                <a:lumOff val="40000"/>
-              </a:schemeClr>
-            </a:solidFill>
-            <a:miter lim="800000"/>
-          </a:ln>
-        </p:spPr>
-        <p:style>
-          <a:lnRef idx="1">
-            <a:schemeClr val="accent1"/>
-          </a:lnRef>
-          <a:fillRef idx="0">
-            <a:schemeClr val="accent1"/>
-          </a:fillRef>
-          <a:effectRef idx="0">
-            <a:schemeClr val="accent1"/>
-          </a:effectRef>
-          <a:fontRef idx="minor">
-            <a:schemeClr val="tx1"/>
-          </a:fontRef>
-        </p:style>
-      </p:cxnSp>
-      <p:cxnSp>
-        <p:nvCxnSpPr>
-          <p:cNvPr id="256" name="Straight Connector 255">
-            <a:extLst>
-              <a:ext uri="{FF2B5EF4-FFF2-40B4-BE49-F238E27FC236}">
-                <a16:creationId xmlns:a16="http://schemas.microsoft.com/office/drawing/2014/main" id="{FB038048-87EA-7B47-91C3-D17F4B41DBA1}"/>
-              </a:ext>
-            </a:extLst>
-          </p:cNvPr>
-          <p:cNvCxnSpPr>
-            <a:cxnSpLocks/>
-          </p:cNvCxnSpPr>
-          <p:nvPr/>
-        </p:nvCxnSpPr>
-        <p:spPr>
-          <a:xfrm>
-            <a:off x="8425762" y="3791217"/>
-            <a:ext cx="864000" cy="0"/>
-          </a:xfrm>
-          <a:prstGeom prst="line">
-            <a:avLst/>
-          </a:prstGeom>
-          <a:ln w="38100" cap="rnd">
-            <a:solidFill>
-              <a:schemeClr val="accent1">
-                <a:lumMod val="60000"/>
-                <a:lumOff val="40000"/>
-              </a:schemeClr>
-            </a:solidFill>
-            <a:miter lim="800000"/>
-          </a:ln>
-        </p:spPr>
-        <p:style>
-          <a:lnRef idx="1">
-            <a:schemeClr val="accent1"/>
-          </a:lnRef>
-          <a:fillRef idx="0">
-            <a:schemeClr val="accent1"/>
-          </a:fillRef>
-          <a:effectRef idx="0">
-            <a:schemeClr val="accent1"/>
-          </a:effectRef>
-          <a:fontRef idx="minor">
-            <a:schemeClr val="tx1"/>
-          </a:fontRef>
-        </p:style>
-      </p:cxnSp>
-      <p:cxnSp>
-        <p:nvCxnSpPr>
-          <p:cNvPr id="257" name="Straight Connector 256">
-            <a:extLst>
-              <a:ext uri="{FF2B5EF4-FFF2-40B4-BE49-F238E27FC236}">
-                <a16:creationId xmlns:a16="http://schemas.microsoft.com/office/drawing/2014/main" id="{A82CEABA-B6BE-874F-AC71-E498D43DA788}"/>
-              </a:ext>
-            </a:extLst>
-          </p:cNvPr>
-          <p:cNvCxnSpPr>
-            <a:cxnSpLocks/>
-          </p:cNvCxnSpPr>
-          <p:nvPr/>
-        </p:nvCxnSpPr>
-        <p:spPr>
-          <a:xfrm>
-            <a:off x="9421390" y="3791217"/>
-            <a:ext cx="864000" cy="0"/>
-          </a:xfrm>
-          <a:prstGeom prst="line">
-            <a:avLst/>
-          </a:prstGeom>
-          <a:ln w="38100" cap="rnd">
-            <a:solidFill>
-              <a:schemeClr val="accent1">
-                <a:lumMod val="60000"/>
-                <a:lumOff val="40000"/>
-              </a:schemeClr>
-            </a:solidFill>
-            <a:miter lim="800000"/>
-          </a:ln>
-        </p:spPr>
-        <p:style>
-          <a:lnRef idx="1">
-            <a:schemeClr val="accent1"/>
-          </a:lnRef>
-          <a:fillRef idx="0">
-            <a:schemeClr val="accent1"/>
-          </a:fillRef>
-          <a:effectRef idx="0">
-            <a:schemeClr val="accent1"/>
-          </a:effectRef>
-          <a:fontRef idx="minor">
-            <a:schemeClr val="tx1"/>
-          </a:fontRef>
-        </p:style>
-      </p:cxnSp>
-      <p:cxnSp>
-        <p:nvCxnSpPr>
-          <p:cNvPr id="258" name="Straight Connector 257">
-            <a:extLst>
-              <a:ext uri="{FF2B5EF4-FFF2-40B4-BE49-F238E27FC236}">
-                <a16:creationId xmlns:a16="http://schemas.microsoft.com/office/drawing/2014/main" id="{5F4E67D9-5C09-CA45-9288-46BE0D6E591C}"/>
-              </a:ext>
-            </a:extLst>
-          </p:cNvPr>
-          <p:cNvCxnSpPr>
-            <a:cxnSpLocks/>
-          </p:cNvCxnSpPr>
-          <p:nvPr/>
-        </p:nvCxnSpPr>
-        <p:spPr>
-          <a:xfrm>
-            <a:off x="5955050" y="4204424"/>
-            <a:ext cx="864000" cy="0"/>
-          </a:xfrm>
-          <a:prstGeom prst="line">
-            <a:avLst/>
-          </a:prstGeom>
-          <a:ln w="38100" cap="rnd">
-            <a:solidFill>
-              <a:schemeClr val="accent1">
-                <a:lumMod val="60000"/>
-                <a:lumOff val="40000"/>
-              </a:schemeClr>
-            </a:solidFill>
-            <a:miter lim="800000"/>
-          </a:ln>
-        </p:spPr>
-        <p:style>
-          <a:lnRef idx="1">
-            <a:schemeClr val="accent1"/>
-          </a:lnRef>
-          <a:fillRef idx="0">
-            <a:schemeClr val="accent1"/>
-          </a:fillRef>
-          <a:effectRef idx="0">
-            <a:schemeClr val="accent1"/>
-          </a:effectRef>
-          <a:fontRef idx="minor">
-            <a:schemeClr val="tx1"/>
-          </a:fontRef>
-        </p:style>
-      </p:cxnSp>
-      <p:sp>
-        <p:nvSpPr>
-          <p:cNvPr id="259" name="Rectangle 258">
-            <a:extLst>
-              <a:ext uri="{FF2B5EF4-FFF2-40B4-BE49-F238E27FC236}">
-                <a16:creationId xmlns:a16="http://schemas.microsoft.com/office/drawing/2014/main" id="{0600166D-CE01-C94C-9446-F15FD5105F68}"/>
-              </a:ext>
-            </a:extLst>
-          </p:cNvPr>
-          <p:cNvSpPr/>
-          <p:nvPr/>
-        </p:nvSpPr>
-        <p:spPr>
-          <a:xfrm>
-            <a:off x="9872456" y="6328481"/>
-            <a:ext cx="1263935" cy="213954"/>
-          </a:xfrm>
-          <a:prstGeom prst="rect">
-            <a:avLst/>
-          </a:prstGeom>
-          <a:noFill/>
-          <a:effectLst/>
-        </p:spPr>
-        <p:txBody>
-          <a:bodyPr wrap="square" lIns="0" rIns="0">
-            <a:noAutofit/>
-          </a:bodyPr>
-          <a:lstStyle/>
-          <a:p>
-            <a:pPr algn="r">
-              <a:lnSpc>
-                <a:spcPts val="1300"/>
-              </a:lnSpc>
-            </a:pPr>
-            <a:r>
-              <a:rPr lang="en-US" sz="1100" b="1" dirty="0">
-                <a:ln w="0"/>
-                <a:solidFill>
-                  <a:schemeClr val="tx1">
-                    <a:lumMod val="75000"/>
-                  </a:schemeClr>
-                </a:solidFill>
-                <a:latin typeface="Source Sans Pro" charset="0"/>
-                <a:ea typeface="Source Sans Pro" charset="0"/>
-                <a:cs typeface="Source Sans Pro" charset="0"/>
-              </a:rPr>
-              <a:t>HARDWARE </a:t>
-            </a:r>
-          </a:p>
-        </p:txBody>
-      </p:sp>
-      <p:sp>
-        <p:nvSpPr>
-          <p:cNvPr id="260" name="Rectangle 259">
-            <a:extLst>
-              <a:ext uri="{FF2B5EF4-FFF2-40B4-BE49-F238E27FC236}">
-                <a16:creationId xmlns:a16="http://schemas.microsoft.com/office/drawing/2014/main" id="{595A816F-FF10-D94A-B659-8EDC06F26D7F}"/>
-              </a:ext>
-            </a:extLst>
-          </p:cNvPr>
-          <p:cNvSpPr/>
-          <p:nvPr/>
-        </p:nvSpPr>
-        <p:spPr>
-          <a:xfrm>
-            <a:off x="10192481" y="5542495"/>
-            <a:ext cx="943910" cy="213954"/>
-          </a:xfrm>
-          <a:prstGeom prst="rect">
-            <a:avLst/>
-          </a:prstGeom>
-          <a:noFill/>
-          <a:effectLst/>
-        </p:spPr>
-        <p:txBody>
-          <a:bodyPr wrap="square" lIns="0" rIns="0">
-            <a:noAutofit/>
-          </a:bodyPr>
-          <a:lstStyle/>
-          <a:p>
-            <a:pPr algn="r">
-              <a:lnSpc>
-                <a:spcPts val="1300"/>
-              </a:lnSpc>
-            </a:pPr>
-            <a:r>
-              <a:rPr lang="en-US" sz="1100" b="1" dirty="0">
-                <a:ln w="0"/>
-                <a:solidFill>
-                  <a:schemeClr val="tx1">
-                    <a:lumMod val="60000"/>
-                    <a:lumOff val="40000"/>
-                  </a:schemeClr>
-                </a:solidFill>
-                <a:latin typeface="Source Sans Pro" charset="0"/>
-                <a:ea typeface="Source Sans Pro" charset="0"/>
-                <a:cs typeface="Source Sans Pro" charset="0"/>
-              </a:rPr>
-              <a:t>PLATFORM</a:t>
-            </a:r>
-          </a:p>
-        </p:txBody>
-      </p:sp>
-      <p:sp>
-        <p:nvSpPr>
-          <p:cNvPr id="261" name="Rectangle 260">
-            <a:extLst>
-              <a:ext uri="{FF2B5EF4-FFF2-40B4-BE49-F238E27FC236}">
-                <a16:creationId xmlns:a16="http://schemas.microsoft.com/office/drawing/2014/main" id="{17C4B196-4039-044F-AAAE-3625F18CF7A9}"/>
-              </a:ext>
-            </a:extLst>
-          </p:cNvPr>
-          <p:cNvSpPr/>
-          <p:nvPr/>
-        </p:nvSpPr>
-        <p:spPr>
-          <a:xfrm>
-            <a:off x="9712130" y="3413137"/>
-            <a:ext cx="1424261" cy="213954"/>
-          </a:xfrm>
-          <a:prstGeom prst="rect">
-            <a:avLst/>
-          </a:prstGeom>
-          <a:noFill/>
-          <a:effectLst/>
-        </p:spPr>
-        <p:txBody>
-          <a:bodyPr wrap="square" lIns="0" rIns="0">
-            <a:noAutofit/>
-          </a:bodyPr>
-          <a:lstStyle/>
-          <a:p>
-            <a:pPr algn="r">
-              <a:lnSpc>
-                <a:spcPts val="1300"/>
-              </a:lnSpc>
-            </a:pPr>
-            <a:r>
-              <a:rPr lang="en-US" sz="1100" b="1" dirty="0">
-                <a:ln w="0"/>
-                <a:solidFill>
-                  <a:schemeClr val="accent1"/>
-                </a:solidFill>
-                <a:latin typeface="Source Sans Pro" charset="0"/>
-                <a:ea typeface="Source Sans Pro" charset="0"/>
-                <a:cs typeface="Source Sans Pro" charset="0"/>
-              </a:rPr>
-              <a:t>VIRTUALIZATION</a:t>
-            </a:r>
-          </a:p>
-        </p:txBody>
-      </p:sp>
-      <p:sp>
-        <p:nvSpPr>
-          <p:cNvPr id="304" name="Rectangle 303">
-            <a:extLst>
-              <a:ext uri="{FF2B5EF4-FFF2-40B4-BE49-F238E27FC236}">
-                <a16:creationId xmlns:a16="http://schemas.microsoft.com/office/drawing/2014/main" id="{80366FBE-BFC6-F745-9EC9-F739B06ACC1F}"/>
-              </a:ext>
-            </a:extLst>
-          </p:cNvPr>
-          <p:cNvSpPr/>
-          <p:nvPr/>
-        </p:nvSpPr>
-        <p:spPr>
-          <a:xfrm>
-            <a:off x="4100114" y="3851621"/>
-            <a:ext cx="1586985" cy="129587"/>
-          </a:xfrm>
-          <a:prstGeom prst="rect">
-            <a:avLst/>
-          </a:prstGeom>
-          <a:gradFill flip="none" rotWithShape="1">
-            <a:gsLst>
-              <a:gs pos="100000">
-                <a:srgbClr val="CBD3D7">
-                  <a:alpha val="0"/>
-                </a:srgbClr>
-              </a:gs>
-              <a:gs pos="0">
-                <a:schemeClr val="bg2">
-                  <a:alpha val="0"/>
-                </a:schemeClr>
-              </a:gs>
-              <a:gs pos="88000">
-                <a:srgbClr val="CBD3D7">
-                  <a:alpha val="80000"/>
-                </a:srgbClr>
-              </a:gs>
-              <a:gs pos="11000">
-                <a:schemeClr val="bg2">
-                  <a:alpha val="80000"/>
-                </a:schemeClr>
-              </a:gs>
-            </a:gsLst>
-            <a:lin ang="0" scaled="1"/>
-            <a:tileRect/>
-          </a:gradFill>
-          <a:ln w="31750">
-            <a:noFill/>
-          </a:ln>
-          <a:effectLst/>
-        </p:spPr>
-        <p:txBody>
-          <a:bodyPr wrap="square" lIns="0" tIns="0" rIns="0" bIns="0">
-            <a:spAutoFit/>
-          </a:bodyPr>
-          <a:lstStyle/>
-          <a:p>
-            <a:pPr algn="ctr">
-              <a:lnSpc>
-                <a:spcPts val="1000"/>
-              </a:lnSpc>
-            </a:pPr>
-            <a:r>
-              <a:rPr lang="en-US" sz="1000" b="1" dirty="0">
-                <a:ln w="0"/>
-                <a:solidFill>
-                  <a:schemeClr val="accent1"/>
-                </a:solidFill>
-                <a:latin typeface="Source Sans Pro" panose="020B0503030403020204" pitchFamily="34" charset="0"/>
-                <a:ea typeface="Source Sans Pro" panose="020B0503030403020204" pitchFamily="34" charset="0"/>
-              </a:rPr>
-              <a:t>ABSTRACTION LAYERS</a:t>
-            </a:r>
-          </a:p>
-        </p:txBody>
-      </p:sp>
-      <p:sp>
-        <p:nvSpPr>
-          <p:cNvPr id="305" name="Rectangle 304">
-            <a:extLst>
-              <a:ext uri="{FF2B5EF4-FFF2-40B4-BE49-F238E27FC236}">
-                <a16:creationId xmlns:a16="http://schemas.microsoft.com/office/drawing/2014/main" id="{3FBF6893-3EFF-0E41-826A-CEF82A45B71B}"/>
-              </a:ext>
-            </a:extLst>
-          </p:cNvPr>
-          <p:cNvSpPr/>
-          <p:nvPr/>
-        </p:nvSpPr>
-        <p:spPr>
-          <a:xfrm>
-            <a:off x="8546065" y="3849032"/>
-            <a:ext cx="1586985" cy="129587"/>
-          </a:xfrm>
-          <a:prstGeom prst="rect">
-            <a:avLst/>
-          </a:prstGeom>
-          <a:gradFill flip="none" rotWithShape="1">
-            <a:gsLst>
-              <a:gs pos="100000">
-                <a:srgbClr val="CBD3D7">
-                  <a:alpha val="0"/>
-                </a:srgbClr>
-              </a:gs>
-              <a:gs pos="0">
-                <a:schemeClr val="bg2">
-                  <a:alpha val="0"/>
-                </a:schemeClr>
-              </a:gs>
-              <a:gs pos="88000">
-                <a:srgbClr val="CBD3D7">
-                  <a:alpha val="80000"/>
-                </a:srgbClr>
-              </a:gs>
-              <a:gs pos="11000">
-                <a:schemeClr val="bg2">
-                  <a:alpha val="80000"/>
-                </a:schemeClr>
-              </a:gs>
-            </a:gsLst>
-            <a:lin ang="0" scaled="1"/>
-            <a:tileRect/>
-          </a:gradFill>
-          <a:ln w="31750">
-            <a:noFill/>
-          </a:ln>
-          <a:effectLst/>
-        </p:spPr>
-        <p:txBody>
-          <a:bodyPr wrap="square" lIns="0" tIns="0" rIns="0" bIns="0">
-            <a:spAutoFit/>
-          </a:bodyPr>
-          <a:lstStyle/>
-          <a:p>
-            <a:pPr algn="ctr">
-              <a:lnSpc>
-                <a:spcPts val="1000"/>
-              </a:lnSpc>
-            </a:pPr>
-            <a:r>
-              <a:rPr lang="en-US" sz="1000" b="1" dirty="0">
-                <a:ln w="0"/>
-                <a:solidFill>
-                  <a:schemeClr val="accent1"/>
-                </a:solidFill>
-                <a:latin typeface="Source Sans Pro" panose="020B0503030403020204" pitchFamily="34" charset="0"/>
-                <a:ea typeface="Source Sans Pro" panose="020B0503030403020204" pitchFamily="34" charset="0"/>
-              </a:rPr>
-              <a:t>ABSTRACTION LAYERS</a:t>
-            </a:r>
-          </a:p>
-        </p:txBody>
-      </p:sp>
-      <p:sp>
-        <p:nvSpPr>
-          <p:cNvPr id="306" name="Rectangle 305">
-            <a:extLst>
-              <a:ext uri="{FF2B5EF4-FFF2-40B4-BE49-F238E27FC236}">
-                <a16:creationId xmlns:a16="http://schemas.microsoft.com/office/drawing/2014/main" id="{D1163B5F-477B-7240-8C3C-3D7AE1B4D3E6}"/>
-              </a:ext>
-            </a:extLst>
-          </p:cNvPr>
-          <p:cNvSpPr/>
-          <p:nvPr/>
-        </p:nvSpPr>
-        <p:spPr>
-          <a:xfrm>
-            <a:off x="4372444" y="3708532"/>
-            <a:ext cx="998168" cy="129587"/>
-          </a:xfrm>
-          <a:prstGeom prst="rect">
-            <a:avLst/>
-          </a:prstGeom>
-          <a:gradFill flip="none" rotWithShape="1">
-            <a:gsLst>
-              <a:gs pos="100000">
-                <a:srgbClr val="CBD3D7">
-                  <a:alpha val="0"/>
-                </a:srgbClr>
-              </a:gs>
-              <a:gs pos="0">
-                <a:schemeClr val="bg2">
-                  <a:alpha val="0"/>
-                </a:schemeClr>
-              </a:gs>
-              <a:gs pos="89000">
-                <a:srgbClr val="CBD3D7">
-                  <a:alpha val="30000"/>
-                </a:srgbClr>
-              </a:gs>
-              <a:gs pos="11000">
-                <a:schemeClr val="bg2">
-                  <a:alpha val="30000"/>
-                </a:schemeClr>
-              </a:gs>
-            </a:gsLst>
-            <a:lin ang="0" scaled="1"/>
-            <a:tileRect/>
-          </a:gradFill>
-          <a:ln w="31750">
-            <a:noFill/>
-          </a:ln>
-          <a:effectLst/>
-        </p:spPr>
-        <p:txBody>
-          <a:bodyPr wrap="square" lIns="0" tIns="0" rIns="0" bIns="0">
-            <a:spAutoFit/>
-          </a:bodyPr>
-          <a:lstStyle/>
-          <a:p>
-            <a:pPr algn="ctr">
-              <a:lnSpc>
-                <a:spcPts val="1000"/>
-              </a:lnSpc>
-            </a:pPr>
-            <a:r>
-              <a:rPr lang="en-US" sz="1000" dirty="0">
-                <a:ln w="0"/>
-                <a:solidFill>
-                  <a:schemeClr val="accent1"/>
-                </a:solidFill>
-                <a:latin typeface="Source Sans Pro" panose="020B0503030403020204" pitchFamily="34" charset="0"/>
-                <a:ea typeface="Source Sans Pro" panose="020B0503030403020204" pitchFamily="34" charset="0"/>
-              </a:rPr>
-              <a:t>LOW LEVEL API</a:t>
-            </a:r>
-          </a:p>
-        </p:txBody>
-      </p:sp>
-      <p:sp>
-        <p:nvSpPr>
-          <p:cNvPr id="307" name="Rectangle 306">
-            <a:extLst>
-              <a:ext uri="{FF2B5EF4-FFF2-40B4-BE49-F238E27FC236}">
-                <a16:creationId xmlns:a16="http://schemas.microsoft.com/office/drawing/2014/main" id="{D02289DF-0E22-3541-A1A1-780E31AB03E1}"/>
-              </a:ext>
-            </a:extLst>
-          </p:cNvPr>
-          <p:cNvSpPr/>
-          <p:nvPr/>
-        </p:nvSpPr>
-        <p:spPr>
-          <a:xfrm>
-            <a:off x="8851210" y="3708532"/>
-            <a:ext cx="998168" cy="129587"/>
-          </a:xfrm>
-          <a:prstGeom prst="rect">
-            <a:avLst/>
-          </a:prstGeom>
-          <a:gradFill flip="none" rotWithShape="1">
-            <a:gsLst>
-              <a:gs pos="100000">
-                <a:srgbClr val="CBD3D7">
-                  <a:alpha val="0"/>
-                </a:srgbClr>
-              </a:gs>
-              <a:gs pos="0">
-                <a:schemeClr val="bg2">
-                  <a:alpha val="0"/>
-                </a:schemeClr>
-              </a:gs>
-              <a:gs pos="89000">
-                <a:srgbClr val="CBD3D7">
-                  <a:alpha val="30000"/>
-                </a:srgbClr>
-              </a:gs>
-              <a:gs pos="11000">
-                <a:schemeClr val="bg2">
-                  <a:alpha val="30000"/>
-                </a:schemeClr>
-              </a:gs>
-            </a:gsLst>
-            <a:lin ang="0" scaled="1"/>
-            <a:tileRect/>
-          </a:gradFill>
-          <a:ln w="31750">
-            <a:noFill/>
-          </a:ln>
-          <a:effectLst/>
-        </p:spPr>
-        <p:txBody>
-          <a:bodyPr wrap="square" lIns="0" tIns="0" rIns="0" bIns="0">
-            <a:spAutoFit/>
-          </a:bodyPr>
-          <a:lstStyle/>
-          <a:p>
-            <a:pPr algn="ctr">
-              <a:lnSpc>
-                <a:spcPts val="1000"/>
-              </a:lnSpc>
-            </a:pPr>
-            <a:r>
-              <a:rPr lang="en-US" sz="1000" dirty="0">
-                <a:ln w="0"/>
-                <a:solidFill>
-                  <a:schemeClr val="accent1"/>
-                </a:solidFill>
-                <a:latin typeface="Source Sans Pro" panose="020B0503030403020204" pitchFamily="34" charset="0"/>
-                <a:ea typeface="Source Sans Pro" panose="020B0503030403020204" pitchFamily="34" charset="0"/>
-              </a:rPr>
-              <a:t>LOW LEVEL API</a:t>
-            </a:r>
-          </a:p>
-        </p:txBody>
-      </p:sp>
-      <p:sp>
-        <p:nvSpPr>
-          <p:cNvPr id="308" name="Rounded Rectangle 307">
-            <a:extLst>
-              <a:ext uri="{FF2B5EF4-FFF2-40B4-BE49-F238E27FC236}">
-                <a16:creationId xmlns:a16="http://schemas.microsoft.com/office/drawing/2014/main" id="{711F8E7A-0255-994D-9500-B201A106C1C8}"/>
-              </a:ext>
-            </a:extLst>
-          </p:cNvPr>
-          <p:cNvSpPr/>
-          <p:nvPr/>
-        </p:nvSpPr>
-        <p:spPr>
-          <a:xfrm>
-            <a:off x="3833866" y="2405998"/>
-            <a:ext cx="7239239" cy="656619"/>
-          </a:xfrm>
-          <a:prstGeom prst="roundRect">
-            <a:avLst>
-              <a:gd name="adj" fmla="val 10443"/>
-            </a:avLst>
-          </a:prstGeom>
-          <a:solidFill>
-            <a:schemeClr val="accent1">
-              <a:lumMod val="75000"/>
-            </a:schemeClr>
-          </a:solidFill>
-          <a:ln w="12700">
-            <a:noFill/>
-          </a:ln>
-          <a:effectLst>
-            <a:innerShdw blurRad="114300">
-              <a:prstClr val="black">
-                <a:alpha val="49000"/>
-              </a:prstClr>
-            </a:innerShdw>
-          </a:effectLst>
-        </p:spPr>
-        <p:style>
-          <a:lnRef idx="2">
-            <a:schemeClr val="dk1"/>
-          </a:lnRef>
-          <a:fillRef idx="1">
-            <a:schemeClr val="lt1"/>
-          </a:fillRef>
-          <a:effectRef idx="0">
-            <a:schemeClr val="dk1"/>
-          </a:effectRef>
-          <a:fontRef idx="minor">
-            <a:schemeClr val="dk1"/>
-          </a:fontRef>
-        </p:style>
-        <p:txBody>
-          <a:bodyPr wrap="square" lIns="108000" tIns="0" bIns="0" rtlCol="0" anchor="ctr">
-            <a:noAutofit/>
-          </a:bodyPr>
-          <a:lstStyle/>
-          <a:p>
-            <a:pPr lvl="0" algn="ctr"/>
-            <a:r>
-              <a:rPr lang="en-US" sz="1600" b="1" dirty="0">
-                <a:solidFill>
-                  <a:schemeClr val="bg1"/>
-                </a:solidFill>
-                <a:latin typeface="Source Sans Pro" charset="0"/>
-                <a:ea typeface="Source Sans Pro" charset="0"/>
-                <a:cs typeface="Source Sans Pro" charset="0"/>
-              </a:rPr>
-              <a:t>FOUNDATION LIBRARIES </a:t>
-            </a:r>
-          </a:p>
-          <a:p>
-            <a:pPr lvl="0" algn="ctr"/>
-            <a:endParaRPr lang="en-US" sz="1200" kern="0" dirty="0">
-              <a:solidFill>
-                <a:schemeClr val="bg1"/>
-              </a:solidFill>
-              <a:latin typeface="Source Sans Pro" charset="0"/>
-              <a:ea typeface="Source Sans Pro" charset="0"/>
-              <a:cs typeface="Source Sans Pro" charset="0"/>
-            </a:endParaRPr>
-          </a:p>
-          <a:p>
-            <a:pPr lvl="0" algn="ctr"/>
-            <a:endParaRPr lang="en-US" sz="1200" kern="0" dirty="0">
-              <a:solidFill>
-                <a:schemeClr val="bg1"/>
-              </a:solidFill>
-              <a:latin typeface="Source Sans Pro" charset="0"/>
-              <a:ea typeface="Source Sans Pro" charset="0"/>
-              <a:cs typeface="Source Sans Pro" charset="0"/>
-            </a:endParaRPr>
-          </a:p>
-        </p:txBody>
-      </p:sp>
-      <p:sp>
-        <p:nvSpPr>
-          <p:cNvPr id="309" name="Rounded Rectangle 308">
-            <a:extLst>
-              <a:ext uri="{FF2B5EF4-FFF2-40B4-BE49-F238E27FC236}">
-                <a16:creationId xmlns:a16="http://schemas.microsoft.com/office/drawing/2014/main" id="{9046576B-E0A4-464C-9C21-8CD3BEEE76E4}"/>
-              </a:ext>
-            </a:extLst>
-          </p:cNvPr>
-          <p:cNvSpPr/>
-          <p:nvPr/>
-        </p:nvSpPr>
-        <p:spPr>
-          <a:xfrm>
-            <a:off x="10399015" y="2707145"/>
+            <a:off x="10399015" y="3092921"/>
             <a:ext cx="412471" cy="289727"/>
           </a:xfrm>
           <a:prstGeom prst="roundRect">
@@ -12239,10 +12361,10 @@
       </p:sp>
       <p:sp>
         <p:nvSpPr>
-          <p:cNvPr id="310" name="Rounded Rectangle 309">
+          <p:cNvPr id="151" name="Rounded Rectangle 150">
             <a:extLst>
               <a:ext uri="{FF2B5EF4-FFF2-40B4-BE49-F238E27FC236}">
-                <a16:creationId xmlns:a16="http://schemas.microsoft.com/office/drawing/2014/main" id="{CC9AFC53-F674-194C-8498-69AEC094E0E9}"/>
+                <a16:creationId xmlns:a16="http://schemas.microsoft.com/office/drawing/2014/main" xmlns="" id="{FD735D03-280A-BC46-AF9D-DB74D8731533}"/>
               </a:ext>
             </a:extLst>
           </p:cNvPr>
@@ -12251,7 +12373,7 @@
         </p:nvSpPr>
         <p:spPr>
           <a:xfrm>
-            <a:off x="8407762" y="2707145"/>
+            <a:off x="8407762" y="3092921"/>
             <a:ext cx="900000" cy="289728"/>
           </a:xfrm>
           <a:prstGeom prst="roundRect">
@@ -12304,10 +12426,10 @@
       </p:sp>
       <p:sp>
         <p:nvSpPr>
-          <p:cNvPr id="311" name="Rounded Rectangle 310">
+          <p:cNvPr id="152" name="Rounded Rectangle 151">
             <a:extLst>
               <a:ext uri="{FF2B5EF4-FFF2-40B4-BE49-F238E27FC236}">
-                <a16:creationId xmlns:a16="http://schemas.microsoft.com/office/drawing/2014/main" id="{5D06CC0D-F76D-1C4A-BEE3-DC7A1CF3F4B0}"/>
+                <a16:creationId xmlns:a16="http://schemas.microsoft.com/office/drawing/2014/main" xmlns="" id="{477342D7-6A05-E043-B17C-D0836B86CB21}"/>
               </a:ext>
             </a:extLst>
           </p:cNvPr>
@@ -12316,7 +12438,7 @@
         </p:nvSpPr>
         <p:spPr>
           <a:xfrm>
-            <a:off x="9403390" y="2707145"/>
+            <a:off x="9403390" y="3092921"/>
             <a:ext cx="900000" cy="289727"/>
           </a:xfrm>
           <a:prstGeom prst="roundRect">
@@ -12369,10 +12491,10 @@
       </p:sp>
       <p:sp>
         <p:nvSpPr>
-          <p:cNvPr id="312" name="Rounded Rectangle 311">
+          <p:cNvPr id="153" name="Rounded Rectangle 152">
             <a:extLst>
               <a:ext uri="{FF2B5EF4-FFF2-40B4-BE49-F238E27FC236}">
-                <a16:creationId xmlns:a16="http://schemas.microsoft.com/office/drawing/2014/main" id="{49D8D9D8-24E2-824C-95A0-412203ADFC17}"/>
+                <a16:creationId xmlns:a16="http://schemas.microsoft.com/office/drawing/2014/main" xmlns="" id="{8581AB5D-4FFE-2448-9666-CCC8276A4618}"/>
               </a:ext>
             </a:extLst>
           </p:cNvPr>
@@ -12381,7 +12503,7 @@
         </p:nvSpPr>
         <p:spPr>
           <a:xfrm>
-            <a:off x="6938173" y="2707145"/>
+            <a:off x="6938173" y="3092921"/>
             <a:ext cx="633600" cy="289728"/>
           </a:xfrm>
           <a:prstGeom prst="roundRect">
@@ -12434,10 +12556,10 @@
       </p:sp>
       <p:sp>
         <p:nvSpPr>
-          <p:cNvPr id="313" name="Rounded Rectangle 312">
+          <p:cNvPr id="154" name="Rounded Rectangle 153">
             <a:extLst>
               <a:ext uri="{FF2B5EF4-FFF2-40B4-BE49-F238E27FC236}">
-                <a16:creationId xmlns:a16="http://schemas.microsoft.com/office/drawing/2014/main" id="{54739DAF-C68A-0040-A818-CF2C7B370FCF}"/>
+                <a16:creationId xmlns:a16="http://schemas.microsoft.com/office/drawing/2014/main" xmlns="" id="{DE42D0F5-AD68-BB4D-A02B-0E83F442CE14}"/>
               </a:ext>
             </a:extLst>
           </p:cNvPr>
@@ -12446,7 +12568,7 @@
         </p:nvSpPr>
         <p:spPr>
           <a:xfrm>
-            <a:off x="4941422" y="2707145"/>
+            <a:off x="4941422" y="3092921"/>
             <a:ext cx="900000" cy="289727"/>
           </a:xfrm>
           <a:prstGeom prst="roundRect">
@@ -12499,10 +12621,10 @@
       </p:sp>
       <p:sp>
         <p:nvSpPr>
-          <p:cNvPr id="314" name="Rounded Rectangle 313">
+          <p:cNvPr id="155" name="Rounded Rectangle 154">
             <a:extLst>
               <a:ext uri="{FF2B5EF4-FFF2-40B4-BE49-F238E27FC236}">
-                <a16:creationId xmlns:a16="http://schemas.microsoft.com/office/drawing/2014/main" id="{78F141CB-48BC-9A40-A0D6-32F2256F83A3}"/>
+                <a16:creationId xmlns:a16="http://schemas.microsoft.com/office/drawing/2014/main" xmlns="" id="{9B536277-F17A-0648-9D79-C6E4BCD8677C}"/>
               </a:ext>
             </a:extLst>
           </p:cNvPr>
@@ -12511,7 +12633,7 @@
         </p:nvSpPr>
         <p:spPr>
           <a:xfrm>
-            <a:off x="3945794" y="2707145"/>
+            <a:off x="3945794" y="3092921"/>
             <a:ext cx="900000" cy="289727"/>
           </a:xfrm>
           <a:prstGeom prst="roundRect">
@@ -12564,10 +12686,10 @@
       </p:sp>
       <p:sp>
         <p:nvSpPr>
-          <p:cNvPr id="315" name="Rounded Rectangle 314">
+          <p:cNvPr id="156" name="Rounded Rectangle 155">
             <a:extLst>
               <a:ext uri="{FF2B5EF4-FFF2-40B4-BE49-F238E27FC236}">
-                <a16:creationId xmlns:a16="http://schemas.microsoft.com/office/drawing/2014/main" id="{32B61BC8-3C55-D841-B732-C55173822FEF}"/>
+                <a16:creationId xmlns:a16="http://schemas.microsoft.com/office/drawing/2014/main" xmlns="" id="{FB38770D-3B1E-2942-BB68-4B2196358FE5}"/>
               </a:ext>
             </a:extLst>
           </p:cNvPr>
@@ -12576,7 +12698,120 @@
         </p:nvSpPr>
         <p:spPr>
           <a:xfrm>
-            <a:off x="5937050" y="2707145"/>
+            <a:off x="5937050" y="4260518"/>
+            <a:ext cx="900000" cy="337305"/>
+          </a:xfrm>
+          <a:prstGeom prst="roundRect">
+            <a:avLst>
+              <a:gd name="adj" fmla="val 13128"/>
+            </a:avLst>
+          </a:prstGeom>
+          <a:solidFill>
+            <a:schemeClr val="accent1"/>
+          </a:solidFill>
+          <a:ln w="12700">
+            <a:noFill/>
+          </a:ln>
+          <a:effectLst/>
+        </p:spPr>
+        <p:style>
+          <a:lnRef idx="2">
+            <a:schemeClr val="dk1"/>
+          </a:lnRef>
+          <a:fillRef idx="1">
+            <a:schemeClr val="lt1"/>
+          </a:fillRef>
+          <a:effectRef idx="0">
+            <a:schemeClr val="dk1"/>
+          </a:effectRef>
+          <a:fontRef idx="minor">
+            <a:schemeClr val="dk1"/>
+          </a:fontRef>
+        </p:style>
+        <p:txBody>
+          <a:bodyPr wrap="square" lIns="0" tIns="72000" rIns="0" bIns="36000" rtlCol="0" anchor="ctr">
+            <a:noAutofit/>
+          </a:bodyPr>
+          <a:lstStyle/>
+          <a:p>
+            <a:pPr algn="ctr">
+              <a:lnSpc>
+                <a:spcPts val="1000"/>
+              </a:lnSpc>
+            </a:pPr>
+            <a:r>
+              <a:rPr lang="en-US" sz="1100" dirty="0">
+                <a:solidFill>
+                  <a:schemeClr val="bg1"/>
+                </a:solidFill>
+                <a:latin typeface="Source Sans Pro Light" charset="0"/>
+                <a:ea typeface="Source Sans Pro Light" charset="0"/>
+                <a:cs typeface="Source Sans Pro Light" charset="0"/>
+              </a:rPr>
+              <a:t>Graphical Engine</a:t>
+            </a:r>
+          </a:p>
+        </p:txBody>
+      </p:sp>
+      <p:cxnSp>
+        <p:nvCxnSpPr>
+          <p:cNvPr id="157" name="Straight Connector 156">
+            <a:extLst>
+              <a:ext uri="{FF2B5EF4-FFF2-40B4-BE49-F238E27FC236}">
+                <a16:creationId xmlns:a16="http://schemas.microsoft.com/office/drawing/2014/main" xmlns="" id="{D90F438F-1E80-E641-BE3F-43431E029618}"/>
+              </a:ext>
+            </a:extLst>
+          </p:cNvPr>
+          <p:cNvCxnSpPr>
+            <a:cxnSpLocks/>
+          </p:cNvCxnSpPr>
+          <p:nvPr/>
+        </p:nvCxnSpPr>
+        <p:spPr>
+          <a:xfrm>
+            <a:off x="5955050" y="4679961"/>
+            <a:ext cx="864000" cy="0"/>
+          </a:xfrm>
+          <a:prstGeom prst="line">
+            <a:avLst/>
+          </a:prstGeom>
+          <a:ln w="38100" cap="rnd">
+            <a:solidFill>
+              <a:schemeClr val="accent1"/>
+            </a:solidFill>
+            <a:miter lim="800000"/>
+          </a:ln>
+        </p:spPr>
+        <p:style>
+          <a:lnRef idx="1">
+            <a:schemeClr val="accent1"/>
+          </a:lnRef>
+          <a:fillRef idx="0">
+            <a:schemeClr val="accent1"/>
+          </a:fillRef>
+          <a:effectRef idx="0">
+            <a:schemeClr val="accent1"/>
+          </a:effectRef>
+          <a:fontRef idx="minor">
+            <a:schemeClr val="tx1"/>
+          </a:fontRef>
+        </p:style>
+      </p:cxnSp>
+      <p:sp>
+        <p:nvSpPr>
+          <p:cNvPr id="158" name="Rounded Rectangle 157">
+            <a:extLst>
+              <a:ext uri="{FF2B5EF4-FFF2-40B4-BE49-F238E27FC236}">
+                <a16:creationId xmlns:a16="http://schemas.microsoft.com/office/drawing/2014/main" xmlns="" id="{5742A9BD-5E2B-A34C-8C6E-C8CF6CAB0138}"/>
+              </a:ext>
+            </a:extLst>
+          </p:cNvPr>
+          <p:cNvSpPr/>
+          <p:nvPr/>
+        </p:nvSpPr>
+        <p:spPr>
+          <a:xfrm>
+            <a:off x="5937050" y="3092921"/>
             <a:ext cx="900000" cy="289728"/>
           </a:xfrm>
           <a:prstGeom prst="roundRect">
@@ -12637,10 +12872,10 @@
       </p:sp>
       <p:sp>
         <p:nvSpPr>
-          <p:cNvPr id="316" name="Rounded Rectangle 315">
+          <p:cNvPr id="159" name="Rounded Rectangle 158">
             <a:extLst>
               <a:ext uri="{FF2B5EF4-FFF2-40B4-BE49-F238E27FC236}">
-                <a16:creationId xmlns:a16="http://schemas.microsoft.com/office/drawing/2014/main" id="{7017064C-6296-3142-8B6A-5033873DF854}"/>
+                <a16:creationId xmlns:a16="http://schemas.microsoft.com/office/drawing/2014/main" xmlns="" id="{A1607D64-15E0-7044-A53C-BFE2E3E67748}"/>
               </a:ext>
             </a:extLst>
           </p:cNvPr>
@@ -12649,7 +12884,7 @@
         </p:nvSpPr>
         <p:spPr>
           <a:xfrm>
-            <a:off x="7672896" y="2707145"/>
+            <a:off x="7672896" y="3092921"/>
             <a:ext cx="633742" cy="289728"/>
           </a:xfrm>
           <a:prstGeom prst="roundRect">
@@ -12702,10 +12937,10 @@
       </p:sp>
       <p:sp>
         <p:nvSpPr>
-          <p:cNvPr id="317" name="Rounded Rectangle 316">
+          <p:cNvPr id="160" name="Rounded Rectangle 159">
             <a:extLst>
               <a:ext uri="{FF2B5EF4-FFF2-40B4-BE49-F238E27FC236}">
-                <a16:creationId xmlns:a16="http://schemas.microsoft.com/office/drawing/2014/main" id="{54B6CC74-B718-9248-9F0C-467197F4A5BA}"/>
+                <a16:creationId xmlns:a16="http://schemas.microsoft.com/office/drawing/2014/main" xmlns="" id="{E17EC56C-AC16-514D-914A-7C552702C47E}"/>
               </a:ext>
             </a:extLst>
           </p:cNvPr>
@@ -12714,16 +12949,18 @@
         </p:nvSpPr>
         <p:spPr>
           <a:xfrm>
-            <a:off x="3945793" y="5148317"/>
-            <a:ext cx="7048360" cy="306000"/>
+            <a:off x="8391675" y="4822466"/>
+            <a:ext cx="1910888" cy="190126"/>
           </a:xfrm>
           <a:prstGeom prst="roundRect">
             <a:avLst>
-              <a:gd name="adj" fmla="val 19644"/>
+              <a:gd name="adj" fmla="val 22586"/>
             </a:avLst>
           </a:prstGeom>
           <a:solidFill>
-            <a:schemeClr val="tx2"/>
+            <a:schemeClr val="bg2">
+              <a:lumMod val="75000"/>
+            </a:schemeClr>
           </a:solidFill>
           <a:ln w="12700">
             <a:noFill/>
@@ -12745,97 +12982,32 @@
           </a:fontRef>
         </p:style>
         <p:txBody>
-          <a:bodyPr wrap="square" lIns="90000" tIns="36000" bIns="36000" rtlCol="0" anchor="ctr">
+          <a:bodyPr wrap="square" tIns="36000" bIns="36000" rtlCol="0" anchor="ctr">
             <a:noAutofit/>
           </a:bodyPr>
           <a:lstStyle/>
           <a:p>
             <a:pPr algn="ctr"/>
             <a:r>
-              <a:rPr lang="en-US" sz="1600" b="1" dirty="0">
+              <a:rPr lang="en-US" sz="1200" dirty="0">
                 <a:solidFill>
                   <a:schemeClr val="bg1"/>
                 </a:solidFill>
-                <a:effectLst>
-                  <a:outerShdw blurRad="76200" dist="38100" dir="5400000" algn="t" rotWithShape="0">
-                    <a:prstClr val="black">
-                      <a:alpha val="70000"/>
-                    </a:prstClr>
-                  </a:outerShdw>
-                </a:effectLst>
-                <a:latin typeface="Source Sans Pro" charset="0"/>
-                <a:ea typeface="Source Sans Pro" charset="0"/>
-                <a:cs typeface="Source Sans Pro" charset="0"/>
+                <a:latin typeface="Source Sans Pro Light" charset="0"/>
+                <a:ea typeface="Source Sans Pro Light" charset="0"/>
+                <a:cs typeface="Source Sans Pro Light" charset="0"/>
               </a:rPr>
-              <a:t>C Runtime</a:t>
+              <a:t>Drivers</a:t>
             </a:r>
           </a:p>
         </p:txBody>
       </p:sp>
-      <p:cxnSp>
-        <p:nvCxnSpPr>
-          <p:cNvPr id="318" name="Straight Connector 317">
+      <p:sp>
+        <p:nvSpPr>
+          <p:cNvPr id="161" name="Rectangle 160">
             <a:extLst>
               <a:ext uri="{FF2B5EF4-FFF2-40B4-BE49-F238E27FC236}">
-                <a16:creationId xmlns:a16="http://schemas.microsoft.com/office/drawing/2014/main" id="{B4256D59-2993-3E46-AE6E-A37DBD959F21}"/>
-              </a:ext>
-            </a:extLst>
-          </p:cNvPr>
-          <p:cNvCxnSpPr>
-            <a:cxnSpLocks/>
-          </p:cNvCxnSpPr>
-          <p:nvPr/>
-        </p:nvCxnSpPr>
-        <p:spPr>
-          <a:xfrm>
-            <a:off x="10417015" y="3796513"/>
-            <a:ext cx="408820" cy="0"/>
-          </a:xfrm>
-          <a:prstGeom prst="line">
-            <a:avLst/>
-          </a:prstGeom>
-          <a:ln w="38100" cap="rnd">
-            <a:gradFill flip="none" rotWithShape="1">
-              <a:gsLst>
-                <a:gs pos="0">
-                  <a:schemeClr val="accent1">
-                    <a:lumMod val="60000"/>
-                    <a:lumOff val="40000"/>
-                  </a:schemeClr>
-                </a:gs>
-                <a:gs pos="100000">
-                  <a:schemeClr val="accent1">
-                    <a:alpha val="0"/>
-                  </a:schemeClr>
-                </a:gs>
-              </a:gsLst>
-              <a:lin ang="0" scaled="1"/>
-              <a:tileRect/>
-            </a:gradFill>
-            <a:miter lim="800000"/>
-          </a:ln>
-        </p:spPr>
-        <p:style>
-          <a:lnRef idx="1">
-            <a:schemeClr val="accent1"/>
-          </a:lnRef>
-          <a:fillRef idx="0">
-            <a:schemeClr val="accent1"/>
-          </a:fillRef>
-          <a:effectRef idx="0">
-            <a:schemeClr val="accent1"/>
-          </a:effectRef>
-          <a:fontRef idx="minor">
-            <a:schemeClr val="tx1"/>
-          </a:fontRef>
-        </p:style>
-      </p:cxnSp>
-      <p:sp>
-        <p:nvSpPr>
-          <p:cNvPr id="320" name="Rounded Rectangle 319">
-            <a:extLst>
-              <a:ext uri="{FF2B5EF4-FFF2-40B4-BE49-F238E27FC236}">
-                <a16:creationId xmlns:a16="http://schemas.microsoft.com/office/drawing/2014/main" id="{DB74ADA0-0A87-F343-B583-006B331078ED}"/>
+                <a16:creationId xmlns:a16="http://schemas.microsoft.com/office/drawing/2014/main" xmlns="" id="{04FB3D77-0506-5F44-B52F-526D5B669669}"/>
               </a:ext>
             </a:extLst>
           </p:cNvPr>
@@ -12844,68 +13016,1976 @@
         </p:nvSpPr>
         <p:spPr>
           <a:xfrm>
-            <a:off x="8407762" y="5932909"/>
-            <a:ext cx="900000" cy="306000"/>
+            <a:off x="4037846" y="4110765"/>
+            <a:ext cx="1716528" cy="129587"/>
           </a:xfrm>
-          <a:prstGeom prst="roundRect">
-            <a:avLst>
-              <a:gd name="adj" fmla="val 19644"/>
-            </a:avLst>
+          <a:prstGeom prst="rect">
+            <a:avLst/>
           </a:prstGeom>
-          <a:solidFill>
-            <a:schemeClr val="tx2"/>
-          </a:solidFill>
-          <a:ln w="12700">
+          <a:noFill/>
+          <a:ln w="31750">
             <a:noFill/>
           </a:ln>
           <a:effectLst/>
         </p:spPr>
-        <p:style>
-          <a:lnRef idx="2">
-            <a:schemeClr val="dk1"/>
-          </a:lnRef>
-          <a:fillRef idx="1">
-            <a:schemeClr val="lt1"/>
-          </a:fillRef>
-          <a:effectRef idx="0">
-            <a:schemeClr val="dk1"/>
-          </a:effectRef>
-          <a:fontRef idx="minor">
-            <a:schemeClr val="dk1"/>
-          </a:fontRef>
-        </p:style>
         <p:txBody>
-          <a:bodyPr wrap="square" tIns="72000" bIns="36000" rtlCol="0" anchor="ctr">
-            <a:noAutofit/>
+          <a:bodyPr wrap="square" lIns="0" tIns="0" rIns="0" bIns="0">
+            <a:spAutoFit/>
           </a:bodyPr>
           <a:lstStyle/>
           <a:p>
-            <a:pPr lvl="0" algn="ctr" defTabSz="914400">
+            <a:pPr algn="ctr">
               <a:lnSpc>
-                <a:spcPts val="1180"/>
+                <a:spcPts val="1000"/>
               </a:lnSpc>
-              <a:defRPr/>
             </a:pPr>
             <a:r>
-              <a:rPr lang="en-US" sz="1200" kern="0" dirty="0">
+              <a:rPr lang="en-US" sz="1000" b="1" dirty="0">
+                <a:ln w="0"/>
                 <a:solidFill>
-                  <a:schemeClr val="bg1"/>
+                  <a:schemeClr val="accent1"/>
                 </a:solidFill>
-                <a:latin typeface="Source Sans Pro Light" charset="0"/>
-                <a:ea typeface="Source Sans Pro Light" charset="0"/>
-                <a:cs typeface="Source Sans Pro Light" charset="0"/>
+                <a:latin typeface="Source Sans Pro" panose="020B0503030403020204" pitchFamily="34" charset="0"/>
+                <a:ea typeface="Source Sans Pro" panose="020B0503030403020204" pitchFamily="34" charset="0"/>
               </a:rPr>
-              <a:t>UART</a:t>
+              <a:t>ABSTRACTION LAYERS</a:t>
             </a:r>
           </a:p>
         </p:txBody>
       </p:sp>
       <p:sp>
         <p:nvSpPr>
-          <p:cNvPr id="322" name="Rounded Rectangle 321">
+          <p:cNvPr id="162" name="Rectangle 161">
             <a:extLst>
               <a:ext uri="{FF2B5EF4-FFF2-40B4-BE49-F238E27FC236}">
-                <a16:creationId xmlns:a16="http://schemas.microsoft.com/office/drawing/2014/main" id="{C75D433C-1431-7740-ADC7-7130C1ACE6C6}"/>
+                <a16:creationId xmlns:a16="http://schemas.microsoft.com/office/drawing/2014/main" xmlns="" id="{0551A79A-857A-2341-8DDA-27E8E8DD0FBA}"/>
+              </a:ext>
+            </a:extLst>
+          </p:cNvPr>
+          <p:cNvSpPr/>
+          <p:nvPr/>
+        </p:nvSpPr>
+        <p:spPr>
+          <a:xfrm>
+            <a:off x="9872456" y="6328481"/>
+            <a:ext cx="1263935" cy="213954"/>
+          </a:xfrm>
+          <a:prstGeom prst="rect">
+            <a:avLst/>
+          </a:prstGeom>
+          <a:noFill/>
+          <a:effectLst/>
+        </p:spPr>
+        <p:txBody>
+          <a:bodyPr wrap="square" lIns="0" rIns="0">
+            <a:noAutofit/>
+          </a:bodyPr>
+          <a:lstStyle/>
+          <a:p>
+            <a:pPr algn="r">
+              <a:lnSpc>
+                <a:spcPts val="1300"/>
+              </a:lnSpc>
+            </a:pPr>
+            <a:r>
+              <a:rPr lang="en-US" sz="1100" b="1" dirty="0">
+                <a:ln w="0"/>
+                <a:solidFill>
+                  <a:schemeClr val="tx1">
+                    <a:lumMod val="75000"/>
+                  </a:schemeClr>
+                </a:solidFill>
+                <a:latin typeface="Source Sans Pro" charset="0"/>
+                <a:ea typeface="Source Sans Pro" charset="0"/>
+                <a:cs typeface="Source Sans Pro" charset="0"/>
+              </a:rPr>
+              <a:t>HARDWARE </a:t>
+            </a:r>
+          </a:p>
+        </p:txBody>
+      </p:sp>
+      <p:sp>
+        <p:nvSpPr>
+          <p:cNvPr id="163" name="Rectangle 162">
+            <a:extLst>
+              <a:ext uri="{FF2B5EF4-FFF2-40B4-BE49-F238E27FC236}">
+                <a16:creationId xmlns:a16="http://schemas.microsoft.com/office/drawing/2014/main" xmlns="" id="{52E6BDC1-601C-6443-BE7E-E4B387B3CB5F}"/>
+              </a:ext>
+            </a:extLst>
+          </p:cNvPr>
+          <p:cNvSpPr/>
+          <p:nvPr/>
+        </p:nvSpPr>
+        <p:spPr>
+          <a:xfrm>
+            <a:off x="10192481" y="5542495"/>
+            <a:ext cx="943910" cy="213954"/>
+          </a:xfrm>
+          <a:prstGeom prst="rect">
+            <a:avLst/>
+          </a:prstGeom>
+          <a:noFill/>
+          <a:effectLst/>
+        </p:spPr>
+        <p:txBody>
+          <a:bodyPr wrap="square" lIns="0" rIns="0">
+            <a:noAutofit/>
+          </a:bodyPr>
+          <a:lstStyle/>
+          <a:p>
+            <a:pPr algn="r">
+              <a:lnSpc>
+                <a:spcPts val="1300"/>
+              </a:lnSpc>
+            </a:pPr>
+            <a:r>
+              <a:rPr lang="en-US" sz="1100" b="1" dirty="0">
+                <a:ln w="0"/>
+                <a:solidFill>
+                  <a:schemeClr val="tx1">
+                    <a:lumMod val="60000"/>
+                    <a:lumOff val="40000"/>
+                  </a:schemeClr>
+                </a:solidFill>
+                <a:latin typeface="Source Sans Pro" charset="0"/>
+                <a:ea typeface="Source Sans Pro" charset="0"/>
+                <a:cs typeface="Source Sans Pro" charset="0"/>
+              </a:rPr>
+              <a:t>PLATFORM</a:t>
+            </a:r>
+          </a:p>
+        </p:txBody>
+      </p:sp>
+      <p:sp>
+        <p:nvSpPr>
+          <p:cNvPr id="164" name="Rectangle 163">
+            <a:extLst>
+              <a:ext uri="{FF2B5EF4-FFF2-40B4-BE49-F238E27FC236}">
+                <a16:creationId xmlns:a16="http://schemas.microsoft.com/office/drawing/2014/main" xmlns="" id="{BCCE5A28-9314-0B4D-97B3-919FF26B310B}"/>
+              </a:ext>
+            </a:extLst>
+          </p:cNvPr>
+          <p:cNvSpPr/>
+          <p:nvPr/>
+        </p:nvSpPr>
+        <p:spPr>
+          <a:xfrm>
+            <a:off x="9712130" y="3798913"/>
+            <a:ext cx="1424261" cy="213954"/>
+          </a:xfrm>
+          <a:prstGeom prst="rect">
+            <a:avLst/>
+          </a:prstGeom>
+          <a:noFill/>
+          <a:effectLst/>
+        </p:spPr>
+        <p:txBody>
+          <a:bodyPr wrap="square" lIns="0" rIns="0">
+            <a:noAutofit/>
+          </a:bodyPr>
+          <a:lstStyle/>
+          <a:p>
+            <a:pPr algn="r">
+              <a:lnSpc>
+                <a:spcPts val="1300"/>
+              </a:lnSpc>
+            </a:pPr>
+            <a:r>
+              <a:rPr lang="en-US" sz="1100" b="1" dirty="0">
+                <a:ln w="0"/>
+                <a:solidFill>
+                  <a:schemeClr val="accent1"/>
+                </a:solidFill>
+                <a:latin typeface="Source Sans Pro" charset="0"/>
+                <a:ea typeface="Source Sans Pro" charset="0"/>
+                <a:cs typeface="Source Sans Pro" charset="0"/>
+              </a:rPr>
+              <a:t>VIRTUALIZATION</a:t>
+            </a:r>
+          </a:p>
+        </p:txBody>
+      </p:sp>
+      <p:grpSp>
+        <p:nvGrpSpPr>
+          <p:cNvPr id="165" name="Group 164">
+            <a:extLst>
+              <a:ext uri="{FF2B5EF4-FFF2-40B4-BE49-F238E27FC236}">
+                <a16:creationId xmlns:a16="http://schemas.microsoft.com/office/drawing/2014/main" xmlns="" id="{B2093A1D-7C23-C14A-BA2D-CDD5BABDCA07}"/>
+              </a:ext>
+            </a:extLst>
+          </p:cNvPr>
+          <p:cNvGrpSpPr/>
+          <p:nvPr/>
+        </p:nvGrpSpPr>
+        <p:grpSpPr>
+          <a:xfrm>
+            <a:off x="605494" y="1609811"/>
+            <a:ext cx="2657216" cy="4825249"/>
+            <a:chOff x="605494" y="1609811"/>
+            <a:chExt cx="2657216" cy="4825249"/>
+          </a:xfrm>
+        </p:grpSpPr>
+        <p:sp>
+          <p:nvSpPr>
+            <p:cNvPr id="166" name="Rounded Rectangle 165">
+              <a:extLst>
+                <a:ext uri="{FF2B5EF4-FFF2-40B4-BE49-F238E27FC236}">
+                  <a16:creationId xmlns:a16="http://schemas.microsoft.com/office/drawing/2014/main" xmlns="" id="{47515010-D167-C04A-AE31-C0E579A6C21A}"/>
+                </a:ext>
+              </a:extLst>
+            </p:cNvPr>
+            <p:cNvSpPr/>
+            <p:nvPr/>
+          </p:nvSpPr>
+          <p:spPr>
+            <a:xfrm>
+              <a:off x="1725315" y="1657956"/>
+              <a:ext cx="1173081" cy="4591262"/>
+            </a:xfrm>
+            <a:prstGeom prst="roundRect">
+              <a:avLst>
+                <a:gd name="adj" fmla="val 11317"/>
+              </a:avLst>
+            </a:prstGeom>
+            <a:solidFill>
+              <a:schemeClr val="bg1"/>
+            </a:solidFill>
+            <a:ln>
+              <a:noFill/>
+            </a:ln>
+          </p:spPr>
+          <p:style>
+            <a:lnRef idx="2">
+              <a:schemeClr val="accent1">
+                <a:shade val="50000"/>
+              </a:schemeClr>
+            </a:lnRef>
+            <a:fillRef idx="1">
+              <a:schemeClr val="accent1"/>
+            </a:fillRef>
+            <a:effectRef idx="0">
+              <a:schemeClr val="accent1"/>
+            </a:effectRef>
+            <a:fontRef idx="minor">
+              <a:schemeClr val="lt1"/>
+            </a:fontRef>
+          </p:style>
+          <p:txBody>
+            <a:bodyPr rtlCol="0" anchor="ctr"/>
+            <a:lstStyle/>
+            <a:p>
+              <a:pPr algn="ctr"/>
+              <a:endParaRPr lang="fr-FR" dirty="0"/>
+            </a:p>
+          </p:txBody>
+        </p:sp>
+        <p:grpSp>
+          <p:nvGrpSpPr>
+            <p:cNvPr id="167" name="Group 166">
+              <a:extLst>
+                <a:ext uri="{FF2B5EF4-FFF2-40B4-BE49-F238E27FC236}">
+                  <a16:creationId xmlns:a16="http://schemas.microsoft.com/office/drawing/2014/main" xmlns="" id="{8875227B-C89E-BB4B-9A52-33FBFD691964}"/>
+                </a:ext>
+              </a:extLst>
+            </p:cNvPr>
+            <p:cNvGrpSpPr/>
+            <p:nvPr/>
+          </p:nvGrpSpPr>
+          <p:grpSpPr>
+            <a:xfrm>
+              <a:off x="605494" y="1609811"/>
+              <a:ext cx="2657216" cy="4825249"/>
+              <a:chOff x="605494" y="1195283"/>
+              <a:chExt cx="2657216" cy="4825249"/>
+            </a:xfrm>
+          </p:grpSpPr>
+          <p:grpSp>
+            <p:nvGrpSpPr>
+              <p:cNvPr id="168" name="Group 167">
+                <a:extLst>
+                  <a:ext uri="{FF2B5EF4-FFF2-40B4-BE49-F238E27FC236}">
+                    <a16:creationId xmlns:a16="http://schemas.microsoft.com/office/drawing/2014/main" xmlns="" id="{7047DF6E-7500-0A49-A641-456FBD08492E}"/>
+                  </a:ext>
+                </a:extLst>
+              </p:cNvPr>
+              <p:cNvGrpSpPr/>
+              <p:nvPr/>
+            </p:nvGrpSpPr>
+            <p:grpSpPr>
+              <a:xfrm>
+                <a:off x="1378128" y="1195283"/>
+                <a:ext cx="1884582" cy="4825249"/>
+                <a:chOff x="409264" y="1195283"/>
+                <a:chExt cx="1884582" cy="4825249"/>
+              </a:xfrm>
+            </p:grpSpPr>
+            <p:pic>
+              <p:nvPicPr>
+                <p:cNvPr id="173" name="Picture 172">
+                  <a:extLst>
+                    <a:ext uri="{FF2B5EF4-FFF2-40B4-BE49-F238E27FC236}">
+                      <a16:creationId xmlns:a16="http://schemas.microsoft.com/office/drawing/2014/main" xmlns="" id="{E95E9309-044E-DB41-805C-FEE86D8E28AB}"/>
+                    </a:ext>
+                  </a:extLst>
+                </p:cNvPr>
+                <p:cNvPicPr>
+                  <a:picLocks noChangeAspect="1"/>
+                </p:cNvPicPr>
+                <p:nvPr/>
+              </p:nvPicPr>
+              <p:blipFill>
+                <a:blip r:embed="rId13" cstate="print">
+                  <a:extLst>
+                    <a:ext uri="{28A0092B-C50C-407E-A947-70E740481C1C}">
+                      <a14:useLocalDpi xmlns:a14="http://schemas.microsoft.com/office/drawing/2010/main" val="0"/>
+                    </a:ext>
+                  </a:extLst>
+                </a:blip>
+                <a:stretch>
+                  <a:fillRect/>
+                </a:stretch>
+              </p:blipFill>
+              <p:spPr>
+                <a:xfrm>
+                  <a:off x="409264" y="5045104"/>
+                  <a:ext cx="1790980" cy="975428"/>
+                </a:xfrm>
+                <a:prstGeom prst="rect">
+                  <a:avLst/>
+                </a:prstGeom>
+              </p:spPr>
+            </p:pic>
+            <p:sp>
+              <p:nvSpPr>
+                <p:cNvPr id="174" name="Rectangle 173">
+                  <a:extLst>
+                    <a:ext uri="{FF2B5EF4-FFF2-40B4-BE49-F238E27FC236}">
+                      <a16:creationId xmlns:a16="http://schemas.microsoft.com/office/drawing/2014/main" xmlns="" id="{81974314-48B7-274D-A275-BAAF9058BEBB}"/>
+                    </a:ext>
+                  </a:extLst>
+                </p:cNvPr>
+                <p:cNvSpPr/>
+                <p:nvPr/>
+              </p:nvSpPr>
+              <p:spPr>
+                <a:xfrm>
+                  <a:off x="970366" y="4478422"/>
+                  <a:ext cx="729840" cy="926301"/>
+                </a:xfrm>
+                <a:prstGeom prst="rect">
+                  <a:avLst/>
+                </a:prstGeom>
+                <a:gradFill>
+                  <a:gsLst>
+                    <a:gs pos="25000">
+                      <a:schemeClr val="tx2">
+                        <a:alpha val="40000"/>
+                      </a:schemeClr>
+                    </a:gs>
+                    <a:gs pos="0">
+                      <a:schemeClr val="tx2"/>
+                    </a:gs>
+                    <a:gs pos="100000">
+                      <a:schemeClr val="tx2">
+                        <a:alpha val="0"/>
+                      </a:schemeClr>
+                    </a:gs>
+                  </a:gsLst>
+                  <a:lin ang="5400000" scaled="0"/>
+                </a:gradFill>
+                <a:ln>
+                  <a:noFill/>
+                </a:ln>
+              </p:spPr>
+              <p:style>
+                <a:lnRef idx="2">
+                  <a:schemeClr val="accent1">
+                    <a:shade val="50000"/>
+                  </a:schemeClr>
+                </a:lnRef>
+                <a:fillRef idx="1">
+                  <a:schemeClr val="accent1"/>
+                </a:fillRef>
+                <a:effectRef idx="0">
+                  <a:schemeClr val="accent1"/>
+                </a:effectRef>
+                <a:fontRef idx="minor">
+                  <a:schemeClr val="lt1"/>
+                </a:fontRef>
+              </p:style>
+              <p:txBody>
+                <a:bodyPr rtlCol="0" anchor="ctr"/>
+                <a:lstStyle/>
+                <a:p>
+                  <a:pPr algn="ctr"/>
+                  <a:endParaRPr lang="fr-FR" dirty="0"/>
+                </a:p>
+              </p:txBody>
+            </p:sp>
+            <p:cxnSp>
+              <p:nvCxnSpPr>
+                <p:cNvPr id="175" name="Elbow Connector 174">
+                  <a:extLst>
+                    <a:ext uri="{FF2B5EF4-FFF2-40B4-BE49-F238E27FC236}">
+                      <a16:creationId xmlns:a16="http://schemas.microsoft.com/office/drawing/2014/main" xmlns="" id="{64C460AB-2371-5741-A52C-1DD7FC51EFDF}"/>
+                    </a:ext>
+                  </a:extLst>
+                </p:cNvPr>
+                <p:cNvCxnSpPr/>
+                <p:nvPr/>
+              </p:nvCxnSpPr>
+              <p:spPr>
+                <a:xfrm rot="16200000" flipH="1">
+                  <a:off x="1092398" y="4985936"/>
+                  <a:ext cx="783448" cy="123629"/>
+                </a:xfrm>
+                <a:prstGeom prst="bentConnector3">
+                  <a:avLst/>
+                </a:prstGeom>
+                <a:ln w="0"/>
+              </p:spPr>
+              <p:style>
+                <a:lnRef idx="1">
+                  <a:schemeClr val="accent1"/>
+                </a:lnRef>
+                <a:fillRef idx="0">
+                  <a:schemeClr val="accent1"/>
+                </a:fillRef>
+                <a:effectRef idx="0">
+                  <a:schemeClr val="accent1"/>
+                </a:effectRef>
+                <a:fontRef idx="minor">
+                  <a:schemeClr val="tx1"/>
+                </a:fontRef>
+              </p:style>
+            </p:cxnSp>
+            <p:cxnSp>
+              <p:nvCxnSpPr>
+                <p:cNvPr id="176" name="Elbow Connector 175">
+                  <a:extLst>
+                    <a:ext uri="{FF2B5EF4-FFF2-40B4-BE49-F238E27FC236}">
+                      <a16:creationId xmlns:a16="http://schemas.microsoft.com/office/drawing/2014/main" xmlns="" id="{116FC827-7AC9-D54F-B2AE-71B1D0D4356C}"/>
+                    </a:ext>
+                  </a:extLst>
+                </p:cNvPr>
+                <p:cNvCxnSpPr>
+                  <a:cxnSpLocks/>
+                </p:cNvCxnSpPr>
+                <p:nvPr/>
+              </p:nvCxnSpPr>
+              <p:spPr>
+                <a:xfrm rot="5400000">
+                  <a:off x="971546" y="4880947"/>
+                  <a:ext cx="911616" cy="135941"/>
+                </a:xfrm>
+                <a:prstGeom prst="bentConnector3">
+                  <a:avLst>
+                    <a:gd name="adj1" fmla="val 50000"/>
+                  </a:avLst>
+                </a:prstGeom>
+                <a:ln w="0"/>
+              </p:spPr>
+              <p:style>
+                <a:lnRef idx="1">
+                  <a:schemeClr val="accent1"/>
+                </a:lnRef>
+                <a:fillRef idx="0">
+                  <a:schemeClr val="accent1"/>
+                </a:fillRef>
+                <a:effectRef idx="0">
+                  <a:schemeClr val="accent1"/>
+                </a:effectRef>
+                <a:fontRef idx="minor">
+                  <a:schemeClr val="tx1"/>
+                </a:fontRef>
+              </p:style>
+            </p:cxnSp>
+            <p:cxnSp>
+              <p:nvCxnSpPr>
+                <p:cNvPr id="177" name="Elbow Connector 176">
+                  <a:extLst>
+                    <a:ext uri="{FF2B5EF4-FFF2-40B4-BE49-F238E27FC236}">
+                      <a16:creationId xmlns:a16="http://schemas.microsoft.com/office/drawing/2014/main" xmlns="" id="{BC64A19C-7046-AE4A-8E12-B9875D33E7CF}"/>
+                    </a:ext>
+                  </a:extLst>
+                </p:cNvPr>
+                <p:cNvCxnSpPr>
+                  <a:cxnSpLocks/>
+                </p:cNvCxnSpPr>
+                <p:nvPr/>
+              </p:nvCxnSpPr>
+              <p:spPr>
+                <a:xfrm rot="5400000">
+                  <a:off x="723719" y="5040018"/>
+                  <a:ext cx="980703" cy="78853"/>
+                </a:xfrm>
+                <a:prstGeom prst="bentConnector3">
+                  <a:avLst>
+                    <a:gd name="adj1" fmla="val 63597"/>
+                  </a:avLst>
+                </a:prstGeom>
+                <a:ln w="0"/>
+              </p:spPr>
+              <p:style>
+                <a:lnRef idx="1">
+                  <a:schemeClr val="accent1"/>
+                </a:lnRef>
+                <a:fillRef idx="0">
+                  <a:schemeClr val="accent1"/>
+                </a:fillRef>
+                <a:effectRef idx="0">
+                  <a:schemeClr val="accent1"/>
+                </a:effectRef>
+                <a:fontRef idx="minor">
+                  <a:schemeClr val="tx1"/>
+                </a:fontRef>
+              </p:style>
+            </p:cxnSp>
+            <p:cxnSp>
+              <p:nvCxnSpPr>
+                <p:cNvPr id="178" name="Elbow Connector 177">
+                  <a:extLst>
+                    <a:ext uri="{FF2B5EF4-FFF2-40B4-BE49-F238E27FC236}">
+                      <a16:creationId xmlns:a16="http://schemas.microsoft.com/office/drawing/2014/main" xmlns="" id="{DC170DBD-E02E-0645-A581-6F546B607A6A}"/>
+                    </a:ext>
+                  </a:extLst>
+                </p:cNvPr>
+                <p:cNvCxnSpPr>
+                  <a:cxnSpLocks/>
+                </p:cNvCxnSpPr>
+                <p:nvPr/>
+              </p:nvCxnSpPr>
+              <p:spPr>
+                <a:xfrm rot="5400000">
+                  <a:off x="711202" y="4910685"/>
+                  <a:ext cx="934997" cy="226848"/>
+                </a:xfrm>
+                <a:prstGeom prst="bentConnector3">
+                  <a:avLst>
+                    <a:gd name="adj1" fmla="val 46460"/>
+                  </a:avLst>
+                </a:prstGeom>
+                <a:ln w="0"/>
+              </p:spPr>
+              <p:style>
+                <a:lnRef idx="1">
+                  <a:schemeClr val="accent1"/>
+                </a:lnRef>
+                <a:fillRef idx="0">
+                  <a:schemeClr val="accent1"/>
+                </a:fillRef>
+                <a:effectRef idx="0">
+                  <a:schemeClr val="accent1"/>
+                </a:effectRef>
+                <a:fontRef idx="minor">
+                  <a:schemeClr val="tx1"/>
+                </a:fontRef>
+              </p:style>
+            </p:cxnSp>
+            <p:cxnSp>
+              <p:nvCxnSpPr>
+                <p:cNvPr id="179" name="Elbow Connector 178">
+                  <a:extLst>
+                    <a:ext uri="{FF2B5EF4-FFF2-40B4-BE49-F238E27FC236}">
+                      <a16:creationId xmlns:a16="http://schemas.microsoft.com/office/drawing/2014/main" xmlns="" id="{9D0F1040-C941-2B4B-905A-8231550421F1}"/>
+                    </a:ext>
+                  </a:extLst>
+                </p:cNvPr>
+                <p:cNvCxnSpPr>
+                  <a:cxnSpLocks/>
+                </p:cNvCxnSpPr>
+                <p:nvPr/>
+              </p:nvCxnSpPr>
+              <p:spPr>
+                <a:xfrm rot="5400000">
+                  <a:off x="922285" y="5096304"/>
+                  <a:ext cx="857871" cy="78914"/>
+                </a:xfrm>
+                <a:prstGeom prst="bentConnector3">
+                  <a:avLst>
+                    <a:gd name="adj1" fmla="val 50000"/>
+                  </a:avLst>
+                </a:prstGeom>
+                <a:ln w="0"/>
+              </p:spPr>
+              <p:style>
+                <a:lnRef idx="1">
+                  <a:schemeClr val="accent1"/>
+                </a:lnRef>
+                <a:fillRef idx="0">
+                  <a:schemeClr val="accent1"/>
+                </a:fillRef>
+                <a:effectRef idx="0">
+                  <a:schemeClr val="accent1"/>
+                </a:effectRef>
+                <a:fontRef idx="minor">
+                  <a:schemeClr val="tx1"/>
+                </a:fontRef>
+              </p:style>
+            </p:cxnSp>
+            <p:sp>
+              <p:nvSpPr>
+                <p:cNvPr id="180" name="Arrow: Down 81">
+                  <a:extLst>
+                    <a:ext uri="{FF2B5EF4-FFF2-40B4-BE49-F238E27FC236}">
+                      <a16:creationId xmlns:a16="http://schemas.microsoft.com/office/drawing/2014/main" xmlns="" id="{DF9C8DE6-C236-EE48-8077-3A2AC4C3E469}"/>
+                    </a:ext>
+                  </a:extLst>
+                </p:cNvPr>
+                <p:cNvSpPr/>
+                <p:nvPr/>
+              </p:nvSpPr>
+              <p:spPr>
+                <a:xfrm>
+                  <a:off x="756451" y="4162665"/>
+                  <a:ext cx="1140656" cy="636966"/>
+                </a:xfrm>
+                <a:prstGeom prst="downArrow">
+                  <a:avLst>
+                    <a:gd name="adj1" fmla="val 99436"/>
+                    <a:gd name="adj2" fmla="val 50000"/>
+                  </a:avLst>
+                </a:prstGeom>
+                <a:solidFill>
+                  <a:schemeClr val="bg1"/>
+                </a:solidFill>
+                <a:ln>
+                  <a:noFill/>
+                </a:ln>
+              </p:spPr>
+              <p:style>
+                <a:lnRef idx="2">
+                  <a:schemeClr val="accent1">
+                    <a:shade val="50000"/>
+                  </a:schemeClr>
+                </a:lnRef>
+                <a:fillRef idx="1">
+                  <a:schemeClr val="accent1"/>
+                </a:fillRef>
+                <a:effectRef idx="0">
+                  <a:schemeClr val="accent1"/>
+                </a:effectRef>
+                <a:fontRef idx="minor">
+                  <a:schemeClr val="lt1"/>
+                </a:fontRef>
+              </p:style>
+              <p:txBody>
+                <a:bodyPr rtlCol="0" anchor="ctr"/>
+                <a:lstStyle/>
+                <a:p>
+                  <a:pPr algn="ctr"/>
+                  <a:endParaRPr lang="en-US" dirty="0"/>
+                </a:p>
+              </p:txBody>
+            </p:sp>
+            <p:pic>
+              <p:nvPicPr>
+                <p:cNvPr id="181" name="Picture 180">
+                  <a:extLst>
+                    <a:ext uri="{FF2B5EF4-FFF2-40B4-BE49-F238E27FC236}">
+                      <a16:creationId xmlns:a16="http://schemas.microsoft.com/office/drawing/2014/main" xmlns="" id="{A5C64DF8-EE3B-434D-8249-3084AD7CF17B}"/>
+                    </a:ext>
+                  </a:extLst>
+                </p:cNvPr>
+                <p:cNvPicPr>
+                  <a:picLocks noChangeAspect="1"/>
+                </p:cNvPicPr>
+                <p:nvPr/>
+              </p:nvPicPr>
+              <p:blipFill>
+                <a:blip r:embed="rId14" cstate="print">
+                  <a:extLst>
+                    <a:ext uri="{28A0092B-C50C-407E-A947-70E740481C1C}">
+                      <a14:useLocalDpi xmlns:a14="http://schemas.microsoft.com/office/drawing/2010/main" val="0"/>
+                    </a:ext>
+                  </a:extLst>
+                </a:blip>
+                <a:stretch>
+                  <a:fillRect/>
+                </a:stretch>
+              </p:blipFill>
+              <p:spPr>
+                <a:xfrm>
+                  <a:off x="448586" y="3732477"/>
+                  <a:ext cx="1845260" cy="1004991"/>
+                </a:xfrm>
+                <a:prstGeom prst="rect">
+                  <a:avLst/>
+                </a:prstGeom>
+              </p:spPr>
+            </p:pic>
+            <p:pic>
+              <p:nvPicPr>
+                <p:cNvPr id="182" name="Picture 181">
+                  <a:extLst>
+                    <a:ext uri="{FF2B5EF4-FFF2-40B4-BE49-F238E27FC236}">
+                      <a16:creationId xmlns:a16="http://schemas.microsoft.com/office/drawing/2014/main" xmlns="" id="{14F81D31-38BC-A542-A148-D23E0206ABBE}"/>
+                    </a:ext>
+                  </a:extLst>
+                </p:cNvPr>
+                <p:cNvPicPr>
+                  <a:picLocks noChangeAspect="1"/>
+                </p:cNvPicPr>
+                <p:nvPr/>
+              </p:nvPicPr>
+              <p:blipFill>
+                <a:blip r:embed="rId4" cstate="print">
+                  <a:extLst>
+                    <a:ext uri="{28A0092B-C50C-407E-A947-70E740481C1C}">
+                      <a14:useLocalDpi xmlns:a14="http://schemas.microsoft.com/office/drawing/2010/main" val="0"/>
+                    </a:ext>
+                  </a:extLst>
+                </a:blip>
+                <a:stretch>
+                  <a:fillRect/>
+                </a:stretch>
+              </p:blipFill>
+              <p:spPr>
+                <a:xfrm>
+                  <a:off x="1040168" y="3908882"/>
+                  <a:ext cx="632423" cy="637500"/>
+                </a:xfrm>
+                <a:prstGeom prst="rect">
+                  <a:avLst/>
+                </a:prstGeom>
+                <a:scene3d>
+                  <a:camera prst="isometricTopUp"/>
+                  <a:lightRig rig="threePt" dir="t"/>
+                </a:scene3d>
+              </p:spPr>
+            </p:pic>
+            <p:sp>
+              <p:nvSpPr>
+                <p:cNvPr id="183" name="Rectangle 182">
+                  <a:extLst>
+                    <a:ext uri="{FF2B5EF4-FFF2-40B4-BE49-F238E27FC236}">
+                      <a16:creationId xmlns:a16="http://schemas.microsoft.com/office/drawing/2014/main" xmlns="" id="{1F273907-D5AC-6B4E-A12C-25A5222B2E88}"/>
+                    </a:ext>
+                  </a:extLst>
+                </p:cNvPr>
+                <p:cNvSpPr/>
+                <p:nvPr/>
+              </p:nvSpPr>
+              <p:spPr>
+                <a:xfrm>
+                  <a:off x="970366" y="3246083"/>
+                  <a:ext cx="729840" cy="856860"/>
+                </a:xfrm>
+                <a:prstGeom prst="rect">
+                  <a:avLst/>
+                </a:prstGeom>
+                <a:gradFill>
+                  <a:gsLst>
+                    <a:gs pos="14000">
+                      <a:schemeClr val="accent1">
+                        <a:alpha val="67000"/>
+                      </a:schemeClr>
+                    </a:gs>
+                    <a:gs pos="100000">
+                      <a:schemeClr val="accent1">
+                        <a:alpha val="0"/>
+                      </a:schemeClr>
+                    </a:gs>
+                  </a:gsLst>
+                  <a:lin ang="5400000" scaled="0"/>
+                </a:gradFill>
+                <a:ln>
+                  <a:noFill/>
+                </a:ln>
+              </p:spPr>
+              <p:style>
+                <a:lnRef idx="2">
+                  <a:schemeClr val="accent1">
+                    <a:shade val="50000"/>
+                  </a:schemeClr>
+                </a:lnRef>
+                <a:fillRef idx="1">
+                  <a:schemeClr val="accent1"/>
+                </a:fillRef>
+                <a:effectRef idx="0">
+                  <a:schemeClr val="accent1"/>
+                </a:effectRef>
+                <a:fontRef idx="minor">
+                  <a:schemeClr val="lt1"/>
+                </a:fontRef>
+              </p:style>
+              <p:txBody>
+                <a:bodyPr rtlCol="0" anchor="ctr"/>
+                <a:lstStyle/>
+                <a:p>
+                  <a:pPr algn="ctr"/>
+                  <a:endParaRPr lang="fr-FR" dirty="0"/>
+                </a:p>
+              </p:txBody>
+            </p:sp>
+            <p:grpSp>
+              <p:nvGrpSpPr>
+                <p:cNvPr id="184" name="Group 183">
+                  <a:extLst>
+                    <a:ext uri="{FF2B5EF4-FFF2-40B4-BE49-F238E27FC236}">
+                      <a16:creationId xmlns:a16="http://schemas.microsoft.com/office/drawing/2014/main" xmlns="" id="{61FE2C8F-7024-8D41-9C05-6425C99F4B6D}"/>
+                    </a:ext>
+                  </a:extLst>
+                </p:cNvPr>
+                <p:cNvGrpSpPr/>
+                <p:nvPr/>
+              </p:nvGrpSpPr>
+              <p:grpSpPr>
+                <a:xfrm>
+                  <a:off x="1065277" y="2941216"/>
+                  <a:ext cx="480658" cy="1369921"/>
+                  <a:chOff x="1065277" y="2941216"/>
+                  <a:chExt cx="480658" cy="1188314"/>
+                </a:xfrm>
+              </p:grpSpPr>
+              <p:cxnSp>
+                <p:nvCxnSpPr>
+                  <p:cNvPr id="229" name="Elbow Connector 228">
+                    <a:extLst>
+                      <a:ext uri="{FF2B5EF4-FFF2-40B4-BE49-F238E27FC236}">
+                        <a16:creationId xmlns:a16="http://schemas.microsoft.com/office/drawing/2014/main" xmlns="" id="{DE76D78D-8CA0-A34B-8B36-C12C3855C063}"/>
+                      </a:ext>
+                    </a:extLst>
+                  </p:cNvPr>
+                  <p:cNvCxnSpPr/>
+                  <p:nvPr/>
+                </p:nvCxnSpPr>
+                <p:spPr>
+                  <a:xfrm rot="16200000" flipH="1">
+                    <a:off x="1092397" y="3519085"/>
+                    <a:ext cx="783448" cy="123629"/>
+                  </a:xfrm>
+                  <a:prstGeom prst="bentConnector3">
+                    <a:avLst>
+                      <a:gd name="adj1" fmla="val 6232"/>
+                    </a:avLst>
+                  </a:prstGeom>
+                  <a:ln w="9525" cap="rnd">
+                    <a:prstDash val="lgDashDotDot"/>
+                  </a:ln>
+                </p:spPr>
+                <p:style>
+                  <a:lnRef idx="1">
+                    <a:schemeClr val="accent1"/>
+                  </a:lnRef>
+                  <a:fillRef idx="0">
+                    <a:schemeClr val="accent1"/>
+                  </a:fillRef>
+                  <a:effectRef idx="0">
+                    <a:schemeClr val="accent1"/>
+                  </a:effectRef>
+                  <a:fontRef idx="minor">
+                    <a:schemeClr val="tx1"/>
+                  </a:fontRef>
+                </p:style>
+              </p:cxnSp>
+              <p:cxnSp>
+                <p:nvCxnSpPr>
+                  <p:cNvPr id="230" name="Elbow Connector 229">
+                    <a:extLst>
+                      <a:ext uri="{FF2B5EF4-FFF2-40B4-BE49-F238E27FC236}">
+                        <a16:creationId xmlns:a16="http://schemas.microsoft.com/office/drawing/2014/main" xmlns="" id="{E06EDEE7-E79F-D242-AFB1-524966507DF5}"/>
+                      </a:ext>
+                    </a:extLst>
+                  </p:cNvPr>
+                  <p:cNvCxnSpPr>
+                    <a:cxnSpLocks/>
+                  </p:cNvCxnSpPr>
+                  <p:nvPr/>
+                </p:nvCxnSpPr>
+                <p:spPr>
+                  <a:xfrm rot="5400000">
+                    <a:off x="984099" y="3424630"/>
+                    <a:ext cx="909596" cy="112851"/>
+                  </a:xfrm>
+                  <a:prstGeom prst="bentConnector3">
+                    <a:avLst>
+                      <a:gd name="adj1" fmla="val 2528"/>
+                    </a:avLst>
+                  </a:prstGeom>
+                  <a:ln w="9525" cap="rnd">
+                    <a:prstDash val="lgDashDotDot"/>
+                  </a:ln>
+                </p:spPr>
+                <p:style>
+                  <a:lnRef idx="1">
+                    <a:schemeClr val="accent1"/>
+                  </a:lnRef>
+                  <a:fillRef idx="0">
+                    <a:schemeClr val="accent1"/>
+                  </a:fillRef>
+                  <a:effectRef idx="0">
+                    <a:schemeClr val="accent1"/>
+                  </a:effectRef>
+                  <a:fontRef idx="minor">
+                    <a:schemeClr val="tx1"/>
+                  </a:fontRef>
+                </p:style>
+              </p:cxnSp>
+              <p:cxnSp>
+                <p:nvCxnSpPr>
+                  <p:cNvPr id="231" name="Elbow Connector 230">
+                    <a:extLst>
+                      <a:ext uri="{FF2B5EF4-FFF2-40B4-BE49-F238E27FC236}">
+                        <a16:creationId xmlns:a16="http://schemas.microsoft.com/office/drawing/2014/main" xmlns="" id="{001CD2BB-F139-4946-8633-E7129E777845}"/>
+                      </a:ext>
+                    </a:extLst>
+                  </p:cNvPr>
+                  <p:cNvCxnSpPr>
+                    <a:cxnSpLocks/>
+                  </p:cNvCxnSpPr>
+                  <p:nvPr/>
+                </p:nvCxnSpPr>
+                <p:spPr>
+                  <a:xfrm rot="5400000">
+                    <a:off x="758279" y="3495618"/>
+                    <a:ext cx="935850" cy="110519"/>
+                  </a:xfrm>
+                  <a:prstGeom prst="bentConnector3">
+                    <a:avLst>
+                      <a:gd name="adj1" fmla="val 2164"/>
+                    </a:avLst>
+                  </a:prstGeom>
+                  <a:ln w="9525" cap="rnd">
+                    <a:prstDash val="lgDashDotDot"/>
+                  </a:ln>
+                </p:spPr>
+                <p:style>
+                  <a:lnRef idx="1">
+                    <a:schemeClr val="accent1"/>
+                  </a:lnRef>
+                  <a:fillRef idx="0">
+                    <a:schemeClr val="accent1"/>
+                  </a:fillRef>
+                  <a:effectRef idx="0">
+                    <a:schemeClr val="accent1"/>
+                  </a:effectRef>
+                  <a:fontRef idx="minor">
+                    <a:schemeClr val="tx1"/>
+                  </a:fontRef>
+                </p:style>
+              </p:cxnSp>
+              <p:cxnSp>
+                <p:nvCxnSpPr>
+                  <p:cNvPr id="232" name="Elbow Connector 231">
+                    <a:extLst>
+                      <a:ext uri="{FF2B5EF4-FFF2-40B4-BE49-F238E27FC236}">
+                        <a16:creationId xmlns:a16="http://schemas.microsoft.com/office/drawing/2014/main" xmlns="" id="{E9B4859D-AA41-D94B-8865-E8F4A5E9201A}"/>
+                      </a:ext>
+                    </a:extLst>
+                  </p:cNvPr>
+                  <p:cNvCxnSpPr>
+                    <a:cxnSpLocks/>
+                  </p:cNvCxnSpPr>
+                  <p:nvPr/>
+                </p:nvCxnSpPr>
+                <p:spPr>
+                  <a:xfrm rot="5400000">
+                    <a:off x="564587" y="3441906"/>
+                    <a:ext cx="1083539" cy="82160"/>
+                  </a:xfrm>
+                  <a:prstGeom prst="bentConnector3">
+                    <a:avLst>
+                      <a:gd name="adj1" fmla="val 10735"/>
+                    </a:avLst>
+                  </a:prstGeom>
+                  <a:ln w="9525" cap="rnd">
+                    <a:prstDash val="lgDashDotDot"/>
+                  </a:ln>
+                </p:spPr>
+                <p:style>
+                  <a:lnRef idx="1">
+                    <a:schemeClr val="accent1"/>
+                  </a:lnRef>
+                  <a:fillRef idx="0">
+                    <a:schemeClr val="accent1"/>
+                  </a:fillRef>
+                  <a:effectRef idx="0">
+                    <a:schemeClr val="accent1"/>
+                  </a:effectRef>
+                  <a:fontRef idx="minor">
+                    <a:schemeClr val="tx1"/>
+                  </a:fontRef>
+                </p:style>
+              </p:cxnSp>
+              <p:cxnSp>
+                <p:nvCxnSpPr>
+                  <p:cNvPr id="233" name="Elbow Connector 232">
+                    <a:extLst>
+                      <a:ext uri="{FF2B5EF4-FFF2-40B4-BE49-F238E27FC236}">
+                        <a16:creationId xmlns:a16="http://schemas.microsoft.com/office/drawing/2014/main" xmlns="" id="{EA4371AF-C510-9447-866C-FA2152F51914}"/>
+                      </a:ext>
+                    </a:extLst>
+                  </p:cNvPr>
+                  <p:cNvCxnSpPr>
+                    <a:cxnSpLocks/>
+                  </p:cNvCxnSpPr>
+                  <p:nvPr/>
+                </p:nvCxnSpPr>
+                <p:spPr>
+                  <a:xfrm rot="5400000">
+                    <a:off x="901549" y="3618306"/>
+                    <a:ext cx="909596" cy="112851"/>
+                  </a:xfrm>
+                  <a:prstGeom prst="bentConnector3">
+                    <a:avLst>
+                      <a:gd name="adj1" fmla="val -3406"/>
+                    </a:avLst>
+                  </a:prstGeom>
+                  <a:ln w="9525" cap="rnd">
+                    <a:prstDash val="lgDashDotDot"/>
+                  </a:ln>
+                </p:spPr>
+                <p:style>
+                  <a:lnRef idx="1">
+                    <a:schemeClr val="accent1"/>
+                  </a:lnRef>
+                  <a:fillRef idx="0">
+                    <a:schemeClr val="accent1"/>
+                  </a:fillRef>
+                  <a:effectRef idx="0">
+                    <a:schemeClr val="accent1"/>
+                  </a:effectRef>
+                  <a:fontRef idx="minor">
+                    <a:schemeClr val="tx1"/>
+                  </a:fontRef>
+                </p:style>
+              </p:cxnSp>
+            </p:grpSp>
+            <p:sp>
+              <p:nvSpPr>
+                <p:cNvPr id="185" name="Arrow: Down 81">
+                  <a:extLst>
+                    <a:ext uri="{FF2B5EF4-FFF2-40B4-BE49-F238E27FC236}">
+                      <a16:creationId xmlns:a16="http://schemas.microsoft.com/office/drawing/2014/main" xmlns="" id="{1BFF8924-F086-F54C-8E85-B5D3363F8E74}"/>
+                    </a:ext>
+                  </a:extLst>
+                </p:cNvPr>
+                <p:cNvSpPr/>
+                <p:nvPr/>
+              </p:nvSpPr>
+              <p:spPr>
+                <a:xfrm>
+                  <a:off x="756451" y="2824604"/>
+                  <a:ext cx="1140656" cy="636966"/>
+                </a:xfrm>
+                <a:prstGeom prst="downArrow">
+                  <a:avLst>
+                    <a:gd name="adj1" fmla="val 99436"/>
+                    <a:gd name="adj2" fmla="val 50000"/>
+                  </a:avLst>
+                </a:prstGeom>
+                <a:solidFill>
+                  <a:schemeClr val="bg1"/>
+                </a:solidFill>
+                <a:ln>
+                  <a:noFill/>
+                </a:ln>
+              </p:spPr>
+              <p:style>
+                <a:lnRef idx="2">
+                  <a:schemeClr val="accent1">
+                    <a:shade val="50000"/>
+                  </a:schemeClr>
+                </a:lnRef>
+                <a:fillRef idx="1">
+                  <a:schemeClr val="accent1"/>
+                </a:fillRef>
+                <a:effectRef idx="0">
+                  <a:schemeClr val="accent1"/>
+                </a:effectRef>
+                <a:fontRef idx="minor">
+                  <a:schemeClr val="lt1"/>
+                </a:fontRef>
+              </p:style>
+              <p:txBody>
+                <a:bodyPr rtlCol="0" anchor="ctr"/>
+                <a:lstStyle/>
+                <a:p>
+                  <a:pPr algn="ctr"/>
+                  <a:endParaRPr lang="en-US" dirty="0"/>
+                </a:p>
+              </p:txBody>
+            </p:sp>
+            <p:sp>
+              <p:nvSpPr>
+                <p:cNvPr id="186" name="Rectangle 185">
+                  <a:extLst>
+                    <a:ext uri="{FF2B5EF4-FFF2-40B4-BE49-F238E27FC236}">
+                      <a16:creationId xmlns:a16="http://schemas.microsoft.com/office/drawing/2014/main" xmlns="" id="{C29D49CD-F70D-B941-A935-CC7532E3C211}"/>
+                    </a:ext>
+                  </a:extLst>
+                </p:cNvPr>
+                <p:cNvSpPr/>
+                <p:nvPr/>
+              </p:nvSpPr>
+              <p:spPr>
+                <a:xfrm>
+                  <a:off x="1111797" y="2207195"/>
+                  <a:ext cx="412884" cy="187295"/>
+                </a:xfrm>
+                <a:prstGeom prst="rect">
+                  <a:avLst/>
+                </a:prstGeom>
+              </p:spPr>
+              <p:txBody>
+                <a:bodyPr wrap="square" lIns="0" tIns="0" rIns="0" bIns="0" anchor="ctr">
+                  <a:spAutoFit/>
+                </a:bodyPr>
+                <a:lstStyle/>
+                <a:p>
+                  <a:pPr algn="ctr">
+                    <a:lnSpc>
+                      <a:spcPts val="1600"/>
+                    </a:lnSpc>
+                    <a:spcBef>
+                      <a:spcPts val="100"/>
+                    </a:spcBef>
+                    <a:spcAft>
+                      <a:spcPts val="100"/>
+                    </a:spcAft>
+                  </a:pPr>
+                  <a:r>
+                    <a:rPr lang="en-US" sz="1000" b="1" dirty="0">
+                      <a:solidFill>
+                        <a:schemeClr val="bg1"/>
+                      </a:solidFill>
+                      <a:latin typeface="Source Sans Pro" charset="0"/>
+                      <a:ea typeface="Source Sans Pro" charset="0"/>
+                      <a:cs typeface="Source Sans Pro" charset="0"/>
+                    </a:rPr>
+                    <a:t>Libs</a:t>
+                  </a:r>
+                </a:p>
+              </p:txBody>
+            </p:sp>
+            <p:sp>
+              <p:nvSpPr>
+                <p:cNvPr id="187" name="Rectangle 186">
+                  <a:extLst>
+                    <a:ext uri="{FF2B5EF4-FFF2-40B4-BE49-F238E27FC236}">
+                      <a16:creationId xmlns:a16="http://schemas.microsoft.com/office/drawing/2014/main" xmlns="" id="{6B4B2FC6-B34E-E14C-AAB5-91A1225D65F9}"/>
+                    </a:ext>
+                  </a:extLst>
+                </p:cNvPr>
+                <p:cNvSpPr/>
+                <p:nvPr/>
+              </p:nvSpPr>
+              <p:spPr>
+                <a:xfrm>
+                  <a:off x="1111094" y="2900976"/>
+                  <a:ext cx="412884" cy="187295"/>
+                </a:xfrm>
+                <a:prstGeom prst="rect">
+                  <a:avLst/>
+                </a:prstGeom>
+              </p:spPr>
+              <p:txBody>
+                <a:bodyPr wrap="square" lIns="0" tIns="0" rIns="0" bIns="0" anchor="ctr">
+                  <a:spAutoFit/>
+                </a:bodyPr>
+                <a:lstStyle/>
+                <a:p>
+                  <a:pPr algn="ctr">
+                    <a:lnSpc>
+                      <a:spcPts val="1600"/>
+                    </a:lnSpc>
+                    <a:spcBef>
+                      <a:spcPts val="100"/>
+                    </a:spcBef>
+                    <a:spcAft>
+                      <a:spcPts val="100"/>
+                    </a:spcAft>
+                  </a:pPr>
+                  <a:r>
+                    <a:rPr lang="en-US" sz="1000" b="1" dirty="0">
+                      <a:solidFill>
+                        <a:schemeClr val="bg1"/>
+                      </a:solidFill>
+                      <a:latin typeface="Source Sans Pro" charset="0"/>
+                      <a:ea typeface="Source Sans Pro" charset="0"/>
+                      <a:cs typeface="Source Sans Pro" charset="0"/>
+                    </a:rPr>
+                    <a:t>Libs</a:t>
+                  </a:r>
+                </a:p>
+              </p:txBody>
+            </p:sp>
+            <p:pic>
+              <p:nvPicPr>
+                <p:cNvPr id="188" name="Picture 187">
+                  <a:extLst>
+                    <a:ext uri="{FF2B5EF4-FFF2-40B4-BE49-F238E27FC236}">
+                      <a16:creationId xmlns:a16="http://schemas.microsoft.com/office/drawing/2014/main" xmlns="" id="{B3C195FE-953F-3940-9988-4B3634040E0C}"/>
+                    </a:ext>
+                  </a:extLst>
+                </p:cNvPr>
+                <p:cNvPicPr>
+                  <a:picLocks noChangeAspect="1"/>
+                </p:cNvPicPr>
+                <p:nvPr/>
+              </p:nvPicPr>
+              <p:blipFill>
+                <a:blip r:embed="rId15" cstate="print">
+                  <a:extLst>
+                    <a:ext uri="{28A0092B-C50C-407E-A947-70E740481C1C}">
+                      <a14:useLocalDpi xmlns:a14="http://schemas.microsoft.com/office/drawing/2010/main" val="0"/>
+                    </a:ext>
+                  </a:extLst>
+                </a:blip>
+                <a:stretch>
+                  <a:fillRect/>
+                </a:stretch>
+              </p:blipFill>
+              <p:spPr>
+                <a:xfrm>
+                  <a:off x="859034" y="2277877"/>
+                  <a:ext cx="938728" cy="1117083"/>
+                </a:xfrm>
+                <a:prstGeom prst="rect">
+                  <a:avLst/>
+                </a:prstGeom>
+              </p:spPr>
+            </p:pic>
+            <p:grpSp>
+              <p:nvGrpSpPr>
+                <p:cNvPr id="189" name="Group 188">
+                  <a:extLst>
+                    <a:ext uri="{FF2B5EF4-FFF2-40B4-BE49-F238E27FC236}">
+                      <a16:creationId xmlns:a16="http://schemas.microsoft.com/office/drawing/2014/main" xmlns="" id="{77FC2879-9058-BC43-B7FA-A78EC4E743C6}"/>
+                    </a:ext>
+                  </a:extLst>
+                </p:cNvPr>
+                <p:cNvGrpSpPr/>
+                <p:nvPr/>
+              </p:nvGrpSpPr>
+              <p:grpSpPr>
+                <a:xfrm>
+                  <a:off x="1068044" y="2377674"/>
+                  <a:ext cx="468098" cy="284983"/>
+                  <a:chOff x="666705" y="1872206"/>
+                  <a:chExt cx="1030202" cy="627198"/>
+                </a:xfrm>
+              </p:grpSpPr>
+              <p:pic>
+                <p:nvPicPr>
+                  <p:cNvPr id="226" name="Picture 225">
+                    <a:extLst>
+                      <a:ext uri="{FF2B5EF4-FFF2-40B4-BE49-F238E27FC236}">
+                        <a16:creationId xmlns:a16="http://schemas.microsoft.com/office/drawing/2014/main" xmlns="" id="{677AE286-4A05-C74B-A277-B7C8F1333F72}"/>
+                      </a:ext>
+                    </a:extLst>
+                  </p:cNvPr>
+                  <p:cNvPicPr>
+                    <a:picLocks noChangeAspect="1"/>
+                  </p:cNvPicPr>
+                  <p:nvPr/>
+                </p:nvPicPr>
+                <p:blipFill>
+                  <a:blip r:embed="rId16" cstate="print">
+                    <a:extLst>
+                      <a:ext uri="{28A0092B-C50C-407E-A947-70E740481C1C}">
+                        <a14:useLocalDpi xmlns:a14="http://schemas.microsoft.com/office/drawing/2010/main" val="0"/>
+                      </a:ext>
+                    </a:extLst>
+                  </a:blip>
+                  <a:stretch>
+                    <a:fillRect/>
+                  </a:stretch>
+                </p:blipFill>
+                <p:spPr>
+                  <a:xfrm>
+                    <a:off x="666705" y="2094628"/>
+                    <a:ext cx="544169" cy="347111"/>
+                  </a:xfrm>
+                  <a:prstGeom prst="rect">
+                    <a:avLst/>
+                  </a:prstGeom>
+                </p:spPr>
+              </p:pic>
+              <p:pic>
+                <p:nvPicPr>
+                  <p:cNvPr id="227" name="Picture 226">
+                    <a:extLst>
+                      <a:ext uri="{FF2B5EF4-FFF2-40B4-BE49-F238E27FC236}">
+                        <a16:creationId xmlns:a16="http://schemas.microsoft.com/office/drawing/2014/main" xmlns="" id="{39E47AAB-4932-5D44-9F1B-F70FCA1AD131}"/>
+                      </a:ext>
+                    </a:extLst>
+                  </p:cNvPr>
+                  <p:cNvPicPr>
+                    <a:picLocks noChangeAspect="1"/>
+                  </p:cNvPicPr>
+                  <p:nvPr/>
+                </p:nvPicPr>
+                <p:blipFill>
+                  <a:blip r:embed="rId16" cstate="print">
+                    <a:extLst>
+                      <a:ext uri="{28A0092B-C50C-407E-A947-70E740481C1C}">
+                        <a14:useLocalDpi xmlns:a14="http://schemas.microsoft.com/office/drawing/2010/main" val="0"/>
+                      </a:ext>
+                    </a:extLst>
+                  </a:blip>
+                  <a:stretch>
+                    <a:fillRect/>
+                  </a:stretch>
+                </p:blipFill>
+                <p:spPr>
+                  <a:xfrm>
+                    <a:off x="1152738" y="2152293"/>
+                    <a:ext cx="544169" cy="347111"/>
+                  </a:xfrm>
+                  <a:prstGeom prst="rect">
+                    <a:avLst/>
+                  </a:prstGeom>
+                </p:spPr>
+              </p:pic>
+              <p:pic>
+                <p:nvPicPr>
+                  <p:cNvPr id="228" name="Picture 227">
+                    <a:extLst>
+                      <a:ext uri="{FF2B5EF4-FFF2-40B4-BE49-F238E27FC236}">
+                        <a16:creationId xmlns:a16="http://schemas.microsoft.com/office/drawing/2014/main" xmlns="" id="{03848DBF-E7A7-0549-A7CC-0D92DDB7F204}"/>
+                      </a:ext>
+                    </a:extLst>
+                  </p:cNvPr>
+                  <p:cNvPicPr>
+                    <a:picLocks noChangeAspect="1"/>
+                  </p:cNvPicPr>
+                  <p:nvPr/>
+                </p:nvPicPr>
+                <p:blipFill>
+                  <a:blip r:embed="rId16" cstate="print">
+                    <a:extLst>
+                      <a:ext uri="{28A0092B-C50C-407E-A947-70E740481C1C}">
+                        <a14:useLocalDpi xmlns:a14="http://schemas.microsoft.com/office/drawing/2010/main" val="0"/>
+                      </a:ext>
+                    </a:extLst>
+                  </a:blip>
+                  <a:stretch>
+                    <a:fillRect/>
+                  </a:stretch>
+                </p:blipFill>
+                <p:spPr>
+                  <a:xfrm>
+                    <a:off x="987982" y="1872206"/>
+                    <a:ext cx="544169" cy="347111"/>
+                  </a:xfrm>
+                  <a:prstGeom prst="rect">
+                    <a:avLst/>
+                  </a:prstGeom>
+                </p:spPr>
+              </p:pic>
+            </p:grpSp>
+            <p:cxnSp>
+              <p:nvCxnSpPr>
+                <p:cNvPr id="190" name="Straight Connector 189">
+                  <a:extLst>
+                    <a:ext uri="{FF2B5EF4-FFF2-40B4-BE49-F238E27FC236}">
+                      <a16:creationId xmlns:a16="http://schemas.microsoft.com/office/drawing/2014/main" xmlns="" id="{37942414-129D-834B-87DD-62CA8F703269}"/>
+                    </a:ext>
+                  </a:extLst>
+                </p:cNvPr>
+                <p:cNvCxnSpPr>
+                  <a:cxnSpLocks/>
+                  <a:stCxn id="225" idx="2"/>
+                  <a:endCxn id="228" idx="2"/>
+                </p:cNvCxnSpPr>
+                <p:nvPr/>
+              </p:nvCxnSpPr>
+              <p:spPr>
+                <a:xfrm>
+                  <a:off x="1336672" y="1567433"/>
+                  <a:ext cx="981" cy="967960"/>
+                </a:xfrm>
+                <a:prstGeom prst="line">
+                  <a:avLst/>
+                </a:prstGeom>
+                <a:ln>
+                  <a:gradFill>
+                    <a:gsLst>
+                      <a:gs pos="100000">
+                        <a:schemeClr val="bg1">
+                          <a:alpha val="0"/>
+                        </a:schemeClr>
+                      </a:gs>
+                      <a:gs pos="0">
+                        <a:schemeClr val="accent1">
+                          <a:lumMod val="5000"/>
+                          <a:lumOff val="95000"/>
+                          <a:alpha val="0"/>
+                        </a:schemeClr>
+                      </a:gs>
+                      <a:gs pos="44000">
+                        <a:schemeClr val="accent1"/>
+                      </a:gs>
+                      <a:gs pos="25000">
+                        <a:schemeClr val="accent1"/>
+                      </a:gs>
+                    </a:gsLst>
+                    <a:lin ang="5400000" scaled="1"/>
+                  </a:gradFill>
+                </a:ln>
+              </p:spPr>
+              <p:style>
+                <a:lnRef idx="1">
+                  <a:schemeClr val="accent1"/>
+                </a:lnRef>
+                <a:fillRef idx="0">
+                  <a:schemeClr val="accent1"/>
+                </a:fillRef>
+                <a:effectRef idx="0">
+                  <a:schemeClr val="accent1"/>
+                </a:effectRef>
+                <a:fontRef idx="minor">
+                  <a:schemeClr val="tx1"/>
+                </a:fontRef>
+              </p:style>
+            </p:cxnSp>
+            <p:sp>
+              <p:nvSpPr>
+                <p:cNvPr id="191" name="Rectangle 190">
+                  <a:extLst>
+                    <a:ext uri="{FF2B5EF4-FFF2-40B4-BE49-F238E27FC236}">
+                      <a16:creationId xmlns:a16="http://schemas.microsoft.com/office/drawing/2014/main" xmlns="" id="{7E0F0C09-5560-064D-84F4-0D5D269B5EF4}"/>
+                    </a:ext>
+                  </a:extLst>
+                </p:cNvPr>
+                <p:cNvSpPr/>
+                <p:nvPr/>
+              </p:nvSpPr>
+              <p:spPr>
+                <a:xfrm>
+                  <a:off x="1237934" y="1403199"/>
+                  <a:ext cx="201491" cy="1172316"/>
+                </a:xfrm>
+                <a:prstGeom prst="rect">
+                  <a:avLst/>
+                </a:prstGeom>
+                <a:gradFill>
+                  <a:gsLst>
+                    <a:gs pos="37000">
+                      <a:schemeClr val="accent1">
+                        <a:alpha val="58000"/>
+                      </a:schemeClr>
+                    </a:gs>
+                    <a:gs pos="0">
+                      <a:srgbClr val="EE502E">
+                        <a:alpha val="0"/>
+                      </a:srgbClr>
+                    </a:gs>
+                    <a:gs pos="100000">
+                      <a:schemeClr val="accent1">
+                        <a:alpha val="0"/>
+                      </a:schemeClr>
+                    </a:gs>
+                  </a:gsLst>
+                  <a:lin ang="5400000" scaled="0"/>
+                </a:gradFill>
+                <a:ln>
+                  <a:noFill/>
+                </a:ln>
+              </p:spPr>
+              <p:style>
+                <a:lnRef idx="2">
+                  <a:schemeClr val="accent1">
+                    <a:shade val="50000"/>
+                  </a:schemeClr>
+                </a:lnRef>
+                <a:fillRef idx="1">
+                  <a:schemeClr val="accent1"/>
+                </a:fillRef>
+                <a:effectRef idx="0">
+                  <a:schemeClr val="accent1"/>
+                </a:effectRef>
+                <a:fontRef idx="minor">
+                  <a:schemeClr val="lt1"/>
+                </a:fontRef>
+              </p:style>
+              <p:txBody>
+                <a:bodyPr rtlCol="0" anchor="ctr"/>
+                <a:lstStyle/>
+                <a:p>
+                  <a:pPr algn="ctr"/>
+                  <a:endParaRPr lang="fr-FR" dirty="0"/>
+                </a:p>
+              </p:txBody>
+            </p:sp>
+            <p:sp>
+              <p:nvSpPr>
+                <p:cNvPr id="221" name="Rectangle 220">
+                  <a:extLst>
+                    <a:ext uri="{FF2B5EF4-FFF2-40B4-BE49-F238E27FC236}">
+                      <a16:creationId xmlns:a16="http://schemas.microsoft.com/office/drawing/2014/main" xmlns="" id="{67887162-218A-A94E-8723-7E3A38D3887B}"/>
+                    </a:ext>
+                  </a:extLst>
+                </p:cNvPr>
+                <p:cNvSpPr/>
+                <p:nvPr/>
+              </p:nvSpPr>
+              <p:spPr>
+                <a:xfrm>
+                  <a:off x="1093885" y="2226232"/>
+                  <a:ext cx="196924" cy="349283"/>
+                </a:xfrm>
+                <a:prstGeom prst="rect">
+                  <a:avLst/>
+                </a:prstGeom>
+                <a:gradFill>
+                  <a:gsLst>
+                    <a:gs pos="86000">
+                      <a:schemeClr val="accent1">
+                        <a:alpha val="40000"/>
+                      </a:schemeClr>
+                    </a:gs>
+                    <a:gs pos="0">
+                      <a:srgbClr val="EE502E">
+                        <a:alpha val="0"/>
+                      </a:srgbClr>
+                    </a:gs>
+                    <a:gs pos="100000">
+                      <a:schemeClr val="accent1">
+                        <a:alpha val="0"/>
+                      </a:schemeClr>
+                    </a:gs>
+                  </a:gsLst>
+                  <a:lin ang="5400000" scaled="0"/>
+                </a:gradFill>
+                <a:ln>
+                  <a:noFill/>
+                </a:ln>
+              </p:spPr>
+              <p:style>
+                <a:lnRef idx="2">
+                  <a:schemeClr val="accent1">
+                    <a:shade val="50000"/>
+                  </a:schemeClr>
+                </a:lnRef>
+                <a:fillRef idx="1">
+                  <a:schemeClr val="accent1"/>
+                </a:fillRef>
+                <a:effectRef idx="0">
+                  <a:schemeClr val="accent1"/>
+                </a:effectRef>
+                <a:fontRef idx="minor">
+                  <a:schemeClr val="lt1"/>
+                </a:fontRef>
+              </p:style>
+              <p:txBody>
+                <a:bodyPr rtlCol="0" anchor="ctr"/>
+                <a:lstStyle/>
+                <a:p>
+                  <a:pPr algn="ctr"/>
+                  <a:endParaRPr lang="fr-FR"/>
+                </a:p>
+              </p:txBody>
+            </p:sp>
+            <p:sp>
+              <p:nvSpPr>
+                <p:cNvPr id="222" name="Rectangle 221">
+                  <a:extLst>
+                    <a:ext uri="{FF2B5EF4-FFF2-40B4-BE49-F238E27FC236}">
+                      <a16:creationId xmlns:a16="http://schemas.microsoft.com/office/drawing/2014/main" xmlns="" id="{574F78D5-84BD-2147-82E2-67B0E8C03103}"/>
+                    </a:ext>
+                  </a:extLst>
+                </p:cNvPr>
+                <p:cNvSpPr/>
+                <p:nvPr/>
+              </p:nvSpPr>
+              <p:spPr>
+                <a:xfrm>
+                  <a:off x="1318892" y="2019008"/>
+                  <a:ext cx="196924" cy="576342"/>
+                </a:xfrm>
+                <a:prstGeom prst="rect">
+                  <a:avLst/>
+                </a:prstGeom>
+                <a:gradFill>
+                  <a:gsLst>
+                    <a:gs pos="80000">
+                      <a:schemeClr val="accent1">
+                        <a:alpha val="33000"/>
+                      </a:schemeClr>
+                    </a:gs>
+                    <a:gs pos="0">
+                      <a:srgbClr val="EE502E">
+                        <a:alpha val="0"/>
+                      </a:srgbClr>
+                    </a:gs>
+                    <a:gs pos="100000">
+                      <a:schemeClr val="accent1">
+                        <a:alpha val="0"/>
+                      </a:schemeClr>
+                    </a:gs>
+                  </a:gsLst>
+                  <a:lin ang="5400000" scaled="0"/>
+                </a:gradFill>
+                <a:ln>
+                  <a:noFill/>
+                </a:ln>
+              </p:spPr>
+              <p:style>
+                <a:lnRef idx="2">
+                  <a:schemeClr val="accent1">
+                    <a:shade val="50000"/>
+                  </a:schemeClr>
+                </a:lnRef>
+                <a:fillRef idx="1">
+                  <a:schemeClr val="accent1"/>
+                </a:fillRef>
+                <a:effectRef idx="0">
+                  <a:schemeClr val="accent1"/>
+                </a:effectRef>
+                <a:fontRef idx="minor">
+                  <a:schemeClr val="lt1"/>
+                </a:fontRef>
+              </p:style>
+              <p:txBody>
+                <a:bodyPr rtlCol="0" anchor="ctr"/>
+                <a:lstStyle/>
+                <a:p>
+                  <a:pPr algn="ctr"/>
+                  <a:endParaRPr lang="fr-FR"/>
+                </a:p>
+              </p:txBody>
+            </p:sp>
+            <p:grpSp>
+              <p:nvGrpSpPr>
+                <p:cNvPr id="223" name="Group 222">
+                  <a:extLst>
+                    <a:ext uri="{FF2B5EF4-FFF2-40B4-BE49-F238E27FC236}">
+                      <a16:creationId xmlns:a16="http://schemas.microsoft.com/office/drawing/2014/main" xmlns="" id="{29558640-827B-1A45-8D7F-F0B6392377F4}"/>
+                    </a:ext>
+                  </a:extLst>
+                </p:cNvPr>
+                <p:cNvGrpSpPr/>
+                <p:nvPr/>
+              </p:nvGrpSpPr>
+              <p:grpSpPr>
+                <a:xfrm>
+                  <a:off x="1085311" y="1195283"/>
+                  <a:ext cx="504684" cy="567187"/>
+                  <a:chOff x="1085311" y="1346896"/>
+                  <a:chExt cx="504684" cy="567187"/>
+                </a:xfrm>
+              </p:grpSpPr>
+              <p:pic>
+                <p:nvPicPr>
+                  <p:cNvPr id="224" name="Picture 223">
+                    <a:extLst>
+                      <a:ext uri="{FF2B5EF4-FFF2-40B4-BE49-F238E27FC236}">
+                        <a16:creationId xmlns:a16="http://schemas.microsoft.com/office/drawing/2014/main" xmlns="" id="{7D605CEB-6CCF-174D-9A0C-5178FEDB61C3}"/>
+                      </a:ext>
+                    </a:extLst>
+                  </p:cNvPr>
+                  <p:cNvPicPr>
+                    <a:picLocks noChangeAspect="1"/>
+                  </p:cNvPicPr>
+                  <p:nvPr/>
+                </p:nvPicPr>
+                <p:blipFill>
+                  <a:blip r:embed="rId6" cstate="print">
+                    <a:duotone>
+                      <a:schemeClr val="bg2">
+                        <a:shade val="45000"/>
+                        <a:satMod val="135000"/>
+                      </a:schemeClr>
+                      <a:prstClr val="white"/>
+                    </a:duotone>
+                    <a:extLst>
+                      <a:ext uri="{28A0092B-C50C-407E-A947-70E740481C1C}">
+                        <a14:useLocalDpi xmlns:a14="http://schemas.microsoft.com/office/drawing/2010/main"/>
+                      </a:ext>
+                    </a:extLst>
+                  </a:blip>
+                  <a:stretch>
+                    <a:fillRect/>
+                  </a:stretch>
+                </p:blipFill>
+                <p:spPr>
+                  <a:xfrm rot="5400000">
+                    <a:off x="1054059" y="1378148"/>
+                    <a:ext cx="567187" cy="504684"/>
+                  </a:xfrm>
+                  <a:prstGeom prst="rect">
+                    <a:avLst/>
+                  </a:prstGeom>
+                </p:spPr>
+              </p:pic>
+              <p:sp>
+                <p:nvSpPr>
+                  <p:cNvPr id="225" name="Rectangle 224">
+                    <a:extLst>
+                      <a:ext uri="{FF2B5EF4-FFF2-40B4-BE49-F238E27FC236}">
+                        <a16:creationId xmlns:a16="http://schemas.microsoft.com/office/drawing/2014/main" xmlns="" id="{CD8A4BAA-AFEB-5C44-B8C7-AD0439728A06}"/>
+                      </a:ext>
+                    </a:extLst>
+                  </p:cNvPr>
+                  <p:cNvSpPr/>
+                  <p:nvPr/>
+                </p:nvSpPr>
+                <p:spPr>
+                  <a:xfrm>
+                    <a:off x="1130230" y="1525082"/>
+                    <a:ext cx="412884" cy="193964"/>
+                  </a:xfrm>
+                  <a:prstGeom prst="rect">
+                    <a:avLst/>
+                  </a:prstGeom>
+                </p:spPr>
+                <p:txBody>
+                  <a:bodyPr wrap="square" lIns="0" tIns="0" rIns="0" bIns="0" anchor="ctr">
+                    <a:spAutoFit/>
+                  </a:bodyPr>
+                  <a:lstStyle/>
+                  <a:p>
+                    <a:pPr algn="ctr">
+                      <a:lnSpc>
+                        <a:spcPts val="1600"/>
+                      </a:lnSpc>
+                      <a:spcBef>
+                        <a:spcPts val="100"/>
+                      </a:spcBef>
+                      <a:spcAft>
+                        <a:spcPts val="100"/>
+                      </a:spcAft>
+                    </a:pPr>
+                    <a:r>
+                      <a:rPr lang="en-US" sz="1200" b="1" dirty="0">
+                        <a:solidFill>
+                          <a:schemeClr val="tx1">
+                            <a:lumMod val="60000"/>
+                            <a:lumOff val="40000"/>
+                          </a:schemeClr>
+                        </a:solidFill>
+                        <a:latin typeface="Source Sans Pro" charset="0"/>
+                        <a:ea typeface="Source Sans Pro" charset="0"/>
+                        <a:cs typeface="Source Sans Pro" charset="0"/>
+                      </a:rPr>
+                      <a:t>APP</a:t>
+                    </a:r>
+                  </a:p>
+                </p:txBody>
+              </p:sp>
+            </p:grpSp>
+          </p:grpSp>
+          <p:sp>
+            <p:nvSpPr>
+              <p:cNvPr id="169" name="Rectangle 168">
+                <a:extLst>
+                  <a:ext uri="{FF2B5EF4-FFF2-40B4-BE49-F238E27FC236}">
+                    <a16:creationId xmlns:a16="http://schemas.microsoft.com/office/drawing/2014/main" xmlns="" id="{C638B7AD-1CCB-344B-90A7-6AD228607390}"/>
+                  </a:ext>
+                </a:extLst>
+              </p:cNvPr>
+              <p:cNvSpPr/>
+              <p:nvPr/>
+            </p:nvSpPr>
+            <p:spPr>
+              <a:xfrm>
+                <a:off x="736853" y="5455143"/>
+                <a:ext cx="770111" cy="245474"/>
+              </a:xfrm>
+              <a:prstGeom prst="rect">
+                <a:avLst/>
+              </a:prstGeom>
+              <a:solidFill>
+                <a:schemeClr val="bg1"/>
+              </a:solidFill>
+              <a:effectLst/>
+            </p:spPr>
+            <p:txBody>
+              <a:bodyPr wrap="square" lIns="0" rIns="0">
+                <a:noAutofit/>
+              </a:bodyPr>
+              <a:lstStyle/>
+              <a:p>
+                <a:pPr algn="ctr">
+                  <a:lnSpc>
+                    <a:spcPts val="1300"/>
+                  </a:lnSpc>
+                </a:pPr>
+                <a:r>
+                  <a:rPr lang="en-US" sz="1100" b="1" dirty="0">
+                    <a:ln w="0"/>
+                    <a:solidFill>
+                      <a:schemeClr val="tx1">
+                        <a:lumMod val="75000"/>
+                      </a:schemeClr>
+                    </a:solidFill>
+                    <a:latin typeface="Source Sans Pro" charset="0"/>
+                    <a:ea typeface="Source Sans Pro" charset="0"/>
+                    <a:cs typeface="Source Sans Pro" charset="0"/>
+                  </a:rPr>
+                  <a:t>HARDWARE  </a:t>
+                </a:r>
+              </a:p>
+            </p:txBody>
+          </p:sp>
+          <p:sp>
+            <p:nvSpPr>
+              <p:cNvPr id="170" name="Rectangle 169">
+                <a:extLst>
+                  <a:ext uri="{FF2B5EF4-FFF2-40B4-BE49-F238E27FC236}">
+                    <a16:creationId xmlns:a16="http://schemas.microsoft.com/office/drawing/2014/main" xmlns="" id="{029B660A-EF35-7F47-B2E4-6388AAA8773F}"/>
+                  </a:ext>
+                </a:extLst>
+              </p:cNvPr>
+              <p:cNvSpPr/>
+              <p:nvPr/>
+            </p:nvSpPr>
+            <p:spPr>
+              <a:xfrm>
+                <a:off x="779662" y="4167878"/>
+                <a:ext cx="684492" cy="228890"/>
+              </a:xfrm>
+              <a:prstGeom prst="rect">
+                <a:avLst/>
+              </a:prstGeom>
+              <a:solidFill>
+                <a:schemeClr val="bg1"/>
+              </a:solidFill>
+              <a:effectLst/>
+            </p:spPr>
+            <p:txBody>
+              <a:bodyPr wrap="square" lIns="0" rIns="0">
+                <a:noAutofit/>
+              </a:bodyPr>
+              <a:lstStyle/>
+              <a:p>
+                <a:pPr algn="ctr">
+                  <a:lnSpc>
+                    <a:spcPts val="1300"/>
+                  </a:lnSpc>
+                </a:pPr>
+                <a:r>
+                  <a:rPr lang="en-US" sz="1100" b="1" dirty="0">
+                    <a:ln w="0"/>
+                    <a:solidFill>
+                      <a:schemeClr val="tx1">
+                        <a:lumMod val="60000"/>
+                        <a:lumOff val="40000"/>
+                      </a:schemeClr>
+                    </a:solidFill>
+                    <a:latin typeface="Source Sans Pro" charset="0"/>
+                    <a:ea typeface="Source Sans Pro" charset="0"/>
+                    <a:cs typeface="Source Sans Pro" charset="0"/>
+                  </a:rPr>
+                  <a:t>PLATFORM</a:t>
+                </a:r>
+              </a:p>
+            </p:txBody>
+          </p:sp>
+          <p:sp>
+            <p:nvSpPr>
+              <p:cNvPr id="171" name="Rectangle 170">
+                <a:extLst>
+                  <a:ext uri="{FF2B5EF4-FFF2-40B4-BE49-F238E27FC236}">
+                    <a16:creationId xmlns:a16="http://schemas.microsoft.com/office/drawing/2014/main" xmlns="" id="{5C366557-F60D-8B4C-BB9C-4D09899ED066}"/>
+                  </a:ext>
+                </a:extLst>
+              </p:cNvPr>
+              <p:cNvSpPr/>
+              <p:nvPr/>
+            </p:nvSpPr>
+            <p:spPr>
+              <a:xfrm>
+                <a:off x="605494" y="2817806"/>
+                <a:ext cx="1061803" cy="228890"/>
+              </a:xfrm>
+              <a:prstGeom prst="rect">
+                <a:avLst/>
+              </a:prstGeom>
+              <a:solidFill>
+                <a:schemeClr val="bg1"/>
+              </a:solidFill>
+              <a:effectLst/>
+            </p:spPr>
+            <p:txBody>
+              <a:bodyPr wrap="square" lIns="0" rIns="0">
+                <a:noAutofit/>
+              </a:bodyPr>
+              <a:lstStyle/>
+              <a:p>
+                <a:pPr algn="ctr">
+                  <a:lnSpc>
+                    <a:spcPts val="1300"/>
+                  </a:lnSpc>
+                </a:pPr>
+                <a:r>
+                  <a:rPr lang="en-US" sz="1100" b="1" dirty="0">
+                    <a:ln w="0"/>
+                    <a:solidFill>
+                      <a:schemeClr val="accent1"/>
+                    </a:solidFill>
+                    <a:latin typeface="Source Sans Pro" charset="0"/>
+                    <a:ea typeface="Source Sans Pro" charset="0"/>
+                    <a:cs typeface="Source Sans Pro" charset="0"/>
+                  </a:rPr>
+                  <a:t>VIRTUALIZATION</a:t>
+                </a:r>
+              </a:p>
+            </p:txBody>
+          </p:sp>
+          <p:sp>
+            <p:nvSpPr>
+              <p:cNvPr id="172" name="Rectangle 171">
+                <a:extLst>
+                  <a:ext uri="{FF2B5EF4-FFF2-40B4-BE49-F238E27FC236}">
+                    <a16:creationId xmlns:a16="http://schemas.microsoft.com/office/drawing/2014/main" xmlns="" id="{6279CB0B-90EE-E949-B2CD-7BD3106D5A65}"/>
+                  </a:ext>
+                </a:extLst>
+              </p:cNvPr>
+              <p:cNvSpPr/>
+              <p:nvPr/>
+            </p:nvSpPr>
+            <p:spPr>
+              <a:xfrm>
+                <a:off x="698776" y="1373469"/>
+                <a:ext cx="1032826" cy="228890"/>
+              </a:xfrm>
+              <a:prstGeom prst="rect">
+                <a:avLst/>
+              </a:prstGeom>
+              <a:solidFill>
+                <a:schemeClr val="bg1"/>
+              </a:solidFill>
+              <a:effectLst/>
+            </p:spPr>
+            <p:txBody>
+              <a:bodyPr wrap="square" lIns="0" rIns="0">
+                <a:noAutofit/>
+              </a:bodyPr>
+              <a:lstStyle/>
+              <a:p>
+                <a:pPr algn="ctr">
+                  <a:lnSpc>
+                    <a:spcPts val="1300"/>
+                  </a:lnSpc>
+                </a:pPr>
+                <a:r>
+                  <a:rPr lang="en-US" sz="1100" b="1" dirty="0">
+                    <a:solidFill>
+                      <a:schemeClr val="tx1">
+                        <a:lumMod val="40000"/>
+                        <a:lumOff val="60000"/>
+                      </a:schemeClr>
+                    </a:solidFill>
+                    <a:latin typeface="Source Sans Pro" charset="0"/>
+                    <a:ea typeface="Source Sans Pro" charset="0"/>
+                  </a:rPr>
+                  <a:t>APPLICATION</a:t>
+                </a:r>
+              </a:p>
+            </p:txBody>
+          </p:sp>
+        </p:grpSp>
+      </p:grpSp>
+      <p:sp>
+        <p:nvSpPr>
+          <p:cNvPr id="234" name="Rounded Rectangle 233">
+            <a:extLst>
+              <a:ext uri="{FF2B5EF4-FFF2-40B4-BE49-F238E27FC236}">
+                <a16:creationId xmlns:a16="http://schemas.microsoft.com/office/drawing/2014/main" xmlns="" id="{141AB4C3-853E-1440-9794-8C4C6FF706CF}"/>
               </a:ext>
             </a:extLst>
           </p:cNvPr>
@@ -12970,102 +15050,6 @@
           </a:p>
         </p:txBody>
       </p:sp>
-      <p:sp>
-        <p:nvSpPr>
-          <p:cNvPr id="302" name="TextBox 301">
-            <a:extLst>
-              <a:ext uri="{FF2B5EF4-FFF2-40B4-BE49-F238E27FC236}">
-                <a16:creationId xmlns:a16="http://schemas.microsoft.com/office/drawing/2014/main" id="{F4D0B262-BDE5-6842-B6C0-4BE4D97FBA60}"/>
-              </a:ext>
-            </a:extLst>
-          </p:cNvPr>
-          <p:cNvSpPr txBox="1"/>
-          <p:nvPr/>
-        </p:nvSpPr>
-        <p:spPr>
-          <a:xfrm>
-            <a:off x="839416" y="339648"/>
-            <a:ext cx="10893877" cy="523220"/>
-          </a:xfrm>
-          <a:prstGeom prst="rect">
-            <a:avLst/>
-          </a:prstGeom>
-          <a:noFill/>
-        </p:spPr>
-        <p:txBody>
-          <a:bodyPr wrap="square" rtlCol="0">
-            <a:spAutoFit/>
-          </a:bodyPr>
-          <a:lstStyle/>
-          <a:p>
-            <a:r>
-              <a:rPr lang="en-US" sz="2800" dirty="0">
-                <a:latin typeface="Source Sans Pro Light" charset="0"/>
-                <a:ea typeface="Source Sans Pro Light" charset="0"/>
-                <a:cs typeface="Source Sans Pro Light" charset="0"/>
-              </a:rPr>
-              <a:t>Implementation on hardware + low level </a:t>
-            </a:r>
-            <a:r>
-              <a:rPr lang="en-US" sz="2800" dirty="0" err="1">
-                <a:latin typeface="Source Sans Pro Light" charset="0"/>
-                <a:ea typeface="Source Sans Pro Light" charset="0"/>
-                <a:cs typeface="Source Sans Pro Light" charset="0"/>
-              </a:rPr>
-              <a:t>api</a:t>
-            </a:r>
-            <a:r>
-              <a:rPr lang="en-US" sz="2800" dirty="0">
-                <a:latin typeface="Source Sans Pro Light" charset="0"/>
-                <a:ea typeface="Source Sans Pro Light" charset="0"/>
-                <a:cs typeface="Source Sans Pro Light" charset="0"/>
-              </a:rPr>
-              <a:t>, for DOCS website</a:t>
-            </a:r>
-          </a:p>
-        </p:txBody>
-      </p:sp>
-      <p:cxnSp>
-        <p:nvCxnSpPr>
-          <p:cNvPr id="303" name="Straight Connector 302">
-            <a:extLst>
-              <a:ext uri="{FF2B5EF4-FFF2-40B4-BE49-F238E27FC236}">
-                <a16:creationId xmlns:a16="http://schemas.microsoft.com/office/drawing/2014/main" id="{EC4A25BC-4DE0-8D44-8012-3C04C902CE8B}"/>
-              </a:ext>
-            </a:extLst>
-          </p:cNvPr>
-          <p:cNvCxnSpPr/>
-          <p:nvPr/>
-        </p:nvCxnSpPr>
-        <p:spPr>
-          <a:xfrm>
-            <a:off x="839416" y="973732"/>
-            <a:ext cx="9568588" cy="0"/>
-          </a:xfrm>
-          <a:prstGeom prst="line">
-            <a:avLst/>
-          </a:prstGeom>
-          <a:ln>
-            <a:solidFill>
-              <a:schemeClr val="bg2"/>
-            </a:solidFill>
-          </a:ln>
-        </p:spPr>
-        <p:style>
-          <a:lnRef idx="1">
-            <a:schemeClr val="accent1"/>
-          </a:lnRef>
-          <a:fillRef idx="0">
-            <a:schemeClr val="accent1"/>
-          </a:fillRef>
-          <a:effectRef idx="0">
-            <a:schemeClr val="accent1"/>
-          </a:effectRef>
-          <a:fontRef idx="minor">
-            <a:schemeClr val="tx1"/>
-          </a:fontRef>
-        </p:style>
-      </p:cxnSp>
     </p:spTree>
     <p:extLst>
       <p:ext uri="{BB962C8B-B14F-4D97-AF65-F5344CB8AC3E}">
